--- a/Smart Eco SystemBlankBGEdited.pptx
+++ b/Smart Eco SystemBlankBGEdited.pptx
@@ -11,8 +11,8 @@
     <p:notesMasterId r:id="rId23"/>
   </p:notesMasterIdLst>
   <p:sldIdLst>
-    <p:sldId id="256" r:id="rId5"/>
-    <p:sldId id="273" r:id="rId6"/>
+    <p:sldId id="273" r:id="rId5"/>
+    <p:sldId id="256" r:id="rId6"/>
     <p:sldId id="257" r:id="rId7"/>
     <p:sldId id="258" r:id="rId8"/>
     <p:sldId id="259" r:id="rId9"/>
@@ -220,7 +220,7 @@
           <a:p>
             <a:fld id="{3EFD42F7-718C-4B98-AAEC-167E6DDD60A7}" type="datetimeFigureOut">
               <a:rPr lang="en-US" smtClean="0"/>
-              <a:t>10/22/2018</a:t>
+              <a:t>10/23/2018</a:t>
             </a:fld>
             <a:endParaRPr lang="en-US"/>
           </a:p>
@@ -284,38 +284,37 @@
           <a:p>
             <a:pPr lvl="0"/>
             <a:r>
-              <a:rPr lang="en-US" smtClean="0"/>
+              <a:rPr lang="en-US"/>
               <a:t>Click to edit Master text styles</a:t>
             </a:r>
           </a:p>
           <a:p>
             <a:pPr lvl="1"/>
             <a:r>
-              <a:rPr lang="en-US" smtClean="0"/>
+              <a:rPr lang="en-US"/>
               <a:t>Second level</a:t>
             </a:r>
           </a:p>
           <a:p>
             <a:pPr lvl="2"/>
             <a:r>
-              <a:rPr lang="en-US" smtClean="0"/>
+              <a:rPr lang="en-US"/>
               <a:t>Third level</a:t>
             </a:r>
           </a:p>
           <a:p>
             <a:pPr lvl="3"/>
             <a:r>
-              <a:rPr lang="en-US" smtClean="0"/>
+              <a:rPr lang="en-US"/>
               <a:t>Fourth level</a:t>
             </a:r>
           </a:p>
           <a:p>
             <a:pPr lvl="4"/>
             <a:r>
-              <a:rPr lang="en-US" smtClean="0"/>
+              <a:rPr lang="en-US"/>
               <a:t>Fifth level</a:t>
             </a:r>
-            <a:endParaRPr lang="en-US"/>
           </a:p>
         </p:txBody>
       </p:sp>
@@ -525,7 +524,7 @@
           </a:lstStyle>
           <a:p>
             <a:r>
-              <a:rPr lang="en-US" smtClean="0"/>
+              <a:rPr lang="en-US"/>
               <a:t>Click to edit Master title style</a:t>
             </a:r>
             <a:endParaRPr lang="en-GB"/>
@@ -590,7 +589,7 @@
           </a:lstStyle>
           <a:p>
             <a:r>
-              <a:rPr lang="en-US" smtClean="0"/>
+              <a:rPr lang="en-US"/>
               <a:t>Click to edit Master subtitle style</a:t>
             </a:r>
             <a:endParaRPr lang="en-GB"/>
@@ -614,7 +613,7 @@
           <a:p>
             <a:fld id="{FDE934FF-F4E1-47C5-9CA5-30A81DDE2BE4}" type="datetimeFigureOut">
               <a:rPr lang="en-US" smtClean="0"/>
-              <a:t>10/22/2018</a:t>
+              <a:t>10/23/2018</a:t>
             </a:fld>
             <a:endParaRPr lang="en-US"/>
           </a:p>
@@ -709,7 +708,7 @@
           <a:lstStyle/>
           <a:p>
             <a:r>
-              <a:rPr lang="en-US" smtClean="0"/>
+              <a:rPr lang="en-US"/>
               <a:t>Click to edit Master title style</a:t>
             </a:r>
             <a:endParaRPr lang="en-GB"/>
@@ -733,35 +732,35 @@
           <a:p>
             <a:pPr lvl="0"/>
             <a:r>
-              <a:rPr lang="en-US" smtClean="0"/>
+              <a:rPr lang="en-US"/>
               <a:t>Edit Master text styles</a:t>
             </a:r>
           </a:p>
           <a:p>
             <a:pPr lvl="1"/>
             <a:r>
-              <a:rPr lang="en-US" smtClean="0"/>
+              <a:rPr lang="en-US"/>
               <a:t>Second level</a:t>
             </a:r>
           </a:p>
           <a:p>
             <a:pPr lvl="2"/>
             <a:r>
-              <a:rPr lang="en-US" smtClean="0"/>
+              <a:rPr lang="en-US"/>
               <a:t>Third level</a:t>
             </a:r>
           </a:p>
           <a:p>
             <a:pPr lvl="3"/>
             <a:r>
-              <a:rPr lang="en-US" smtClean="0"/>
+              <a:rPr lang="en-US"/>
               <a:t>Fourth level</a:t>
             </a:r>
           </a:p>
           <a:p>
             <a:pPr lvl="4"/>
             <a:r>
-              <a:rPr lang="en-US" smtClean="0"/>
+              <a:rPr lang="en-US"/>
               <a:t>Fifth level</a:t>
             </a:r>
             <a:endParaRPr lang="en-GB"/>
@@ -785,7 +784,7 @@
           <a:p>
             <a:fld id="{FDE934FF-F4E1-47C5-9CA5-30A81DDE2BE4}" type="datetimeFigureOut">
               <a:rPr lang="en-US" smtClean="0"/>
-              <a:t>10/22/2018</a:t>
+              <a:t>10/23/2018</a:t>
             </a:fld>
             <a:endParaRPr lang="en-US"/>
           </a:p>
@@ -885,7 +884,7 @@
           <a:lstStyle/>
           <a:p>
             <a:r>
-              <a:rPr lang="en-US" smtClean="0"/>
+              <a:rPr lang="en-US"/>
               <a:t>Click to edit Master title style</a:t>
             </a:r>
             <a:endParaRPr lang="en-GB"/>
@@ -914,35 +913,35 @@
           <a:p>
             <a:pPr lvl="0"/>
             <a:r>
-              <a:rPr lang="en-US" smtClean="0"/>
+              <a:rPr lang="en-US"/>
               <a:t>Edit Master text styles</a:t>
             </a:r>
           </a:p>
           <a:p>
             <a:pPr lvl="1"/>
             <a:r>
-              <a:rPr lang="en-US" smtClean="0"/>
+              <a:rPr lang="en-US"/>
               <a:t>Second level</a:t>
             </a:r>
           </a:p>
           <a:p>
             <a:pPr lvl="2"/>
             <a:r>
-              <a:rPr lang="en-US" smtClean="0"/>
+              <a:rPr lang="en-US"/>
               <a:t>Third level</a:t>
             </a:r>
           </a:p>
           <a:p>
             <a:pPr lvl="3"/>
             <a:r>
-              <a:rPr lang="en-US" smtClean="0"/>
+              <a:rPr lang="en-US"/>
               <a:t>Fourth level</a:t>
             </a:r>
           </a:p>
           <a:p>
             <a:pPr lvl="4"/>
             <a:r>
-              <a:rPr lang="en-US" smtClean="0"/>
+              <a:rPr lang="en-US"/>
               <a:t>Fifth level</a:t>
             </a:r>
             <a:endParaRPr lang="en-GB"/>
@@ -966,7 +965,7 @@
           <a:p>
             <a:fld id="{FDE934FF-F4E1-47C5-9CA5-30A81DDE2BE4}" type="datetimeFigureOut">
               <a:rPr lang="en-US" smtClean="0"/>
-              <a:t>10/22/2018</a:t>
+              <a:t>10/23/2018</a:t>
             </a:fld>
             <a:endParaRPr lang="en-US"/>
           </a:p>
@@ -1070,7 +1069,7 @@
           </a:lstStyle>
           <a:p>
             <a:r>
-              <a:rPr lang="en-US" smtClean="0"/>
+              <a:rPr lang="en-US"/>
               <a:t>Click to edit Master title style</a:t>
             </a:r>
             <a:endParaRPr lang="en-GB"/>
@@ -1135,7 +1134,7 @@
           </a:lstStyle>
           <a:p>
             <a:r>
-              <a:rPr lang="en-US" smtClean="0"/>
+              <a:rPr lang="en-US"/>
               <a:t>Click to edit Master subtitle style</a:t>
             </a:r>
             <a:endParaRPr lang="en-GB"/>
@@ -1159,7 +1158,7 @@
           <a:p>
             <a:fld id="{FDE934FF-F4E1-47C5-9CA5-30A81DDE2BE4}" type="datetimeFigureOut">
               <a:rPr lang="en-US" smtClean="0"/>
-              <a:t>10/22/2018</a:t>
+              <a:t>10/23/2018</a:t>
             </a:fld>
             <a:endParaRPr lang="en-US"/>
           </a:p>
@@ -1254,7 +1253,7 @@
           <a:lstStyle/>
           <a:p>
             <a:r>
-              <a:rPr lang="en-US" smtClean="0"/>
+              <a:rPr lang="en-US"/>
               <a:t>Click to edit Master title style</a:t>
             </a:r>
             <a:endParaRPr lang="en-GB"/>
@@ -1278,35 +1277,35 @@
           <a:p>
             <a:pPr lvl="0"/>
             <a:r>
-              <a:rPr lang="en-US" smtClean="0"/>
+              <a:rPr lang="en-US"/>
               <a:t>Edit Master text styles</a:t>
             </a:r>
           </a:p>
           <a:p>
             <a:pPr lvl="1"/>
             <a:r>
-              <a:rPr lang="en-US" smtClean="0"/>
+              <a:rPr lang="en-US"/>
               <a:t>Second level</a:t>
             </a:r>
           </a:p>
           <a:p>
             <a:pPr lvl="2"/>
             <a:r>
-              <a:rPr lang="en-US" smtClean="0"/>
+              <a:rPr lang="en-US"/>
               <a:t>Third level</a:t>
             </a:r>
           </a:p>
           <a:p>
             <a:pPr lvl="3"/>
             <a:r>
-              <a:rPr lang="en-US" smtClean="0"/>
+              <a:rPr lang="en-US"/>
               <a:t>Fourth level</a:t>
             </a:r>
           </a:p>
           <a:p>
             <a:pPr lvl="4"/>
             <a:r>
-              <a:rPr lang="en-US" smtClean="0"/>
+              <a:rPr lang="en-US"/>
               <a:t>Fifth level</a:t>
             </a:r>
             <a:endParaRPr lang="en-GB"/>
@@ -1330,7 +1329,7 @@
           <a:p>
             <a:fld id="{FDE934FF-F4E1-47C5-9CA5-30A81DDE2BE4}" type="datetimeFigureOut">
               <a:rPr lang="en-US" smtClean="0"/>
-              <a:t>10/22/2018</a:t>
+              <a:t>10/23/2018</a:t>
             </a:fld>
             <a:endParaRPr lang="en-US"/>
           </a:p>
@@ -1434,7 +1433,7 @@
           </a:lstStyle>
           <a:p>
             <a:r>
-              <a:rPr lang="en-US" smtClean="0"/>
+              <a:rPr lang="en-US"/>
               <a:t>Click to edit Master title style</a:t>
             </a:r>
             <a:endParaRPr lang="en-GB"/>
@@ -1554,7 +1553,7 @@
           <a:p>
             <a:pPr lvl="0"/>
             <a:r>
-              <a:rPr lang="en-US" smtClean="0"/>
+              <a:rPr lang="en-US"/>
               <a:t>Edit Master text styles</a:t>
             </a:r>
           </a:p>
@@ -1577,7 +1576,7 @@
           <a:p>
             <a:fld id="{FDE934FF-F4E1-47C5-9CA5-30A81DDE2BE4}" type="datetimeFigureOut">
               <a:rPr lang="en-US" smtClean="0"/>
-              <a:t>10/22/2018</a:t>
+              <a:t>10/23/2018</a:t>
             </a:fld>
             <a:endParaRPr lang="en-US"/>
           </a:p>
@@ -1672,7 +1671,7 @@
           <a:lstStyle/>
           <a:p>
             <a:r>
-              <a:rPr lang="en-US" smtClean="0"/>
+              <a:rPr lang="en-US"/>
               <a:t>Click to edit Master title style</a:t>
             </a:r>
             <a:endParaRPr lang="en-GB"/>
@@ -1701,35 +1700,35 @@
           <a:p>
             <a:pPr lvl="0"/>
             <a:r>
-              <a:rPr lang="en-US" smtClean="0"/>
+              <a:rPr lang="en-US"/>
               <a:t>Edit Master text styles</a:t>
             </a:r>
           </a:p>
           <a:p>
             <a:pPr lvl="1"/>
             <a:r>
-              <a:rPr lang="en-US" smtClean="0"/>
+              <a:rPr lang="en-US"/>
               <a:t>Second level</a:t>
             </a:r>
           </a:p>
           <a:p>
             <a:pPr lvl="2"/>
             <a:r>
-              <a:rPr lang="en-US" smtClean="0"/>
+              <a:rPr lang="en-US"/>
               <a:t>Third level</a:t>
             </a:r>
           </a:p>
           <a:p>
             <a:pPr lvl="3"/>
             <a:r>
-              <a:rPr lang="en-US" smtClean="0"/>
+              <a:rPr lang="en-US"/>
               <a:t>Fourth level</a:t>
             </a:r>
           </a:p>
           <a:p>
             <a:pPr lvl="4"/>
             <a:r>
-              <a:rPr lang="en-US" smtClean="0"/>
+              <a:rPr lang="en-US"/>
               <a:t>Fifth level</a:t>
             </a:r>
             <a:endParaRPr lang="en-GB"/>
@@ -1758,35 +1757,35 @@
           <a:p>
             <a:pPr lvl="0"/>
             <a:r>
-              <a:rPr lang="en-US" smtClean="0"/>
+              <a:rPr lang="en-US"/>
               <a:t>Edit Master text styles</a:t>
             </a:r>
           </a:p>
           <a:p>
             <a:pPr lvl="1"/>
             <a:r>
-              <a:rPr lang="en-US" smtClean="0"/>
+              <a:rPr lang="en-US"/>
               <a:t>Second level</a:t>
             </a:r>
           </a:p>
           <a:p>
             <a:pPr lvl="2"/>
             <a:r>
-              <a:rPr lang="en-US" smtClean="0"/>
+              <a:rPr lang="en-US"/>
               <a:t>Third level</a:t>
             </a:r>
           </a:p>
           <a:p>
             <a:pPr lvl="3"/>
             <a:r>
-              <a:rPr lang="en-US" smtClean="0"/>
+              <a:rPr lang="en-US"/>
               <a:t>Fourth level</a:t>
             </a:r>
           </a:p>
           <a:p>
             <a:pPr lvl="4"/>
             <a:r>
-              <a:rPr lang="en-US" smtClean="0"/>
+              <a:rPr lang="en-US"/>
               <a:t>Fifth level</a:t>
             </a:r>
             <a:endParaRPr lang="en-GB"/>
@@ -1810,7 +1809,7 @@
           <a:p>
             <a:fld id="{FDE934FF-F4E1-47C5-9CA5-30A81DDE2BE4}" type="datetimeFigureOut">
               <a:rPr lang="en-US" smtClean="0"/>
-              <a:t>10/22/2018</a:t>
+              <a:t>10/23/2018</a:t>
             </a:fld>
             <a:endParaRPr lang="en-US"/>
           </a:p>
@@ -1915,7 +1914,7 @@
           <a:lstStyle/>
           <a:p>
             <a:r>
-              <a:rPr lang="en-US" smtClean="0"/>
+              <a:rPr lang="en-US"/>
               <a:t>Click to edit Master title style</a:t>
             </a:r>
             <a:endParaRPr lang="en-GB"/>
@@ -1981,7 +1980,7 @@
           <a:p>
             <a:pPr lvl="0"/>
             <a:r>
-              <a:rPr lang="en-US" smtClean="0"/>
+              <a:rPr lang="en-US"/>
               <a:t>Edit Master text styles</a:t>
             </a:r>
           </a:p>
@@ -2009,35 +2008,35 @@
           <a:p>
             <a:pPr lvl="0"/>
             <a:r>
-              <a:rPr lang="en-US" smtClean="0"/>
+              <a:rPr lang="en-US"/>
               <a:t>Edit Master text styles</a:t>
             </a:r>
           </a:p>
           <a:p>
             <a:pPr lvl="1"/>
             <a:r>
-              <a:rPr lang="en-US" smtClean="0"/>
+              <a:rPr lang="en-US"/>
               <a:t>Second level</a:t>
             </a:r>
           </a:p>
           <a:p>
             <a:pPr lvl="2"/>
             <a:r>
-              <a:rPr lang="en-US" smtClean="0"/>
+              <a:rPr lang="en-US"/>
               <a:t>Third level</a:t>
             </a:r>
           </a:p>
           <a:p>
             <a:pPr lvl="3"/>
             <a:r>
-              <a:rPr lang="en-US" smtClean="0"/>
+              <a:rPr lang="en-US"/>
               <a:t>Fourth level</a:t>
             </a:r>
           </a:p>
           <a:p>
             <a:pPr lvl="4"/>
             <a:r>
-              <a:rPr lang="en-US" smtClean="0"/>
+              <a:rPr lang="en-US"/>
               <a:t>Fifth level</a:t>
             </a:r>
             <a:endParaRPr lang="en-GB"/>
@@ -2103,7 +2102,7 @@
           <a:p>
             <a:pPr lvl="0"/>
             <a:r>
-              <a:rPr lang="en-US" smtClean="0"/>
+              <a:rPr lang="en-US"/>
               <a:t>Edit Master text styles</a:t>
             </a:r>
           </a:p>
@@ -2131,35 +2130,35 @@
           <a:p>
             <a:pPr lvl="0"/>
             <a:r>
-              <a:rPr lang="en-US" smtClean="0"/>
+              <a:rPr lang="en-US"/>
               <a:t>Edit Master text styles</a:t>
             </a:r>
           </a:p>
           <a:p>
             <a:pPr lvl="1"/>
             <a:r>
-              <a:rPr lang="en-US" smtClean="0"/>
+              <a:rPr lang="en-US"/>
               <a:t>Second level</a:t>
             </a:r>
           </a:p>
           <a:p>
             <a:pPr lvl="2"/>
             <a:r>
-              <a:rPr lang="en-US" smtClean="0"/>
+              <a:rPr lang="en-US"/>
               <a:t>Third level</a:t>
             </a:r>
           </a:p>
           <a:p>
             <a:pPr lvl="3"/>
             <a:r>
-              <a:rPr lang="en-US" smtClean="0"/>
+              <a:rPr lang="en-US"/>
               <a:t>Fourth level</a:t>
             </a:r>
           </a:p>
           <a:p>
             <a:pPr lvl="4"/>
             <a:r>
-              <a:rPr lang="en-US" smtClean="0"/>
+              <a:rPr lang="en-US"/>
               <a:t>Fifth level</a:t>
             </a:r>
             <a:endParaRPr lang="en-GB"/>
@@ -2183,7 +2182,7 @@
           <a:p>
             <a:fld id="{FDE934FF-F4E1-47C5-9CA5-30A81DDE2BE4}" type="datetimeFigureOut">
               <a:rPr lang="en-US" smtClean="0"/>
-              <a:t>10/22/2018</a:t>
+              <a:t>10/23/2018</a:t>
             </a:fld>
             <a:endParaRPr lang="en-US"/>
           </a:p>
@@ -2283,7 +2282,7 @@
           <a:lstStyle/>
           <a:p>
             <a:r>
-              <a:rPr lang="en-US" smtClean="0"/>
+              <a:rPr lang="en-US"/>
               <a:t>Click to edit Master title style</a:t>
             </a:r>
             <a:endParaRPr lang="en-GB"/>
@@ -2307,7 +2306,7 @@
           <a:p>
             <a:fld id="{FDE934FF-F4E1-47C5-9CA5-30A81DDE2BE4}" type="datetimeFigureOut">
               <a:rPr lang="en-US" smtClean="0"/>
-              <a:t>10/22/2018</a:t>
+              <a:t>10/23/2018</a:t>
             </a:fld>
             <a:endParaRPr lang="en-US"/>
           </a:p>
@@ -2403,7 +2402,7 @@
           <a:p>
             <a:fld id="{FDE934FF-F4E1-47C5-9CA5-30A81DDE2BE4}" type="datetimeFigureOut">
               <a:rPr lang="en-US" smtClean="0"/>
-              <a:t>10/22/2018</a:t>
+              <a:t>10/23/2018</a:t>
             </a:fld>
             <a:endParaRPr lang="en-US"/>
           </a:p>
@@ -2507,7 +2506,7 @@
           </a:lstStyle>
           <a:p>
             <a:r>
-              <a:rPr lang="en-US" smtClean="0"/>
+              <a:rPr lang="en-US"/>
               <a:t>Click to edit Master title style</a:t>
             </a:r>
             <a:endParaRPr lang="en-GB"/>
@@ -2564,35 +2563,35 @@
           <a:p>
             <a:pPr lvl="0"/>
             <a:r>
-              <a:rPr lang="en-US" smtClean="0"/>
+              <a:rPr lang="en-US"/>
               <a:t>Edit Master text styles</a:t>
             </a:r>
           </a:p>
           <a:p>
             <a:pPr lvl="1"/>
             <a:r>
-              <a:rPr lang="en-US" smtClean="0"/>
+              <a:rPr lang="en-US"/>
               <a:t>Second level</a:t>
             </a:r>
           </a:p>
           <a:p>
             <a:pPr lvl="2"/>
             <a:r>
-              <a:rPr lang="en-US" smtClean="0"/>
+              <a:rPr lang="en-US"/>
               <a:t>Third level</a:t>
             </a:r>
           </a:p>
           <a:p>
             <a:pPr lvl="3"/>
             <a:r>
-              <a:rPr lang="en-US" smtClean="0"/>
+              <a:rPr lang="en-US"/>
               <a:t>Fourth level</a:t>
             </a:r>
           </a:p>
           <a:p>
             <a:pPr lvl="4"/>
             <a:r>
-              <a:rPr lang="en-US" smtClean="0"/>
+              <a:rPr lang="en-US"/>
               <a:t>Fifth level</a:t>
             </a:r>
             <a:endParaRPr lang="en-GB"/>
@@ -2658,7 +2657,7 @@
           <a:p>
             <a:pPr lvl="0"/>
             <a:r>
-              <a:rPr lang="en-US" smtClean="0"/>
+              <a:rPr lang="en-US"/>
               <a:t>Edit Master text styles</a:t>
             </a:r>
           </a:p>
@@ -2681,7 +2680,7 @@
           <a:p>
             <a:fld id="{FDE934FF-F4E1-47C5-9CA5-30A81DDE2BE4}" type="datetimeFigureOut">
               <a:rPr lang="en-US" smtClean="0"/>
-              <a:t>10/22/2018</a:t>
+              <a:t>10/23/2018</a:t>
             </a:fld>
             <a:endParaRPr lang="en-US"/>
           </a:p>
@@ -2781,7 +2780,7 @@
           <a:lstStyle/>
           <a:p>
             <a:r>
-              <a:rPr lang="en-US" smtClean="0"/>
+              <a:rPr lang="en-US"/>
               <a:t>Click to edit Master title style</a:t>
             </a:r>
             <a:endParaRPr lang="en-GB"/>
@@ -2805,35 +2804,35 @@
           <a:p>
             <a:pPr lvl="0"/>
             <a:r>
-              <a:rPr lang="en-US" smtClean="0"/>
+              <a:rPr lang="en-US"/>
               <a:t>Edit Master text styles</a:t>
             </a:r>
           </a:p>
           <a:p>
             <a:pPr lvl="1"/>
             <a:r>
-              <a:rPr lang="en-US" smtClean="0"/>
+              <a:rPr lang="en-US"/>
               <a:t>Second level</a:t>
             </a:r>
           </a:p>
           <a:p>
             <a:pPr lvl="2"/>
             <a:r>
-              <a:rPr lang="en-US" smtClean="0"/>
+              <a:rPr lang="en-US"/>
               <a:t>Third level</a:t>
             </a:r>
           </a:p>
           <a:p>
             <a:pPr lvl="3"/>
             <a:r>
-              <a:rPr lang="en-US" smtClean="0"/>
+              <a:rPr lang="en-US"/>
               <a:t>Fourth level</a:t>
             </a:r>
           </a:p>
           <a:p>
             <a:pPr lvl="4"/>
             <a:r>
-              <a:rPr lang="en-US" smtClean="0"/>
+              <a:rPr lang="en-US"/>
               <a:t>Fifth level</a:t>
             </a:r>
             <a:endParaRPr lang="en-GB"/>
@@ -2857,7 +2856,7 @@
           <a:p>
             <a:fld id="{FDE934FF-F4E1-47C5-9CA5-30A81DDE2BE4}" type="datetimeFigureOut">
               <a:rPr lang="en-US" smtClean="0"/>
-              <a:t>10/22/2018</a:t>
+              <a:t>10/23/2018</a:t>
             </a:fld>
             <a:endParaRPr lang="en-US"/>
           </a:p>
@@ -2961,7 +2960,7 @@
           </a:lstStyle>
           <a:p>
             <a:r>
-              <a:rPr lang="en-US" smtClean="0"/>
+              <a:rPr lang="en-US"/>
               <a:t>Click to edit Master title style</a:t>
             </a:r>
             <a:endParaRPr lang="en-GB"/>
@@ -3088,7 +3087,7 @@
           <a:p>
             <a:pPr lvl="0"/>
             <a:r>
-              <a:rPr lang="en-US" smtClean="0"/>
+              <a:rPr lang="en-US"/>
               <a:t>Edit Master text styles</a:t>
             </a:r>
           </a:p>
@@ -3111,7 +3110,7 @@
           <a:p>
             <a:fld id="{FDE934FF-F4E1-47C5-9CA5-30A81DDE2BE4}" type="datetimeFigureOut">
               <a:rPr lang="en-US" smtClean="0"/>
-              <a:t>10/22/2018</a:t>
+              <a:t>10/23/2018</a:t>
             </a:fld>
             <a:endParaRPr lang="en-US"/>
           </a:p>
@@ -3206,7 +3205,7 @@
           <a:lstStyle/>
           <a:p>
             <a:r>
-              <a:rPr lang="en-US" smtClean="0"/>
+              <a:rPr lang="en-US"/>
               <a:t>Click to edit Master title style</a:t>
             </a:r>
             <a:endParaRPr lang="en-GB"/>
@@ -3230,35 +3229,35 @@
           <a:p>
             <a:pPr lvl="0"/>
             <a:r>
-              <a:rPr lang="en-US" smtClean="0"/>
+              <a:rPr lang="en-US"/>
               <a:t>Edit Master text styles</a:t>
             </a:r>
           </a:p>
           <a:p>
             <a:pPr lvl="1"/>
             <a:r>
-              <a:rPr lang="en-US" smtClean="0"/>
+              <a:rPr lang="en-US"/>
               <a:t>Second level</a:t>
             </a:r>
           </a:p>
           <a:p>
             <a:pPr lvl="2"/>
             <a:r>
-              <a:rPr lang="en-US" smtClean="0"/>
+              <a:rPr lang="en-US"/>
               <a:t>Third level</a:t>
             </a:r>
           </a:p>
           <a:p>
             <a:pPr lvl="3"/>
             <a:r>
-              <a:rPr lang="en-US" smtClean="0"/>
+              <a:rPr lang="en-US"/>
               <a:t>Fourth level</a:t>
             </a:r>
           </a:p>
           <a:p>
             <a:pPr lvl="4"/>
             <a:r>
-              <a:rPr lang="en-US" smtClean="0"/>
+              <a:rPr lang="en-US"/>
               <a:t>Fifth level</a:t>
             </a:r>
             <a:endParaRPr lang="en-GB"/>
@@ -3282,7 +3281,7 @@
           <a:p>
             <a:fld id="{FDE934FF-F4E1-47C5-9CA5-30A81DDE2BE4}" type="datetimeFigureOut">
               <a:rPr lang="en-US" smtClean="0"/>
-              <a:t>10/22/2018</a:t>
+              <a:t>10/23/2018</a:t>
             </a:fld>
             <a:endParaRPr lang="en-US"/>
           </a:p>
@@ -3382,7 +3381,7 @@
           <a:lstStyle/>
           <a:p>
             <a:r>
-              <a:rPr lang="en-US" smtClean="0"/>
+              <a:rPr lang="en-US"/>
               <a:t>Click to edit Master title style</a:t>
             </a:r>
             <a:endParaRPr lang="en-GB"/>
@@ -3411,35 +3410,35 @@
           <a:p>
             <a:pPr lvl="0"/>
             <a:r>
-              <a:rPr lang="en-US" smtClean="0"/>
+              <a:rPr lang="en-US"/>
               <a:t>Edit Master text styles</a:t>
             </a:r>
           </a:p>
           <a:p>
             <a:pPr lvl="1"/>
             <a:r>
-              <a:rPr lang="en-US" smtClean="0"/>
+              <a:rPr lang="en-US"/>
               <a:t>Second level</a:t>
             </a:r>
           </a:p>
           <a:p>
             <a:pPr lvl="2"/>
             <a:r>
-              <a:rPr lang="en-US" smtClean="0"/>
+              <a:rPr lang="en-US"/>
               <a:t>Third level</a:t>
             </a:r>
           </a:p>
           <a:p>
             <a:pPr lvl="3"/>
             <a:r>
-              <a:rPr lang="en-US" smtClean="0"/>
+              <a:rPr lang="en-US"/>
               <a:t>Fourth level</a:t>
             </a:r>
           </a:p>
           <a:p>
             <a:pPr lvl="4"/>
             <a:r>
-              <a:rPr lang="en-US" smtClean="0"/>
+              <a:rPr lang="en-US"/>
               <a:t>Fifth level</a:t>
             </a:r>
             <a:endParaRPr lang="en-GB"/>
@@ -3463,7 +3462,7 @@
           <a:p>
             <a:fld id="{FDE934FF-F4E1-47C5-9CA5-30A81DDE2BE4}" type="datetimeFigureOut">
               <a:rPr lang="en-US" smtClean="0"/>
-              <a:t>10/22/2018</a:t>
+              <a:t>10/23/2018</a:t>
             </a:fld>
             <a:endParaRPr lang="en-US"/>
           </a:p>
@@ -4623,7 +4622,7 @@
           </a:lstStyle>
           <a:p>
             <a:r>
-              <a:rPr lang="en-US" smtClean="0"/>
+              <a:rPr lang="en-US"/>
               <a:t>Click to edit Master title style</a:t>
             </a:r>
             <a:endParaRPr lang="en-US" dirty="0"/>
@@ -4697,7 +4696,7 @@
           </a:lstStyle>
           <a:p>
             <a:r>
-              <a:rPr lang="en-US" smtClean="0"/>
+              <a:rPr lang="en-US"/>
               <a:t>Click to edit Master subtitle style</a:t>
             </a:r>
             <a:endParaRPr lang="en-US" dirty="0"/>
@@ -4736,7 +4735,7 @@
           <a:p>
             <a:fld id="{FDE934FF-F4E1-47C5-9CA5-30A81DDE2BE4}" type="datetimeFigureOut">
               <a:rPr lang="en-US" smtClean="0"/>
-              <a:t>10/22/2018</a:t>
+              <a:t>10/23/2018</a:t>
             </a:fld>
             <a:endParaRPr lang="en-US"/>
           </a:p>
@@ -4899,7 +4898,7 @@
           <a:lstStyle/>
           <a:p>
             <a:r>
-              <a:rPr lang="en-US" smtClean="0"/>
+              <a:rPr lang="en-US"/>
               <a:t>Click to edit Master title style</a:t>
             </a:r>
             <a:endParaRPr lang="en-US" dirty="0"/>
@@ -4923,35 +4922,35 @@
           <a:p>
             <a:pPr lvl="0"/>
             <a:r>
-              <a:rPr lang="en-US" smtClean="0"/>
+              <a:rPr lang="en-US"/>
               <a:t>Edit Master text styles</a:t>
             </a:r>
           </a:p>
           <a:p>
             <a:pPr lvl="1"/>
             <a:r>
-              <a:rPr lang="en-US" smtClean="0"/>
+              <a:rPr lang="en-US"/>
               <a:t>Second level</a:t>
             </a:r>
           </a:p>
           <a:p>
             <a:pPr lvl="2"/>
             <a:r>
-              <a:rPr lang="en-US" smtClean="0"/>
+              <a:rPr lang="en-US"/>
               <a:t>Third level</a:t>
             </a:r>
           </a:p>
           <a:p>
             <a:pPr lvl="3"/>
             <a:r>
-              <a:rPr lang="en-US" smtClean="0"/>
+              <a:rPr lang="en-US"/>
               <a:t>Fourth level</a:t>
             </a:r>
           </a:p>
           <a:p>
             <a:pPr lvl="4"/>
             <a:r>
-              <a:rPr lang="en-US" smtClean="0"/>
+              <a:rPr lang="en-US"/>
               <a:t>Fifth level</a:t>
             </a:r>
             <a:endParaRPr lang="en-US" dirty="0"/>
@@ -4975,7 +4974,7 @@
           <a:p>
             <a:fld id="{FDE934FF-F4E1-47C5-9CA5-30A81DDE2BE4}" type="datetimeFigureOut">
               <a:rPr lang="en-US" smtClean="0"/>
-              <a:t>10/22/2018</a:t>
+              <a:t>10/23/2018</a:t>
             </a:fld>
             <a:endParaRPr lang="en-US"/>
           </a:p>
@@ -5093,7 +5092,7 @@
           </a:lstStyle>
           <a:p>
             <a:r>
-              <a:rPr lang="en-US" smtClean="0"/>
+              <a:rPr lang="en-US"/>
               <a:t>Click to edit Master title style</a:t>
             </a:r>
             <a:endParaRPr lang="en-US" dirty="0"/>
@@ -5216,7 +5215,7 @@
           <a:p>
             <a:pPr lvl="0"/>
             <a:r>
-              <a:rPr lang="en-US" smtClean="0"/>
+              <a:rPr lang="en-US"/>
               <a:t>Edit Master text styles</a:t>
             </a:r>
           </a:p>
@@ -5252,7 +5251,7 @@
           <a:p>
             <a:fld id="{FDE934FF-F4E1-47C5-9CA5-30A81DDE2BE4}" type="datetimeFigureOut">
               <a:rPr lang="en-US" smtClean="0"/>
-              <a:t>10/22/2018</a:t>
+              <a:t>10/23/2018</a:t>
             </a:fld>
             <a:endParaRPr lang="en-US"/>
           </a:p>
@@ -6316,7 +6315,7 @@
           <a:lstStyle/>
           <a:p>
             <a:r>
-              <a:rPr lang="en-US" smtClean="0"/>
+              <a:rPr lang="en-US"/>
               <a:t>Click to edit Master title style</a:t>
             </a:r>
             <a:endParaRPr lang="en-US" dirty="0"/>
@@ -6345,35 +6344,35 @@
           <a:p>
             <a:pPr lvl="0"/>
             <a:r>
-              <a:rPr lang="en-US" smtClean="0"/>
+              <a:rPr lang="en-US"/>
               <a:t>Edit Master text styles</a:t>
             </a:r>
           </a:p>
           <a:p>
             <a:pPr lvl="1"/>
             <a:r>
-              <a:rPr lang="en-US" smtClean="0"/>
+              <a:rPr lang="en-US"/>
               <a:t>Second level</a:t>
             </a:r>
           </a:p>
           <a:p>
             <a:pPr lvl="2"/>
             <a:r>
-              <a:rPr lang="en-US" smtClean="0"/>
+              <a:rPr lang="en-US"/>
               <a:t>Third level</a:t>
             </a:r>
           </a:p>
           <a:p>
             <a:pPr lvl="3"/>
             <a:r>
-              <a:rPr lang="en-US" smtClean="0"/>
+              <a:rPr lang="en-US"/>
               <a:t>Fourth level</a:t>
             </a:r>
           </a:p>
           <a:p>
             <a:pPr lvl="4"/>
             <a:r>
-              <a:rPr lang="en-US" smtClean="0"/>
+              <a:rPr lang="en-US"/>
               <a:t>Fifth level</a:t>
             </a:r>
             <a:endParaRPr lang="en-US" dirty="0"/>
@@ -6402,35 +6401,35 @@
           <a:p>
             <a:pPr lvl="0"/>
             <a:r>
-              <a:rPr lang="en-US" smtClean="0"/>
+              <a:rPr lang="en-US"/>
               <a:t>Edit Master text styles</a:t>
             </a:r>
           </a:p>
           <a:p>
             <a:pPr lvl="1"/>
             <a:r>
-              <a:rPr lang="en-US" smtClean="0"/>
+              <a:rPr lang="en-US"/>
               <a:t>Second level</a:t>
             </a:r>
           </a:p>
           <a:p>
             <a:pPr lvl="2"/>
             <a:r>
-              <a:rPr lang="en-US" smtClean="0"/>
+              <a:rPr lang="en-US"/>
               <a:t>Third level</a:t>
             </a:r>
           </a:p>
           <a:p>
             <a:pPr lvl="3"/>
             <a:r>
-              <a:rPr lang="en-US" smtClean="0"/>
+              <a:rPr lang="en-US"/>
               <a:t>Fourth level</a:t>
             </a:r>
           </a:p>
           <a:p>
             <a:pPr lvl="4"/>
             <a:r>
-              <a:rPr lang="en-US" smtClean="0"/>
+              <a:rPr lang="en-US"/>
               <a:t>Fifth level</a:t>
             </a:r>
             <a:endParaRPr lang="en-US" dirty="0"/>
@@ -6454,7 +6453,7 @@
           <a:p>
             <a:fld id="{FDE934FF-F4E1-47C5-9CA5-30A81DDE2BE4}" type="datetimeFigureOut">
               <a:rPr lang="en-US" smtClean="0"/>
-              <a:t>10/22/2018</a:t>
+              <a:t>10/23/2018</a:t>
             </a:fld>
             <a:endParaRPr lang="en-US"/>
           </a:p>
@@ -6559,7 +6558,7 @@
           <a:lstStyle/>
           <a:p>
             <a:r>
-              <a:rPr lang="en-US" smtClean="0"/>
+              <a:rPr lang="en-US"/>
               <a:t>Click to edit Master title style</a:t>
             </a:r>
             <a:endParaRPr lang="en-US" dirty="0"/>
@@ -6634,7 +6633,7 @@
           <a:p>
             <a:pPr lvl="0"/>
             <a:r>
-              <a:rPr lang="en-US" smtClean="0"/>
+              <a:rPr lang="en-US"/>
               <a:t>Edit Master text styles</a:t>
             </a:r>
           </a:p>
@@ -6662,35 +6661,35 @@
           <a:p>
             <a:pPr lvl="0"/>
             <a:r>
-              <a:rPr lang="en-US" smtClean="0"/>
+              <a:rPr lang="en-US"/>
               <a:t>Edit Master text styles</a:t>
             </a:r>
           </a:p>
           <a:p>
             <a:pPr lvl="1"/>
             <a:r>
-              <a:rPr lang="en-US" smtClean="0"/>
+              <a:rPr lang="en-US"/>
               <a:t>Second level</a:t>
             </a:r>
           </a:p>
           <a:p>
             <a:pPr lvl="2"/>
             <a:r>
-              <a:rPr lang="en-US" smtClean="0"/>
+              <a:rPr lang="en-US"/>
               <a:t>Third level</a:t>
             </a:r>
           </a:p>
           <a:p>
             <a:pPr lvl="3"/>
             <a:r>
-              <a:rPr lang="en-US" smtClean="0"/>
+              <a:rPr lang="en-US"/>
               <a:t>Fourth level</a:t>
             </a:r>
           </a:p>
           <a:p>
             <a:pPr lvl="4"/>
             <a:r>
-              <a:rPr lang="en-US" smtClean="0"/>
+              <a:rPr lang="en-US"/>
               <a:t>Fifth level</a:t>
             </a:r>
             <a:endParaRPr lang="en-US" dirty="0"/>
@@ -6765,7 +6764,7 @@
           <a:p>
             <a:pPr lvl="0"/>
             <a:r>
-              <a:rPr lang="en-US" smtClean="0"/>
+              <a:rPr lang="en-US"/>
               <a:t>Edit Master text styles</a:t>
             </a:r>
           </a:p>
@@ -6793,35 +6792,35 @@
           <a:p>
             <a:pPr lvl="0"/>
             <a:r>
-              <a:rPr lang="en-US" smtClean="0"/>
+              <a:rPr lang="en-US"/>
               <a:t>Edit Master text styles</a:t>
             </a:r>
           </a:p>
           <a:p>
             <a:pPr lvl="1"/>
             <a:r>
-              <a:rPr lang="en-US" smtClean="0"/>
+              <a:rPr lang="en-US"/>
               <a:t>Second level</a:t>
             </a:r>
           </a:p>
           <a:p>
             <a:pPr lvl="2"/>
             <a:r>
-              <a:rPr lang="en-US" smtClean="0"/>
+              <a:rPr lang="en-US"/>
               <a:t>Third level</a:t>
             </a:r>
           </a:p>
           <a:p>
             <a:pPr lvl="3"/>
             <a:r>
-              <a:rPr lang="en-US" smtClean="0"/>
+              <a:rPr lang="en-US"/>
               <a:t>Fourth level</a:t>
             </a:r>
           </a:p>
           <a:p>
             <a:pPr lvl="4"/>
             <a:r>
-              <a:rPr lang="en-US" smtClean="0"/>
+              <a:rPr lang="en-US"/>
               <a:t>Fifth level</a:t>
             </a:r>
             <a:endParaRPr lang="en-US" dirty="0"/>
@@ -6845,7 +6844,7 @@
           <a:p>
             <a:fld id="{FDE934FF-F4E1-47C5-9CA5-30A81DDE2BE4}" type="datetimeFigureOut">
               <a:rPr lang="en-US" smtClean="0"/>
-              <a:t>10/22/2018</a:t>
+              <a:t>10/23/2018</a:t>
             </a:fld>
             <a:endParaRPr lang="en-US"/>
           </a:p>
@@ -6945,7 +6944,7 @@
           <a:lstStyle/>
           <a:p>
             <a:r>
-              <a:rPr lang="en-US" smtClean="0"/>
+              <a:rPr lang="en-US"/>
               <a:t>Click to edit Master title style</a:t>
             </a:r>
             <a:endParaRPr lang="en-US" dirty="0"/>
@@ -6969,7 +6968,7 @@
           <a:p>
             <a:fld id="{FDE934FF-F4E1-47C5-9CA5-30A81DDE2BE4}" type="datetimeFigureOut">
               <a:rPr lang="en-US" smtClean="0"/>
-              <a:t>10/22/2018</a:t>
+              <a:t>10/23/2018</a:t>
             </a:fld>
             <a:endParaRPr lang="en-US"/>
           </a:p>
@@ -7065,7 +7064,7 @@
           <a:p>
             <a:fld id="{FDE934FF-F4E1-47C5-9CA5-30A81DDE2BE4}" type="datetimeFigureOut">
               <a:rPr lang="en-US" smtClean="0"/>
-              <a:t>10/22/2018</a:t>
+              <a:t>10/23/2018</a:t>
             </a:fld>
             <a:endParaRPr lang="en-US"/>
           </a:p>
@@ -7169,7 +7168,7 @@
           </a:lstStyle>
           <a:p>
             <a:r>
-              <a:rPr lang="en-US" smtClean="0"/>
+              <a:rPr lang="en-US"/>
               <a:t>Click to edit Master title style</a:t>
             </a:r>
             <a:endParaRPr lang="en-GB"/>
@@ -7289,7 +7288,7 @@
           <a:p>
             <a:pPr lvl="0"/>
             <a:r>
-              <a:rPr lang="en-US" smtClean="0"/>
+              <a:rPr lang="en-US"/>
               <a:t>Edit Master text styles</a:t>
             </a:r>
           </a:p>
@@ -7312,7 +7311,7 @@
           <a:p>
             <a:fld id="{FDE934FF-F4E1-47C5-9CA5-30A81DDE2BE4}" type="datetimeFigureOut">
               <a:rPr lang="en-US" smtClean="0"/>
-              <a:t>10/22/2018</a:t>
+              <a:t>10/23/2018</a:t>
             </a:fld>
             <a:endParaRPr lang="en-US"/>
           </a:p>
@@ -7887,7 +7886,7 @@
           </a:lstStyle>
           <a:p>
             <a:r>
-              <a:rPr lang="en-US" smtClean="0"/>
+              <a:rPr lang="en-US"/>
               <a:t>Click to edit Master title style</a:t>
             </a:r>
             <a:endParaRPr lang="en-US" dirty="0"/>
@@ -7944,35 +7943,35 @@
           <a:p>
             <a:pPr lvl="0"/>
             <a:r>
-              <a:rPr lang="en-US" smtClean="0"/>
+              <a:rPr lang="en-US"/>
               <a:t>Edit Master text styles</a:t>
             </a:r>
           </a:p>
           <a:p>
             <a:pPr lvl="1"/>
             <a:r>
-              <a:rPr lang="en-US" smtClean="0"/>
+              <a:rPr lang="en-US"/>
               <a:t>Second level</a:t>
             </a:r>
           </a:p>
           <a:p>
             <a:pPr lvl="2"/>
             <a:r>
-              <a:rPr lang="en-US" smtClean="0"/>
+              <a:rPr lang="en-US"/>
               <a:t>Third level</a:t>
             </a:r>
           </a:p>
           <a:p>
             <a:pPr lvl="3"/>
             <a:r>
-              <a:rPr lang="en-US" smtClean="0"/>
+              <a:rPr lang="en-US"/>
               <a:t>Fourth level</a:t>
             </a:r>
           </a:p>
           <a:p>
             <a:pPr lvl="4"/>
             <a:r>
-              <a:rPr lang="en-US" smtClean="0"/>
+              <a:rPr lang="en-US"/>
               <a:t>Fifth level</a:t>
             </a:r>
             <a:endParaRPr lang="en-US" dirty="0"/>
@@ -8048,7 +8047,7 @@
           <a:p>
             <a:pPr lvl="0"/>
             <a:r>
-              <a:rPr lang="en-US" smtClean="0"/>
+              <a:rPr lang="en-US"/>
               <a:t>Edit Master text styles</a:t>
             </a:r>
           </a:p>
@@ -8076,7 +8075,7 @@
           <a:p>
             <a:fld id="{FDE934FF-F4E1-47C5-9CA5-30A81DDE2BE4}" type="datetimeFigureOut">
               <a:rPr lang="en-US" smtClean="0"/>
-              <a:t>10/22/2018</a:t>
+              <a:t>10/23/2018</a:t>
             </a:fld>
             <a:endParaRPr lang="en-US"/>
           </a:p>
@@ -8272,7 +8271,7 @@
           </a:lstStyle>
           <a:p>
             <a:r>
-              <a:rPr lang="en-US" smtClean="0"/>
+              <a:rPr lang="en-US"/>
               <a:t>Click icon to add picture</a:t>
             </a:r>
             <a:endParaRPr lang="en-US" dirty="0"/>
@@ -8813,7 +8812,7 @@
           </a:lstStyle>
           <a:p>
             <a:r>
-              <a:rPr lang="en-US" smtClean="0"/>
+              <a:rPr lang="en-US"/>
               <a:t>Click to edit Master title style</a:t>
             </a:r>
             <a:endParaRPr lang="en-US" dirty="0"/>
@@ -8889,7 +8888,7 @@
           <a:p>
             <a:pPr lvl="0"/>
             <a:r>
-              <a:rPr lang="en-US" smtClean="0"/>
+              <a:rPr lang="en-US"/>
               <a:t>Edit Master text styles</a:t>
             </a:r>
           </a:p>
@@ -8917,7 +8916,7 @@
           <a:p>
             <a:fld id="{FDE934FF-F4E1-47C5-9CA5-30A81DDE2BE4}" type="datetimeFigureOut">
               <a:rPr lang="en-US" smtClean="0"/>
-              <a:t>10/22/2018</a:t>
+              <a:t>10/23/2018</a:t>
             </a:fld>
             <a:endParaRPr lang="en-US"/>
           </a:p>
@@ -9022,7 +9021,7 @@
           <a:lstStyle/>
           <a:p>
             <a:r>
-              <a:rPr lang="en-US" smtClean="0"/>
+              <a:rPr lang="en-US"/>
               <a:t>Click to edit Master title style</a:t>
             </a:r>
             <a:endParaRPr lang="en-US" dirty="0"/>
@@ -9046,35 +9045,35 @@
           <a:p>
             <a:pPr lvl="0"/>
             <a:r>
-              <a:rPr lang="en-US" smtClean="0"/>
+              <a:rPr lang="en-US"/>
               <a:t>Edit Master text styles</a:t>
             </a:r>
           </a:p>
           <a:p>
             <a:pPr lvl="1"/>
             <a:r>
-              <a:rPr lang="en-US" smtClean="0"/>
+              <a:rPr lang="en-US"/>
               <a:t>Second level</a:t>
             </a:r>
           </a:p>
           <a:p>
             <a:pPr lvl="2"/>
             <a:r>
-              <a:rPr lang="en-US" smtClean="0"/>
+              <a:rPr lang="en-US"/>
               <a:t>Third level</a:t>
             </a:r>
           </a:p>
           <a:p>
             <a:pPr lvl="3"/>
             <a:r>
-              <a:rPr lang="en-US" smtClean="0"/>
+              <a:rPr lang="en-US"/>
               <a:t>Fourth level</a:t>
             </a:r>
           </a:p>
           <a:p>
             <a:pPr lvl="4"/>
             <a:r>
-              <a:rPr lang="en-US" smtClean="0"/>
+              <a:rPr lang="en-US"/>
               <a:t>Fifth level</a:t>
             </a:r>
             <a:endParaRPr lang="en-US" dirty="0"/>
@@ -9098,7 +9097,7 @@
           <a:p>
             <a:fld id="{FDE934FF-F4E1-47C5-9CA5-30A81DDE2BE4}" type="datetimeFigureOut">
               <a:rPr lang="en-US" smtClean="0"/>
-              <a:t>10/22/2018</a:t>
+              <a:t>10/23/2018</a:t>
             </a:fld>
             <a:endParaRPr lang="en-US"/>
           </a:p>
@@ -9198,7 +9197,7 @@
           <a:lstStyle/>
           <a:p>
             <a:r>
-              <a:rPr lang="en-US" smtClean="0"/>
+              <a:rPr lang="en-US"/>
               <a:t>Click to edit Master title style</a:t>
             </a:r>
             <a:endParaRPr lang="en-US" dirty="0"/>
@@ -9227,35 +9226,35 @@
           <a:p>
             <a:pPr lvl="0"/>
             <a:r>
-              <a:rPr lang="en-US" smtClean="0"/>
+              <a:rPr lang="en-US"/>
               <a:t>Edit Master text styles</a:t>
             </a:r>
           </a:p>
           <a:p>
             <a:pPr lvl="1"/>
             <a:r>
-              <a:rPr lang="en-US" smtClean="0"/>
+              <a:rPr lang="en-US"/>
               <a:t>Second level</a:t>
             </a:r>
           </a:p>
           <a:p>
             <a:pPr lvl="2"/>
             <a:r>
-              <a:rPr lang="en-US" smtClean="0"/>
+              <a:rPr lang="en-US"/>
               <a:t>Third level</a:t>
             </a:r>
           </a:p>
           <a:p>
             <a:pPr lvl="3"/>
             <a:r>
-              <a:rPr lang="en-US" smtClean="0"/>
+              <a:rPr lang="en-US"/>
               <a:t>Fourth level</a:t>
             </a:r>
           </a:p>
           <a:p>
             <a:pPr lvl="4"/>
             <a:r>
-              <a:rPr lang="en-US" smtClean="0"/>
+              <a:rPr lang="en-US"/>
               <a:t>Fifth level</a:t>
             </a:r>
             <a:endParaRPr lang="en-US" dirty="0"/>
@@ -9279,7 +9278,7 @@
           <a:p>
             <a:fld id="{FDE934FF-F4E1-47C5-9CA5-30A81DDE2BE4}" type="datetimeFigureOut">
               <a:rPr lang="en-US" smtClean="0"/>
-              <a:t>10/22/2018</a:t>
+              <a:t>10/23/2018</a:t>
             </a:fld>
             <a:endParaRPr lang="en-US"/>
           </a:p>
@@ -9489,7 +9488,7 @@
             <a:fld id="{9334D819-9F07-4261-B09B-9E467E5D9002}" type="datetimeFigureOut">
               <a:rPr lang="en-US" smtClean="0"/>
               <a:pPr/>
-              <a:t>10/22/2018</a:t>
+              <a:t>10/23/2018</a:t>
             </a:fld>
             <a:endParaRPr lang="en-US" dirty="0"/>
           </a:p>
@@ -9688,7 +9687,7 @@
           <a:p>
             <a:fld id="{9334D819-9F07-4261-B09B-9E467E5D9002}" type="datetimeFigureOut">
               <a:rPr lang="en-US" smtClean="0"/>
-              <a:t>10/22/2018</a:t>
+              <a:t>10/23/2018</a:t>
             </a:fld>
             <a:endParaRPr lang="en-US" dirty="0"/>
           </a:p>
@@ -9964,7 +9963,7 @@
             <a:fld id="{9334D819-9F07-4261-B09B-9E467E5D9002}" type="datetimeFigureOut">
               <a:rPr lang="en-US" smtClean="0"/>
               <a:pPr/>
-              <a:t>10/22/2018</a:t>
+              <a:t>10/23/2018</a:t>
             </a:fld>
             <a:endParaRPr lang="en-US" dirty="0"/>
           </a:p>
@@ -10230,7 +10229,7 @@
           <a:p>
             <a:fld id="{9334D819-9F07-4261-B09B-9E467E5D9002}" type="datetimeFigureOut">
               <a:rPr lang="en-US" smtClean="0"/>
-              <a:t>10/22/2018</a:t>
+              <a:t>10/23/2018</a:t>
             </a:fld>
             <a:endParaRPr lang="en-US" dirty="0"/>
           </a:p>
@@ -10647,7 +10646,7 @@
           <a:p>
             <a:fld id="{9334D819-9F07-4261-B09B-9E467E5D9002}" type="datetimeFigureOut">
               <a:rPr lang="en-US" smtClean="0"/>
-              <a:t>10/22/2018</a:t>
+              <a:t>10/23/2018</a:t>
             </a:fld>
             <a:endParaRPr lang="en-US" dirty="0"/>
           </a:p>
@@ -10793,7 +10792,7 @@
           <a:p>
             <a:fld id="{9334D819-9F07-4261-B09B-9E467E5D9002}" type="datetimeFigureOut">
               <a:rPr lang="en-US" smtClean="0"/>
-              <a:t>10/22/2018</a:t>
+              <a:t>10/23/2018</a:t>
             </a:fld>
             <a:endParaRPr lang="en-US" dirty="0"/>
           </a:p>
@@ -10899,7 +10898,7 @@
           <a:lstStyle/>
           <a:p>
             <a:r>
-              <a:rPr lang="en-US" smtClean="0"/>
+              <a:rPr lang="en-US"/>
               <a:t>Click to edit Master title style</a:t>
             </a:r>
             <a:endParaRPr lang="en-GB"/>
@@ -10928,35 +10927,35 @@
           <a:p>
             <a:pPr lvl="0"/>
             <a:r>
-              <a:rPr lang="en-US" smtClean="0"/>
+              <a:rPr lang="en-US"/>
               <a:t>Edit Master text styles</a:t>
             </a:r>
           </a:p>
           <a:p>
             <a:pPr lvl="1"/>
             <a:r>
-              <a:rPr lang="en-US" smtClean="0"/>
+              <a:rPr lang="en-US"/>
               <a:t>Second level</a:t>
             </a:r>
           </a:p>
           <a:p>
             <a:pPr lvl="2"/>
             <a:r>
-              <a:rPr lang="en-US" smtClean="0"/>
+              <a:rPr lang="en-US"/>
               <a:t>Third level</a:t>
             </a:r>
           </a:p>
           <a:p>
             <a:pPr lvl="3"/>
             <a:r>
-              <a:rPr lang="en-US" smtClean="0"/>
+              <a:rPr lang="en-US"/>
               <a:t>Fourth level</a:t>
             </a:r>
           </a:p>
           <a:p>
             <a:pPr lvl="4"/>
             <a:r>
-              <a:rPr lang="en-US" smtClean="0"/>
+              <a:rPr lang="en-US"/>
               <a:t>Fifth level</a:t>
             </a:r>
             <a:endParaRPr lang="en-GB"/>
@@ -10985,35 +10984,35 @@
           <a:p>
             <a:pPr lvl="0"/>
             <a:r>
-              <a:rPr lang="en-US" smtClean="0"/>
+              <a:rPr lang="en-US"/>
               <a:t>Edit Master text styles</a:t>
             </a:r>
           </a:p>
           <a:p>
             <a:pPr lvl="1"/>
             <a:r>
-              <a:rPr lang="en-US" smtClean="0"/>
+              <a:rPr lang="en-US"/>
               <a:t>Second level</a:t>
             </a:r>
           </a:p>
           <a:p>
             <a:pPr lvl="2"/>
             <a:r>
-              <a:rPr lang="en-US" smtClean="0"/>
+              <a:rPr lang="en-US"/>
               <a:t>Third level</a:t>
             </a:r>
           </a:p>
           <a:p>
             <a:pPr lvl="3"/>
             <a:r>
-              <a:rPr lang="en-US" smtClean="0"/>
+              <a:rPr lang="en-US"/>
               <a:t>Fourth level</a:t>
             </a:r>
           </a:p>
           <a:p>
             <a:pPr lvl="4"/>
             <a:r>
-              <a:rPr lang="en-US" smtClean="0"/>
+              <a:rPr lang="en-US"/>
               <a:t>Fifth level</a:t>
             </a:r>
             <a:endParaRPr lang="en-GB"/>
@@ -11037,7 +11036,7 @@
           <a:p>
             <a:fld id="{FDE934FF-F4E1-47C5-9CA5-30A81DDE2BE4}" type="datetimeFigureOut">
               <a:rPr lang="en-US" smtClean="0"/>
-              <a:t>10/22/2018</a:t>
+              <a:t>10/23/2018</a:t>
             </a:fld>
             <a:endParaRPr lang="en-US"/>
           </a:p>
@@ -11144,7 +11143,7 @@
           <a:p>
             <a:fld id="{9334D819-9F07-4261-B09B-9E467E5D9002}" type="datetimeFigureOut">
               <a:rPr lang="en-US" smtClean="0"/>
-              <a:t>10/22/2018</a:t>
+              <a:t>10/23/2018</a:t>
             </a:fld>
             <a:endParaRPr lang="en-US" dirty="0"/>
           </a:p>
@@ -11455,7 +11454,7 @@
           <a:p>
             <a:fld id="{9334D819-9F07-4261-B09B-9E467E5D9002}" type="datetimeFigureOut">
               <a:rPr lang="en-US" smtClean="0"/>
-              <a:t>10/22/2018</a:t>
+              <a:t>10/23/2018</a:t>
             </a:fld>
             <a:endParaRPr lang="en-US" dirty="0"/>
           </a:p>
@@ -11748,7 +11747,7 @@
           <a:p>
             <a:fld id="{9334D819-9F07-4261-B09B-9E467E5D9002}" type="datetimeFigureOut">
               <a:rPr lang="en-US" smtClean="0"/>
-              <a:t>10/22/2018</a:t>
+              <a:t>10/23/2018</a:t>
             </a:fld>
             <a:endParaRPr lang="en-US" dirty="0"/>
           </a:p>
@@ -11946,7 +11945,7 @@
           <a:p>
             <a:fld id="{9334D819-9F07-4261-B09B-9E467E5D9002}" type="datetimeFigureOut">
               <a:rPr lang="en-US" smtClean="0"/>
-              <a:t>10/22/2018</a:t>
+              <a:t>10/23/2018</a:t>
             </a:fld>
             <a:endParaRPr lang="en-US" dirty="0"/>
           </a:p>
@@ -12154,7 +12153,7 @@
           <a:p>
             <a:fld id="{9334D819-9F07-4261-B09B-9E467E5D9002}" type="datetimeFigureOut">
               <a:rPr lang="en-US" smtClean="0"/>
-              <a:t>10/22/2018</a:t>
+              <a:t>10/23/2018</a:t>
             </a:fld>
             <a:endParaRPr lang="en-US" dirty="0"/>
           </a:p>
@@ -12265,7 +12264,7 @@
           <a:lstStyle/>
           <a:p>
             <a:r>
-              <a:rPr lang="en-US" smtClean="0"/>
+              <a:rPr lang="en-US"/>
               <a:t>Click to edit Master title style</a:t>
             </a:r>
             <a:endParaRPr lang="en-GB"/>
@@ -12331,7 +12330,7 @@
           <a:p>
             <a:pPr lvl="0"/>
             <a:r>
-              <a:rPr lang="en-US" smtClean="0"/>
+              <a:rPr lang="en-US"/>
               <a:t>Edit Master text styles</a:t>
             </a:r>
           </a:p>
@@ -12359,35 +12358,35 @@
           <a:p>
             <a:pPr lvl="0"/>
             <a:r>
-              <a:rPr lang="en-US" smtClean="0"/>
+              <a:rPr lang="en-US"/>
               <a:t>Edit Master text styles</a:t>
             </a:r>
           </a:p>
           <a:p>
             <a:pPr lvl="1"/>
             <a:r>
-              <a:rPr lang="en-US" smtClean="0"/>
+              <a:rPr lang="en-US"/>
               <a:t>Second level</a:t>
             </a:r>
           </a:p>
           <a:p>
             <a:pPr lvl="2"/>
             <a:r>
-              <a:rPr lang="en-US" smtClean="0"/>
+              <a:rPr lang="en-US"/>
               <a:t>Third level</a:t>
             </a:r>
           </a:p>
           <a:p>
             <a:pPr lvl="3"/>
             <a:r>
-              <a:rPr lang="en-US" smtClean="0"/>
+              <a:rPr lang="en-US"/>
               <a:t>Fourth level</a:t>
             </a:r>
           </a:p>
           <a:p>
             <a:pPr lvl="4"/>
             <a:r>
-              <a:rPr lang="en-US" smtClean="0"/>
+              <a:rPr lang="en-US"/>
               <a:t>Fifth level</a:t>
             </a:r>
             <a:endParaRPr lang="en-GB"/>
@@ -12453,7 +12452,7 @@
           <a:p>
             <a:pPr lvl="0"/>
             <a:r>
-              <a:rPr lang="en-US" smtClean="0"/>
+              <a:rPr lang="en-US"/>
               <a:t>Edit Master text styles</a:t>
             </a:r>
           </a:p>
@@ -12481,35 +12480,35 @@
           <a:p>
             <a:pPr lvl="0"/>
             <a:r>
-              <a:rPr lang="en-US" smtClean="0"/>
+              <a:rPr lang="en-US"/>
               <a:t>Edit Master text styles</a:t>
             </a:r>
           </a:p>
           <a:p>
             <a:pPr lvl="1"/>
             <a:r>
-              <a:rPr lang="en-US" smtClean="0"/>
+              <a:rPr lang="en-US"/>
               <a:t>Second level</a:t>
             </a:r>
           </a:p>
           <a:p>
             <a:pPr lvl="2"/>
             <a:r>
-              <a:rPr lang="en-US" smtClean="0"/>
+              <a:rPr lang="en-US"/>
               <a:t>Third level</a:t>
             </a:r>
           </a:p>
           <a:p>
             <a:pPr lvl="3"/>
             <a:r>
-              <a:rPr lang="en-US" smtClean="0"/>
+              <a:rPr lang="en-US"/>
               <a:t>Fourth level</a:t>
             </a:r>
           </a:p>
           <a:p>
             <a:pPr lvl="4"/>
             <a:r>
-              <a:rPr lang="en-US" smtClean="0"/>
+              <a:rPr lang="en-US"/>
               <a:t>Fifth level</a:t>
             </a:r>
             <a:endParaRPr lang="en-GB"/>
@@ -12533,7 +12532,7 @@
           <a:p>
             <a:fld id="{FDE934FF-F4E1-47C5-9CA5-30A81DDE2BE4}" type="datetimeFigureOut">
               <a:rPr lang="en-US" smtClean="0"/>
-              <a:t>10/22/2018</a:t>
+              <a:t>10/23/2018</a:t>
             </a:fld>
             <a:endParaRPr lang="en-US"/>
           </a:p>
@@ -12633,7 +12632,7 @@
           <a:lstStyle/>
           <a:p>
             <a:r>
-              <a:rPr lang="en-US" smtClean="0"/>
+              <a:rPr lang="en-US"/>
               <a:t>Click to edit Master title style</a:t>
             </a:r>
             <a:endParaRPr lang="en-GB"/>
@@ -12657,7 +12656,7 @@
           <a:p>
             <a:fld id="{FDE934FF-F4E1-47C5-9CA5-30A81DDE2BE4}" type="datetimeFigureOut">
               <a:rPr lang="en-US" smtClean="0"/>
-              <a:t>10/22/2018</a:t>
+              <a:t>10/23/2018</a:t>
             </a:fld>
             <a:endParaRPr lang="en-US"/>
           </a:p>
@@ -12753,7 +12752,7 @@
           <a:p>
             <a:fld id="{FDE934FF-F4E1-47C5-9CA5-30A81DDE2BE4}" type="datetimeFigureOut">
               <a:rPr lang="en-US" smtClean="0"/>
-              <a:t>10/22/2018</a:t>
+              <a:t>10/23/2018</a:t>
             </a:fld>
             <a:endParaRPr lang="en-US"/>
           </a:p>
@@ -12857,7 +12856,7 @@
           </a:lstStyle>
           <a:p>
             <a:r>
-              <a:rPr lang="en-US" smtClean="0"/>
+              <a:rPr lang="en-US"/>
               <a:t>Click to edit Master title style</a:t>
             </a:r>
             <a:endParaRPr lang="en-GB"/>
@@ -12914,35 +12913,35 @@
           <a:p>
             <a:pPr lvl="0"/>
             <a:r>
-              <a:rPr lang="en-US" smtClean="0"/>
+              <a:rPr lang="en-US"/>
               <a:t>Edit Master text styles</a:t>
             </a:r>
           </a:p>
           <a:p>
             <a:pPr lvl="1"/>
             <a:r>
-              <a:rPr lang="en-US" smtClean="0"/>
+              <a:rPr lang="en-US"/>
               <a:t>Second level</a:t>
             </a:r>
           </a:p>
           <a:p>
             <a:pPr lvl="2"/>
             <a:r>
-              <a:rPr lang="en-US" smtClean="0"/>
+              <a:rPr lang="en-US"/>
               <a:t>Third level</a:t>
             </a:r>
           </a:p>
           <a:p>
             <a:pPr lvl="3"/>
             <a:r>
-              <a:rPr lang="en-US" smtClean="0"/>
+              <a:rPr lang="en-US"/>
               <a:t>Fourth level</a:t>
             </a:r>
           </a:p>
           <a:p>
             <a:pPr lvl="4"/>
             <a:r>
-              <a:rPr lang="en-US" smtClean="0"/>
+              <a:rPr lang="en-US"/>
               <a:t>Fifth level</a:t>
             </a:r>
             <a:endParaRPr lang="en-GB"/>
@@ -13008,7 +13007,7 @@
           <a:p>
             <a:pPr lvl="0"/>
             <a:r>
-              <a:rPr lang="en-US" smtClean="0"/>
+              <a:rPr lang="en-US"/>
               <a:t>Edit Master text styles</a:t>
             </a:r>
           </a:p>
@@ -13031,7 +13030,7 @@
           <a:p>
             <a:fld id="{FDE934FF-F4E1-47C5-9CA5-30A81DDE2BE4}" type="datetimeFigureOut">
               <a:rPr lang="en-US" smtClean="0"/>
-              <a:t>10/22/2018</a:t>
+              <a:t>10/23/2018</a:t>
             </a:fld>
             <a:endParaRPr lang="en-US"/>
           </a:p>
@@ -13140,7 +13139,7 @@
           </a:lstStyle>
           <a:p>
             <a:r>
-              <a:rPr lang="en-US" smtClean="0"/>
+              <a:rPr lang="en-US"/>
               <a:t>Click to edit Master title style</a:t>
             </a:r>
             <a:endParaRPr lang="en-GB"/>
@@ -13267,7 +13266,7 @@
           <a:p>
             <a:pPr lvl="0"/>
             <a:r>
-              <a:rPr lang="en-US" smtClean="0"/>
+              <a:rPr lang="en-US"/>
               <a:t>Edit Master text styles</a:t>
             </a:r>
           </a:p>
@@ -13290,7 +13289,7 @@
           <a:p>
             <a:fld id="{FDE934FF-F4E1-47C5-9CA5-30A81DDE2BE4}" type="datetimeFigureOut">
               <a:rPr lang="en-US" smtClean="0"/>
-              <a:t>10/22/2018</a:t>
+              <a:t>10/23/2018</a:t>
             </a:fld>
             <a:endParaRPr lang="en-US"/>
           </a:p>
@@ -13400,7 +13399,7 @@
           <a:lstStyle/>
           <a:p>
             <a:r>
-              <a:rPr lang="en-US" smtClean="0"/>
+              <a:rPr lang="en-US"/>
               <a:t>Click to edit Master title style</a:t>
             </a:r>
             <a:endParaRPr lang="en-GB"/>
@@ -13434,35 +13433,35 @@
           <a:p>
             <a:pPr lvl="0"/>
             <a:r>
-              <a:rPr lang="en-US" smtClean="0"/>
+              <a:rPr lang="en-US"/>
               <a:t>Edit Master text styles</a:t>
             </a:r>
           </a:p>
           <a:p>
             <a:pPr lvl="1"/>
             <a:r>
-              <a:rPr lang="en-US" smtClean="0"/>
+              <a:rPr lang="en-US"/>
               <a:t>Second level</a:t>
             </a:r>
           </a:p>
           <a:p>
             <a:pPr lvl="2"/>
             <a:r>
-              <a:rPr lang="en-US" smtClean="0"/>
+              <a:rPr lang="en-US"/>
               <a:t>Third level</a:t>
             </a:r>
           </a:p>
           <a:p>
             <a:pPr lvl="3"/>
             <a:r>
-              <a:rPr lang="en-US" smtClean="0"/>
+              <a:rPr lang="en-US"/>
               <a:t>Fourth level</a:t>
             </a:r>
           </a:p>
           <a:p>
             <a:pPr lvl="4"/>
             <a:r>
-              <a:rPr lang="en-US" smtClean="0"/>
+              <a:rPr lang="en-US"/>
               <a:t>Fifth level</a:t>
             </a:r>
             <a:endParaRPr lang="en-GB"/>
@@ -13504,7 +13503,7 @@
           <a:p>
             <a:fld id="{FDE934FF-F4E1-47C5-9CA5-30A81DDE2BE4}" type="datetimeFigureOut">
               <a:rPr lang="en-US" smtClean="0"/>
-              <a:t>10/22/2018</a:t>
+              <a:t>10/23/2018</a:t>
             </a:fld>
             <a:endParaRPr lang="en-US"/>
           </a:p>
@@ -13946,7 +13945,7 @@
           <a:lstStyle/>
           <a:p>
             <a:r>
-              <a:rPr lang="en-US" smtClean="0"/>
+              <a:rPr lang="en-US"/>
               <a:t>Click to edit Master title style</a:t>
             </a:r>
             <a:endParaRPr lang="en-GB"/>
@@ -13980,35 +13979,35 @@
           <a:p>
             <a:pPr lvl="0"/>
             <a:r>
-              <a:rPr lang="en-US" smtClean="0"/>
+              <a:rPr lang="en-US"/>
               <a:t>Edit Master text styles</a:t>
             </a:r>
           </a:p>
           <a:p>
             <a:pPr lvl="1"/>
             <a:r>
-              <a:rPr lang="en-US" smtClean="0"/>
+              <a:rPr lang="en-US"/>
               <a:t>Second level</a:t>
             </a:r>
           </a:p>
           <a:p>
             <a:pPr lvl="2"/>
             <a:r>
-              <a:rPr lang="en-US" smtClean="0"/>
+              <a:rPr lang="en-US"/>
               <a:t>Third level</a:t>
             </a:r>
           </a:p>
           <a:p>
             <a:pPr lvl="3"/>
             <a:r>
-              <a:rPr lang="en-US" smtClean="0"/>
+              <a:rPr lang="en-US"/>
               <a:t>Fourth level</a:t>
             </a:r>
           </a:p>
           <a:p>
             <a:pPr lvl="4"/>
             <a:r>
-              <a:rPr lang="en-US" smtClean="0"/>
+              <a:rPr lang="en-US"/>
               <a:t>Fifth level</a:t>
             </a:r>
             <a:endParaRPr lang="en-GB"/>
@@ -14050,7 +14049,7 @@
           <a:p>
             <a:fld id="{FDE934FF-F4E1-47C5-9CA5-30A81DDE2BE4}" type="datetimeFigureOut">
               <a:rPr lang="en-US" smtClean="0"/>
-              <a:t>10/22/2018</a:t>
+              <a:t>10/23/2018</a:t>
             </a:fld>
             <a:endParaRPr lang="en-US"/>
           </a:p>
@@ -14495,7 +14494,7 @@
           <a:lstStyle/>
           <a:p>
             <a:r>
-              <a:rPr lang="en-US" smtClean="0"/>
+              <a:rPr lang="en-US"/>
               <a:t>Click to edit Master title style</a:t>
             </a:r>
             <a:endParaRPr lang="en-US" dirty="0"/>
@@ -14529,35 +14528,35 @@
           <a:p>
             <a:pPr lvl="0"/>
             <a:r>
-              <a:rPr lang="en-US" smtClean="0"/>
+              <a:rPr lang="en-US"/>
               <a:t>Edit Master text styles</a:t>
             </a:r>
           </a:p>
           <a:p>
             <a:pPr lvl="1"/>
             <a:r>
-              <a:rPr lang="en-US" smtClean="0"/>
+              <a:rPr lang="en-US"/>
               <a:t>Second level</a:t>
             </a:r>
           </a:p>
           <a:p>
             <a:pPr lvl="2"/>
             <a:r>
-              <a:rPr lang="en-US" smtClean="0"/>
+              <a:rPr lang="en-US"/>
               <a:t>Third level</a:t>
             </a:r>
           </a:p>
           <a:p>
             <a:pPr lvl="3"/>
             <a:r>
-              <a:rPr lang="en-US" smtClean="0"/>
+              <a:rPr lang="en-US"/>
               <a:t>Fourth level</a:t>
             </a:r>
           </a:p>
           <a:p>
             <a:pPr lvl="4"/>
             <a:r>
-              <a:rPr lang="en-US" smtClean="0"/>
+              <a:rPr lang="en-US"/>
               <a:t>Fifth level</a:t>
             </a:r>
             <a:endParaRPr lang="en-US" dirty="0"/>
@@ -14600,7 +14599,7 @@
           <a:p>
             <a:fld id="{FDE934FF-F4E1-47C5-9CA5-30A81DDE2BE4}" type="datetimeFigureOut">
               <a:rPr lang="en-US" smtClean="0"/>
-              <a:t>10/22/2018</a:t>
+              <a:t>10/23/2018</a:t>
             </a:fld>
             <a:endParaRPr lang="en-US"/>
           </a:p>
@@ -15752,7 +15751,7 @@
             <a:fld id="{9334D819-9F07-4261-B09B-9E467E5D9002}" type="datetimeFigureOut">
               <a:rPr lang="en-US" smtClean="0"/>
               <a:pPr/>
-              <a:t>10/22/2018</a:t>
+              <a:t>10/23/2018</a:t>
             </a:fld>
             <a:endParaRPr lang="en-US" dirty="0"/>
           </a:p>
@@ -16161,6 +16160,1879 @@
 <file path=ppt/slides/slide1.xml><?xml version="1.0" encoding="utf-8"?>
 <p:sld xmlns:a="http://schemas.openxmlformats.org/drawingml/2006/main" xmlns:r="http://schemas.openxmlformats.org/officeDocument/2006/relationships" xmlns:p="http://schemas.openxmlformats.org/presentationml/2006/main">
   <p:cSld>
+    <p:bg>
+      <p:bgPr>
+        <a:blipFill dpi="0" rotWithShape="1">
+          <a:blip r:embed="rId2">
+            <a:alphaModFix amt="71000"/>
+            <a:lum/>
+          </a:blip>
+          <a:srcRect/>
+          <a:stretch>
+            <a:fillRect t="-9000" b="-9000"/>
+          </a:stretch>
+        </a:blipFill>
+        <a:effectLst/>
+      </p:bgPr>
+    </p:bg>
+    <p:spTree>
+      <p:nvGrpSpPr>
+        <p:cNvPr id="1" name=""/>
+        <p:cNvGrpSpPr/>
+        <p:nvPr/>
+      </p:nvGrpSpPr>
+      <p:grpSpPr>
+        <a:xfrm>
+          <a:off x="0" y="0"/>
+          <a:ext cx="0" cy="0"/>
+          <a:chOff x="0" y="0"/>
+          <a:chExt cx="0" cy="0"/>
+        </a:xfrm>
+      </p:grpSpPr>
+      <p:sp>
+        <p:nvSpPr>
+          <p:cNvPr id="2" name="pole tekstowe 1">
+            <a:extLst>
+              <a:ext uri="{FF2B5EF4-FFF2-40B4-BE49-F238E27FC236}">
+                <a16:creationId xmlns:a16="http://schemas.microsoft.com/office/drawing/2014/main" id="{82C02A24-5672-47B6-8BCA-4F296AFD5639}"/>
+              </a:ext>
+            </a:extLst>
+          </p:cNvPr>
+          <p:cNvSpPr txBox="1"/>
+          <p:nvPr/>
+        </p:nvSpPr>
+        <p:spPr>
+          <a:xfrm>
+            <a:off x="1142924" y="1176951"/>
+            <a:ext cx="10255179" cy="4524315"/>
+          </a:xfrm>
+          <a:prstGeom prst="rect">
+            <a:avLst/>
+          </a:prstGeom>
+          <a:noFill/>
+          <a:ln>
+            <a:solidFill>
+              <a:schemeClr val="tx1"/>
+            </a:solidFill>
+          </a:ln>
+          <a:effectLst>
+            <a:outerShdw blurRad="50800" dist="38100" dir="10800000" algn="r" rotWithShape="0">
+              <a:prstClr val="black">
+                <a:alpha val="40000"/>
+              </a:prstClr>
+            </a:outerShdw>
+          </a:effectLst>
+        </p:spPr>
+        <p:txBody>
+          <a:bodyPr wrap="square" rtlCol="0">
+            <a:spAutoFit/>
+            <a:scene3d>
+              <a:camera prst="orthographicFront"/>
+              <a:lightRig rig="threePt" dir="t"/>
+            </a:scene3d>
+            <a:sp3d contourW="12700">
+              <a:contourClr>
+                <a:schemeClr val="tx1"/>
+              </a:contourClr>
+            </a:sp3d>
+          </a:bodyPr>
+          <a:lstStyle/>
+          <a:p>
+            <a:pPr marL="0" marR="0" lvl="0" indent="0" algn="l" defTabSz="457200" rtl="0" eaLnBrk="1" fontAlgn="auto" latinLnBrk="0" hangingPunct="1">
+              <a:lnSpc>
+                <a:spcPct val="100000"/>
+              </a:lnSpc>
+              <a:spcBef>
+                <a:spcPts val="0"/>
+              </a:spcBef>
+              <a:spcAft>
+                <a:spcPts val="0"/>
+              </a:spcAft>
+              <a:buClrTx/>
+              <a:buSzTx/>
+              <a:buFontTx/>
+              <a:buNone/>
+              <a:tabLst/>
+              <a:defRPr/>
+            </a:pPr>
+            <a:r>
+              <a:rPr kumimoji="0" lang="pl-PL" sz="9600" b="1" i="0" u="none" strike="noStrike" kern="1200" cap="none" spc="300" normalizeH="0" baseline="0" noProof="0" dirty="0">
+                <a:ln>
+                  <a:noFill/>
+                </a:ln>
+                <a:solidFill>
+                  <a:schemeClr val="bg1"/>
+                </a:solidFill>
+                <a:effectLst>
+                  <a:outerShdw blurRad="50800" dist="50800" algn="ctr" rotWithShape="0">
+                    <a:schemeClr val="tx1"/>
+                  </a:outerShdw>
+                </a:effectLst>
+                <a:uLnTx/>
+                <a:uFillTx/>
+                <a:latin typeface="Haettenschweiler" panose="020B0706040902060204" pitchFamily="34" charset="0"/>
+                <a:ea typeface="Verdana" panose="020B0604030504040204" pitchFamily="34" charset="0"/>
+                <a:cs typeface="Verdana" panose="020B0604030504040204" pitchFamily="34" charset="0"/>
+              </a:rPr>
+              <a:t>THE FUTURE OF </a:t>
+            </a:r>
+          </a:p>
+          <a:p>
+            <a:pPr marL="0" marR="0" lvl="0" indent="0" algn="l" defTabSz="457200" rtl="0" eaLnBrk="1" fontAlgn="auto" latinLnBrk="0" hangingPunct="1">
+              <a:lnSpc>
+                <a:spcPct val="100000"/>
+              </a:lnSpc>
+              <a:spcBef>
+                <a:spcPts val="0"/>
+              </a:spcBef>
+              <a:spcAft>
+                <a:spcPts val="0"/>
+              </a:spcAft>
+              <a:buClrTx/>
+              <a:buSzTx/>
+              <a:buFontTx/>
+              <a:buNone/>
+              <a:tabLst/>
+              <a:defRPr/>
+            </a:pPr>
+            <a:r>
+              <a:rPr kumimoji="0" lang="pl-PL" sz="9600" b="1" i="0" u="none" strike="noStrike" kern="1200" cap="none" spc="300" normalizeH="0" baseline="0" noProof="0" dirty="0">
+                <a:ln>
+                  <a:noFill/>
+                </a:ln>
+                <a:solidFill>
+                  <a:schemeClr val="bg1"/>
+                </a:solidFill>
+                <a:effectLst>
+                  <a:outerShdw blurRad="50800" dist="50800" algn="ctr" rotWithShape="0">
+                    <a:schemeClr val="tx1"/>
+                  </a:outerShdw>
+                </a:effectLst>
+                <a:uLnTx/>
+                <a:uFillTx/>
+                <a:latin typeface="Haettenschweiler" panose="020B0706040902060204" pitchFamily="34" charset="0"/>
+                <a:ea typeface="Verdana" panose="020B0604030504040204" pitchFamily="34" charset="0"/>
+                <a:cs typeface="Verdana" panose="020B0604030504040204" pitchFamily="34" charset="0"/>
+              </a:rPr>
+              <a:t>SMART GARDENING</a:t>
+            </a:r>
+          </a:p>
+          <a:p>
+            <a:pPr marL="0" marR="0" lvl="0" indent="0" algn="l" defTabSz="457200" rtl="0" eaLnBrk="1" fontAlgn="auto" latinLnBrk="0" hangingPunct="1">
+              <a:lnSpc>
+                <a:spcPct val="100000"/>
+              </a:lnSpc>
+              <a:spcBef>
+                <a:spcPts val="0"/>
+              </a:spcBef>
+              <a:spcAft>
+                <a:spcPts val="0"/>
+              </a:spcAft>
+              <a:buClrTx/>
+              <a:buSzTx/>
+              <a:buFontTx/>
+              <a:buNone/>
+              <a:tabLst/>
+              <a:defRPr/>
+            </a:pPr>
+            <a:r>
+              <a:rPr kumimoji="0" lang="pl-PL" sz="9600" b="1" i="0" u="none" strike="noStrike" kern="1200" cap="none" spc="300" normalizeH="0" baseline="0" noProof="0" dirty="0">
+                <a:ln>
+                  <a:noFill/>
+                </a:ln>
+                <a:solidFill>
+                  <a:schemeClr val="bg1"/>
+                </a:solidFill>
+                <a:effectLst>
+                  <a:outerShdw blurRad="50800" dist="50800" algn="ctr" rotWithShape="0">
+                    <a:schemeClr val="tx1"/>
+                  </a:outerShdw>
+                </a:effectLst>
+                <a:uLnTx/>
+                <a:uFillTx/>
+                <a:latin typeface="Haettenschweiler" panose="020B0706040902060204" pitchFamily="34" charset="0"/>
+                <a:ea typeface="Verdana" panose="020B0604030504040204" pitchFamily="34" charset="0"/>
+                <a:cs typeface="Verdana" panose="020B0604030504040204" pitchFamily="34" charset="0"/>
+              </a:rPr>
+              <a:t>STARTS </a:t>
+            </a:r>
+            <a:r>
+              <a:rPr kumimoji="0" lang="pl-PL" sz="9600" b="1" i="0" u="none" strike="noStrike" kern="1200" cap="none" spc="300" normalizeH="0" baseline="0" noProof="0" dirty="0">
+                <a:ln>
+                  <a:noFill/>
+                </a:ln>
+                <a:solidFill>
+                  <a:schemeClr val="tx1">
+                    <a:lumMod val="95000"/>
+                    <a:lumOff val="5000"/>
+                  </a:schemeClr>
+                </a:solidFill>
+                <a:uLnTx/>
+                <a:uFillTx/>
+                <a:latin typeface="Haettenschweiler" panose="020B0706040902060204" pitchFamily="34" charset="0"/>
+                <a:ea typeface="Verdana" panose="020B0604030504040204" pitchFamily="34" charset="0"/>
+                <a:cs typeface="Verdana" panose="020B0604030504040204" pitchFamily="34" charset="0"/>
+              </a:rPr>
+              <a:t>HERE</a:t>
+            </a:r>
+            <a:r>
+              <a:rPr kumimoji="0" lang="pl-PL" sz="7200" b="1" i="0" u="none" strike="noStrike" kern="1200" cap="none" spc="300" normalizeH="0" baseline="0" noProof="0" dirty="0">
+                <a:ln>
+                  <a:noFill/>
+                </a:ln>
+                <a:solidFill>
+                  <a:prstClr val="black"/>
+                </a:solidFill>
+                <a:uLnTx/>
+                <a:uFillTx/>
+                <a:latin typeface="Haettenschweiler" panose="020B0706040902060204" pitchFamily="34" charset="0"/>
+                <a:ea typeface="Verdana" panose="020B0604030504040204" pitchFamily="34" charset="0"/>
+                <a:cs typeface="Verdana" panose="020B0604030504040204" pitchFamily="34" charset="0"/>
+              </a:rPr>
+              <a:t>.</a:t>
+            </a:r>
+          </a:p>
+        </p:txBody>
+      </p:sp>
+    </p:spTree>
+    <p:extLst>
+      <p:ext uri="{BB962C8B-B14F-4D97-AF65-F5344CB8AC3E}">
+        <p14:creationId xmlns:p14="http://schemas.microsoft.com/office/powerpoint/2010/main" val="3252791136"/>
+      </p:ext>
+    </p:extLst>
+  </p:cSld>
+  <p:clrMapOvr>
+    <a:masterClrMapping/>
+  </p:clrMapOvr>
+</p:sld>
+</file>
+
+<file path=ppt/slides/slide10.xml><?xml version="1.0" encoding="utf-8"?>
+<p:sld xmlns:a="http://schemas.openxmlformats.org/drawingml/2006/main" xmlns:r="http://schemas.openxmlformats.org/officeDocument/2006/relationships" xmlns:p="http://schemas.openxmlformats.org/presentationml/2006/main">
+  <p:cSld>
+    <p:spTree>
+      <p:nvGrpSpPr>
+        <p:cNvPr id="1" name=""/>
+        <p:cNvGrpSpPr/>
+        <p:nvPr/>
+      </p:nvGrpSpPr>
+      <p:grpSpPr>
+        <a:xfrm>
+          <a:off x="0" y="0"/>
+          <a:ext cx="0" cy="0"/>
+          <a:chOff x="0" y="0"/>
+          <a:chExt cx="0" cy="0"/>
+        </a:xfrm>
+      </p:grpSpPr>
+      <p:sp>
+        <p:nvSpPr>
+          <p:cNvPr id="6" name="Tytuł 1"/>
+          <p:cNvSpPr>
+            <a:spLocks noGrp="1"/>
+          </p:cNvSpPr>
+          <p:nvPr>
+            <p:ph type="title"/>
+          </p:nvPr>
+        </p:nvSpPr>
+        <p:spPr>
+          <a:xfrm>
+            <a:off x="1737360" y="350691"/>
+            <a:ext cx="9692640" cy="1325562"/>
+          </a:xfrm>
+        </p:spPr>
+        <p:txBody>
+          <a:bodyPr>
+            <a:normAutofit/>
+          </a:bodyPr>
+          <a:lstStyle/>
+          <a:p>
+            <a:pPr algn="ctr"/>
+            <a:r>
+              <a:rPr lang="en-GB" sz="6000" u="sng" dirty="0">
+                <a:solidFill>
+                  <a:schemeClr val="tx1"/>
+                </a:solidFill>
+                <a:latin typeface="Georgia" panose="02040502050405020303" pitchFamily="18" charset="0"/>
+              </a:rPr>
+              <a:t>Deliverables</a:t>
+            </a:r>
+            <a:endParaRPr lang="pl-PL" sz="6000" u="sng" dirty="0">
+              <a:solidFill>
+                <a:schemeClr val="tx1"/>
+              </a:solidFill>
+              <a:latin typeface="Georgia" panose="02040502050405020303" pitchFamily="18" charset="0"/>
+            </a:endParaRPr>
+          </a:p>
+        </p:txBody>
+      </p:sp>
+      <p:sp>
+        <p:nvSpPr>
+          <p:cNvPr id="7" name="Symbol zastępczy zawartości 2"/>
+          <p:cNvSpPr>
+            <a:spLocks noGrp="1"/>
+          </p:cNvSpPr>
+          <p:nvPr>
+            <p:ph idx="1"/>
+          </p:nvPr>
+        </p:nvSpPr>
+        <p:spPr>
+          <a:xfrm>
+            <a:off x="1160583" y="1676253"/>
+            <a:ext cx="10269417" cy="4872324"/>
+          </a:xfrm>
+        </p:spPr>
+        <p:txBody>
+          <a:bodyPr>
+            <a:normAutofit/>
+          </a:bodyPr>
+          <a:lstStyle/>
+          <a:p>
+            <a:pPr>
+              <a:lnSpc>
+                <a:spcPct val="150000"/>
+              </a:lnSpc>
+            </a:pPr>
+            <a:r>
+              <a:rPr lang="en-US" altLang="en-GB" sz="2600" dirty="0">
+                <a:latin typeface="Georgia" panose="02040502050405020303" pitchFamily="18" charset="0"/>
+              </a:rPr>
+              <a:t>E</a:t>
+            </a:r>
+            <a:r>
+              <a:rPr lang="en-GB" sz="2600" dirty="0">
+                <a:latin typeface="Georgia" panose="02040502050405020303" pitchFamily="18" charset="0"/>
+              </a:rPr>
+              <a:t>xecutive </a:t>
+            </a:r>
+            <a:r>
+              <a:rPr lang="en-US" altLang="en-GB" sz="2600" dirty="0">
+                <a:latin typeface="Georgia" panose="02040502050405020303" pitchFamily="18" charset="0"/>
+              </a:rPr>
+              <a:t>S</a:t>
+            </a:r>
+            <a:r>
+              <a:rPr lang="en-GB" sz="2600" dirty="0">
+                <a:latin typeface="Georgia" panose="02040502050405020303" pitchFamily="18" charset="0"/>
+              </a:rPr>
+              <a:t>ummary</a:t>
+            </a:r>
+          </a:p>
+          <a:p>
+            <a:pPr>
+              <a:lnSpc>
+                <a:spcPct val="150000"/>
+              </a:lnSpc>
+            </a:pPr>
+            <a:r>
+              <a:rPr lang="en-GB" sz="2600" dirty="0">
+                <a:latin typeface="Georgia" panose="02040502050405020303" pitchFamily="18" charset="0"/>
+              </a:rPr>
+              <a:t>Cost breakdown</a:t>
+            </a:r>
+          </a:p>
+          <a:p>
+            <a:pPr>
+              <a:lnSpc>
+                <a:spcPct val="150000"/>
+              </a:lnSpc>
+            </a:pPr>
+            <a:r>
+              <a:rPr lang="en-GB" sz="2600" dirty="0">
+                <a:latin typeface="Georgia" panose="02040502050405020303" pitchFamily="18" charset="0"/>
+              </a:rPr>
+              <a:t>A prototype will be showcased to the client throughout development</a:t>
+            </a:r>
+          </a:p>
+          <a:p>
+            <a:pPr>
+              <a:lnSpc>
+                <a:spcPct val="150000"/>
+              </a:lnSpc>
+            </a:pPr>
+            <a:r>
+              <a:rPr lang="en-GB" sz="2600" dirty="0">
+                <a:latin typeface="Georgia" panose="02040502050405020303" pitchFamily="18" charset="0"/>
+              </a:rPr>
+              <a:t>Results from performance testing</a:t>
+            </a:r>
+          </a:p>
+          <a:p>
+            <a:pPr>
+              <a:lnSpc>
+                <a:spcPct val="150000"/>
+              </a:lnSpc>
+            </a:pPr>
+            <a:r>
+              <a:rPr lang="en-GB" sz="2600" dirty="0">
+                <a:latin typeface="Georgia" panose="02040502050405020303" pitchFamily="18" charset="0"/>
+                <a:sym typeface="+mn-ea"/>
+              </a:rPr>
+              <a:t>User manual and other required documentation</a:t>
+            </a:r>
+            <a:endParaRPr lang="en-GB" sz="2600" dirty="0">
+              <a:latin typeface="Georgia" panose="02040502050405020303" pitchFamily="18" charset="0"/>
+            </a:endParaRPr>
+          </a:p>
+          <a:p>
+            <a:pPr>
+              <a:lnSpc>
+                <a:spcPct val="150000"/>
+              </a:lnSpc>
+            </a:pPr>
+            <a:r>
+              <a:rPr lang="en-GB" sz="2600" dirty="0">
+                <a:latin typeface="Georgia" panose="02040502050405020303" pitchFamily="18" charset="0"/>
+              </a:rPr>
+              <a:t>Final product will contain a </a:t>
+            </a:r>
+            <a:r>
+              <a:rPr lang="en-US" altLang="en-GB" sz="2600" dirty="0">
+                <a:latin typeface="Georgia" panose="02040502050405020303" pitchFamily="18" charset="0"/>
+              </a:rPr>
+              <a:t>hardware </a:t>
+            </a:r>
+            <a:r>
+              <a:rPr lang="en-GB" sz="2600" dirty="0">
+                <a:latin typeface="Georgia" panose="02040502050405020303" pitchFamily="18" charset="0"/>
+              </a:rPr>
+              <a:t>device, website and database</a:t>
+            </a:r>
+          </a:p>
+          <a:p>
+            <a:pPr algn="just"/>
+            <a:endParaRPr lang="en-GB" dirty="0"/>
+          </a:p>
+        </p:txBody>
+      </p:sp>
+      <p:sp>
+        <p:nvSpPr>
+          <p:cNvPr id="8" name="Slide Number Placeholder 7"/>
+          <p:cNvSpPr>
+            <a:spLocks noGrp="1"/>
+          </p:cNvSpPr>
+          <p:nvPr>
+            <p:ph type="sldNum" sz="quarter" idx="12"/>
+          </p:nvPr>
+        </p:nvSpPr>
+        <p:spPr/>
+        <p:txBody>
+          <a:bodyPr/>
+          <a:lstStyle/>
+          <a:p>
+            <a:fld id="{B3561BA9-CDCF-4958-B8AB-66F3BF063E13}" type="slidenum">
+              <a:rPr lang="en-US" smtClean="0"/>
+              <a:t>10</a:t>
+            </a:fld>
+            <a:endParaRPr lang="en-US"/>
+          </a:p>
+        </p:txBody>
+      </p:sp>
+    </p:spTree>
+  </p:cSld>
+  <p:clrMapOvr>
+    <a:masterClrMapping/>
+  </p:clrMapOvr>
+</p:sld>
+</file>
+
+<file path=ppt/slides/slide11.xml><?xml version="1.0" encoding="utf-8"?>
+<p:sld xmlns:a="http://schemas.openxmlformats.org/drawingml/2006/main" xmlns:r="http://schemas.openxmlformats.org/officeDocument/2006/relationships" xmlns:p="http://schemas.openxmlformats.org/presentationml/2006/main">
+  <p:cSld>
+    <p:spTree>
+      <p:nvGrpSpPr>
+        <p:cNvPr id="1" name=""/>
+        <p:cNvGrpSpPr/>
+        <p:nvPr/>
+      </p:nvGrpSpPr>
+      <p:grpSpPr>
+        <a:xfrm>
+          <a:off x="0" y="0"/>
+          <a:ext cx="0" cy="0"/>
+          <a:chOff x="0" y="0"/>
+          <a:chExt cx="0" cy="0"/>
+        </a:xfrm>
+      </p:grpSpPr>
+      <p:pic>
+        <p:nvPicPr>
+          <p:cNvPr id="5" name="Picture 4" descr="WBSdB"/>
+          <p:cNvPicPr>
+            <a:picLocks noChangeAspect="1"/>
+          </p:cNvPicPr>
+          <p:nvPr/>
+        </p:nvPicPr>
+        <p:blipFill>
+          <a:blip r:embed="rId2"/>
+          <a:stretch>
+            <a:fillRect/>
+          </a:stretch>
+        </p:blipFill>
+        <p:spPr>
+          <a:xfrm>
+            <a:off x="524656" y="254833"/>
+            <a:ext cx="10262558" cy="6187242"/>
+          </a:xfrm>
+          <a:prstGeom prst="rect">
+            <a:avLst/>
+          </a:prstGeom>
+        </p:spPr>
+      </p:pic>
+      <p:sp>
+        <p:nvSpPr>
+          <p:cNvPr id="4" name="Title 3"/>
+          <p:cNvSpPr>
+            <a:spLocks noGrp="1"/>
+          </p:cNvSpPr>
+          <p:nvPr>
+            <p:ph type="title"/>
+          </p:nvPr>
+        </p:nvSpPr>
+        <p:spPr>
+          <a:xfrm>
+            <a:off x="3657292" y="-24567"/>
+            <a:ext cx="11353800" cy="1325563"/>
+          </a:xfrm>
+        </p:spPr>
+        <p:txBody>
+          <a:bodyPr>
+            <a:noAutofit/>
+          </a:bodyPr>
+          <a:lstStyle/>
+          <a:p>
+            <a:pPr algn="ctr"/>
+            <a:r>
+              <a:rPr lang="en-US" altLang="en-US" sz="3200" u="sng" dirty="0">
+                <a:latin typeface="Georgia" panose="02040502050405020303" pitchFamily="18" charset="0"/>
+              </a:rPr>
+              <a:t>Work Breakdown Structure:</a:t>
+            </a:r>
+            <a:br>
+              <a:rPr lang="en-US" altLang="en-US" sz="3200" u="sng" dirty="0">
+                <a:latin typeface="Georgia" panose="02040502050405020303" pitchFamily="18" charset="0"/>
+              </a:rPr>
+            </a:br>
+            <a:r>
+              <a:rPr lang="en-US" altLang="en-US" sz="3200" u="sng" dirty="0">
+                <a:latin typeface="Georgia" panose="02040502050405020303" pitchFamily="18" charset="0"/>
+              </a:rPr>
+              <a:t>Database</a:t>
+            </a:r>
+          </a:p>
+        </p:txBody>
+      </p:sp>
+      <p:sp>
+        <p:nvSpPr>
+          <p:cNvPr id="6" name="Slide Number Placeholder 5"/>
+          <p:cNvSpPr>
+            <a:spLocks noGrp="1"/>
+          </p:cNvSpPr>
+          <p:nvPr>
+            <p:ph type="sldNum" sz="quarter" idx="12"/>
+          </p:nvPr>
+        </p:nvSpPr>
+        <p:spPr/>
+        <p:txBody>
+          <a:bodyPr/>
+          <a:lstStyle/>
+          <a:p>
+            <a:fld id="{B3561BA9-CDCF-4958-B8AB-66F3BF063E13}" type="slidenum">
+              <a:rPr lang="en-US" smtClean="0"/>
+              <a:t>11</a:t>
+            </a:fld>
+            <a:endParaRPr lang="en-US"/>
+          </a:p>
+        </p:txBody>
+      </p:sp>
+    </p:spTree>
+  </p:cSld>
+  <p:clrMapOvr>
+    <a:masterClrMapping/>
+  </p:clrMapOvr>
+</p:sld>
+</file>
+
+<file path=ppt/slides/slide12.xml><?xml version="1.0" encoding="utf-8"?>
+<p:sld xmlns:a="http://schemas.openxmlformats.org/drawingml/2006/main" xmlns:r="http://schemas.openxmlformats.org/officeDocument/2006/relationships" xmlns:p="http://schemas.openxmlformats.org/presentationml/2006/main">
+  <p:cSld>
+    <p:spTree>
+      <p:nvGrpSpPr>
+        <p:cNvPr id="1" name=""/>
+        <p:cNvGrpSpPr/>
+        <p:nvPr/>
+      </p:nvGrpSpPr>
+      <p:grpSpPr>
+        <a:xfrm>
+          <a:off x="0" y="0"/>
+          <a:ext cx="0" cy="0"/>
+          <a:chOff x="0" y="0"/>
+          <a:chExt cx="0" cy="0"/>
+        </a:xfrm>
+      </p:grpSpPr>
+      <p:pic>
+        <p:nvPicPr>
+          <p:cNvPr id="5" name="Picture 4" descr="WBSard"/>
+          <p:cNvPicPr>
+            <a:picLocks noChangeAspect="1"/>
+          </p:cNvPicPr>
+          <p:nvPr/>
+        </p:nvPicPr>
+        <p:blipFill>
+          <a:blip r:embed="rId2"/>
+          <a:stretch>
+            <a:fillRect/>
+          </a:stretch>
+        </p:blipFill>
+        <p:spPr>
+          <a:xfrm>
+            <a:off x="1723868" y="164892"/>
+            <a:ext cx="9629931" cy="6556582"/>
+          </a:xfrm>
+          <a:prstGeom prst="rect">
+            <a:avLst/>
+          </a:prstGeom>
+        </p:spPr>
+      </p:pic>
+      <p:sp>
+        <p:nvSpPr>
+          <p:cNvPr id="4" name="Title 3"/>
+          <p:cNvSpPr>
+            <a:spLocks noGrp="1"/>
+          </p:cNvSpPr>
+          <p:nvPr>
+            <p:ph type="title"/>
+          </p:nvPr>
+        </p:nvSpPr>
+        <p:spPr>
+          <a:xfrm>
+            <a:off x="-84944" y="5693568"/>
+            <a:ext cx="8695544" cy="1325563"/>
+          </a:xfrm>
+        </p:spPr>
+        <p:txBody>
+          <a:bodyPr>
+            <a:normAutofit/>
+          </a:bodyPr>
+          <a:lstStyle/>
+          <a:p>
+            <a:pPr algn="ctr"/>
+            <a:r>
+              <a:rPr lang="en-US" altLang="en-US" sz="3200" u="sng" dirty="0">
+                <a:latin typeface="Georgia" panose="02040502050405020303" pitchFamily="18" charset="0"/>
+              </a:rPr>
+              <a:t>Work Breakdown Structure: Hardware</a:t>
+            </a:r>
+          </a:p>
+        </p:txBody>
+      </p:sp>
+      <p:sp>
+        <p:nvSpPr>
+          <p:cNvPr id="6" name="Slide Number Placeholder 5"/>
+          <p:cNvSpPr>
+            <a:spLocks noGrp="1"/>
+          </p:cNvSpPr>
+          <p:nvPr>
+            <p:ph type="sldNum" sz="quarter" idx="12"/>
+          </p:nvPr>
+        </p:nvSpPr>
+        <p:spPr/>
+        <p:txBody>
+          <a:bodyPr/>
+          <a:lstStyle/>
+          <a:p>
+            <a:fld id="{B3561BA9-CDCF-4958-B8AB-66F3BF063E13}" type="slidenum">
+              <a:rPr lang="en-US" smtClean="0"/>
+              <a:t>12</a:t>
+            </a:fld>
+            <a:endParaRPr lang="en-US"/>
+          </a:p>
+        </p:txBody>
+      </p:sp>
+    </p:spTree>
+  </p:cSld>
+  <p:clrMapOvr>
+    <a:masterClrMapping/>
+  </p:clrMapOvr>
+</p:sld>
+</file>
+
+<file path=ppt/slides/slide13.xml><?xml version="1.0" encoding="utf-8"?>
+<p:sld xmlns:a="http://schemas.openxmlformats.org/drawingml/2006/main" xmlns:r="http://schemas.openxmlformats.org/officeDocument/2006/relationships" xmlns:p="http://schemas.openxmlformats.org/presentationml/2006/main">
+  <p:cSld>
+    <p:spTree>
+      <p:nvGrpSpPr>
+        <p:cNvPr id="1" name=""/>
+        <p:cNvGrpSpPr/>
+        <p:nvPr/>
+      </p:nvGrpSpPr>
+      <p:grpSpPr>
+        <a:xfrm>
+          <a:off x="0" y="0"/>
+          <a:ext cx="0" cy="0"/>
+          <a:chOff x="0" y="0"/>
+          <a:chExt cx="0" cy="0"/>
+        </a:xfrm>
+      </p:grpSpPr>
+      <p:pic>
+        <p:nvPicPr>
+          <p:cNvPr id="5" name="Picture 4" descr="WBS"/>
+          <p:cNvPicPr>
+            <a:picLocks noChangeAspect="1"/>
+          </p:cNvPicPr>
+          <p:nvPr/>
+        </p:nvPicPr>
+        <p:blipFill>
+          <a:blip r:embed="rId2"/>
+          <a:stretch>
+            <a:fillRect/>
+          </a:stretch>
+        </p:blipFill>
+        <p:spPr>
+          <a:xfrm>
+            <a:off x="299802" y="-10177"/>
+            <a:ext cx="7091053" cy="6868177"/>
+          </a:xfrm>
+          <a:prstGeom prst="rect">
+            <a:avLst/>
+          </a:prstGeom>
+        </p:spPr>
+      </p:pic>
+      <p:sp>
+        <p:nvSpPr>
+          <p:cNvPr id="4" name="Title 3"/>
+          <p:cNvSpPr>
+            <a:spLocks noGrp="1"/>
+          </p:cNvSpPr>
+          <p:nvPr>
+            <p:ph type="title"/>
+          </p:nvPr>
+        </p:nvSpPr>
+        <p:spPr>
+          <a:xfrm>
+            <a:off x="5309641" y="165960"/>
+            <a:ext cx="7441367" cy="1325563"/>
+          </a:xfrm>
+        </p:spPr>
+        <p:txBody>
+          <a:bodyPr>
+            <a:normAutofit/>
+          </a:bodyPr>
+          <a:lstStyle/>
+          <a:p>
+            <a:pPr algn="ctr"/>
+            <a:r>
+              <a:rPr lang="en-US" altLang="en-US" sz="3200" u="sng" dirty="0">
+                <a:latin typeface="Georgia" panose="02040502050405020303" pitchFamily="18" charset="0"/>
+              </a:rPr>
+              <a:t>Work Breakdown Structure: </a:t>
+            </a:r>
+            <a:br>
+              <a:rPr lang="en-US" altLang="en-US" sz="3200" u="sng" dirty="0">
+                <a:latin typeface="Georgia" panose="02040502050405020303" pitchFamily="18" charset="0"/>
+              </a:rPr>
+            </a:br>
+            <a:r>
+              <a:rPr lang="en-US" altLang="en-US" sz="3200" u="sng" dirty="0">
+                <a:latin typeface="Georgia" panose="02040502050405020303" pitchFamily="18" charset="0"/>
+              </a:rPr>
+              <a:t>Website</a:t>
+            </a:r>
+          </a:p>
+        </p:txBody>
+      </p:sp>
+      <p:sp>
+        <p:nvSpPr>
+          <p:cNvPr id="6" name="Slide Number Placeholder 5"/>
+          <p:cNvSpPr>
+            <a:spLocks noGrp="1"/>
+          </p:cNvSpPr>
+          <p:nvPr>
+            <p:ph type="sldNum" sz="quarter" idx="12"/>
+          </p:nvPr>
+        </p:nvSpPr>
+        <p:spPr/>
+        <p:txBody>
+          <a:bodyPr/>
+          <a:lstStyle/>
+          <a:p>
+            <a:fld id="{B3561BA9-CDCF-4958-B8AB-66F3BF063E13}" type="slidenum">
+              <a:rPr lang="en-US" smtClean="0"/>
+              <a:t>13</a:t>
+            </a:fld>
+            <a:endParaRPr lang="en-US"/>
+          </a:p>
+        </p:txBody>
+      </p:sp>
+    </p:spTree>
+  </p:cSld>
+  <p:clrMapOvr>
+    <a:masterClrMapping/>
+  </p:clrMapOvr>
+</p:sld>
+</file>
+
+<file path=ppt/slides/slide14.xml><?xml version="1.0" encoding="utf-8"?>
+<p:sld xmlns:a="http://schemas.openxmlformats.org/drawingml/2006/main" xmlns:r="http://schemas.openxmlformats.org/officeDocument/2006/relationships" xmlns:p="http://schemas.openxmlformats.org/presentationml/2006/main">
+  <p:cSld>
+    <p:spTree>
+      <p:nvGrpSpPr>
+        <p:cNvPr id="1" name=""/>
+        <p:cNvGrpSpPr/>
+        <p:nvPr/>
+      </p:nvGrpSpPr>
+      <p:grpSpPr>
+        <a:xfrm>
+          <a:off x="0" y="0"/>
+          <a:ext cx="0" cy="0"/>
+          <a:chOff x="0" y="0"/>
+          <a:chExt cx="0" cy="0"/>
+        </a:xfrm>
+      </p:grpSpPr>
+      <p:sp>
+        <p:nvSpPr>
+          <p:cNvPr id="4" name="Title 3"/>
+          <p:cNvSpPr>
+            <a:spLocks noGrp="1"/>
+          </p:cNvSpPr>
+          <p:nvPr>
+            <p:ph type="title"/>
+          </p:nvPr>
+        </p:nvSpPr>
+        <p:spPr>
+          <a:xfrm>
+            <a:off x="685134" y="138887"/>
+            <a:ext cx="11236325" cy="1325245"/>
+          </a:xfrm>
+        </p:spPr>
+        <p:txBody>
+          <a:bodyPr>
+            <a:normAutofit/>
+          </a:bodyPr>
+          <a:lstStyle/>
+          <a:p>
+            <a:pPr algn="ctr"/>
+            <a:r>
+              <a:rPr lang="en-US" altLang="en-US" sz="6000" u="sng" dirty="0">
+                <a:solidFill>
+                  <a:schemeClr val="tx1"/>
+                </a:solidFill>
+                <a:latin typeface="Georgia" panose="02040502050405020303" pitchFamily="18" charset="0"/>
+              </a:rPr>
+              <a:t>Risks</a:t>
+            </a:r>
+          </a:p>
+        </p:txBody>
+      </p:sp>
+      <p:sp>
+        <p:nvSpPr>
+          <p:cNvPr id="11" name="Slide Number Placeholder 10"/>
+          <p:cNvSpPr>
+            <a:spLocks noGrp="1"/>
+          </p:cNvSpPr>
+          <p:nvPr>
+            <p:ph type="sldNum" sz="quarter" idx="12"/>
+          </p:nvPr>
+        </p:nvSpPr>
+        <p:spPr/>
+        <p:txBody>
+          <a:bodyPr/>
+          <a:lstStyle/>
+          <a:p>
+            <a:fld id="{B3561BA9-CDCF-4958-B8AB-66F3BF063E13}" type="slidenum">
+              <a:rPr lang="en-US" smtClean="0"/>
+              <a:t>14</a:t>
+            </a:fld>
+            <a:endParaRPr lang="en-US"/>
+          </a:p>
+        </p:txBody>
+      </p:sp>
+      <p:sp>
+        <p:nvSpPr>
+          <p:cNvPr id="5" name="Text Box 4"/>
+          <p:cNvSpPr txBox="1"/>
+          <p:nvPr/>
+        </p:nvSpPr>
+        <p:spPr>
+          <a:xfrm>
+            <a:off x="1360139" y="1228377"/>
+            <a:ext cx="9436454" cy="830997"/>
+          </a:xfrm>
+          <a:prstGeom prst="rect">
+            <a:avLst/>
+          </a:prstGeom>
+          <a:noFill/>
+        </p:spPr>
+        <p:txBody>
+          <a:bodyPr wrap="square" rtlCol="0">
+            <a:spAutoFit/>
+          </a:bodyPr>
+          <a:lstStyle/>
+          <a:p>
+            <a:pPr marL="285750" indent="-285750">
+              <a:buFont typeface="Arial" panose="020B0604020202020204" pitchFamily="34" charset="0"/>
+              <a:buChar char="•"/>
+            </a:pPr>
+            <a:r>
+              <a:rPr lang="en-US" altLang="en-US" sz="2400" dirty="0">
+                <a:latin typeface="Georgia" panose="02040502050405020303" pitchFamily="18" charset="0"/>
+              </a:rPr>
+              <a:t>Exceed predetermined budget</a:t>
+            </a:r>
+          </a:p>
+          <a:p>
+            <a:pPr indent="0">
+              <a:buFont typeface="Arial" panose="020B0604020202020204" pitchFamily="34" charset="0"/>
+              <a:buNone/>
+            </a:pPr>
+            <a:r>
+              <a:rPr lang="en-US" altLang="en-US" sz="2400" dirty="0">
+                <a:latin typeface="Georgia" panose="02040502050405020303" pitchFamily="18" charset="0"/>
+              </a:rPr>
+              <a:t>	- Use only resources needed</a:t>
+            </a:r>
+          </a:p>
+        </p:txBody>
+      </p:sp>
+      <p:sp>
+        <p:nvSpPr>
+          <p:cNvPr id="6" name="Text Box 5"/>
+          <p:cNvSpPr txBox="1"/>
+          <p:nvPr/>
+        </p:nvSpPr>
+        <p:spPr>
+          <a:xfrm>
+            <a:off x="1360139" y="2104851"/>
+            <a:ext cx="6557645" cy="830997"/>
+          </a:xfrm>
+          <a:prstGeom prst="rect">
+            <a:avLst/>
+          </a:prstGeom>
+          <a:noFill/>
+        </p:spPr>
+        <p:txBody>
+          <a:bodyPr wrap="square" rtlCol="0">
+            <a:spAutoFit/>
+          </a:bodyPr>
+          <a:lstStyle/>
+          <a:p>
+            <a:pPr marL="285750" indent="-285750">
+              <a:buFont typeface="Arial" panose="020B0604020202020204" pitchFamily="34" charset="0"/>
+              <a:buChar char="•"/>
+            </a:pPr>
+            <a:r>
+              <a:rPr lang="en-US" altLang="en-US" sz="2400" dirty="0">
+                <a:latin typeface="Georgia" panose="02040502050405020303" pitchFamily="18" charset="0"/>
+              </a:rPr>
+              <a:t>Inconsistent staff availability</a:t>
+            </a:r>
+          </a:p>
+          <a:p>
+            <a:pPr indent="0">
+              <a:buFont typeface="Arial" panose="020B0604020202020204" pitchFamily="34" charset="0"/>
+              <a:buNone/>
+            </a:pPr>
+            <a:r>
+              <a:rPr lang="en-US" altLang="en-US" sz="2400" dirty="0">
+                <a:latin typeface="Georgia" panose="02040502050405020303" pitchFamily="18" charset="0"/>
+              </a:rPr>
+              <a:t>	- Overlap responsibilities</a:t>
+            </a:r>
+          </a:p>
+        </p:txBody>
+      </p:sp>
+      <p:sp>
+        <p:nvSpPr>
+          <p:cNvPr id="7" name="Text Box 6"/>
+          <p:cNvSpPr txBox="1"/>
+          <p:nvPr/>
+        </p:nvSpPr>
+        <p:spPr>
+          <a:xfrm>
+            <a:off x="1360139" y="2935848"/>
+            <a:ext cx="9070975" cy="830997"/>
+          </a:xfrm>
+          <a:prstGeom prst="rect">
+            <a:avLst/>
+          </a:prstGeom>
+          <a:noFill/>
+        </p:spPr>
+        <p:txBody>
+          <a:bodyPr wrap="square" rtlCol="0">
+            <a:spAutoFit/>
+          </a:bodyPr>
+          <a:lstStyle/>
+          <a:p>
+            <a:pPr marL="285750" indent="-285750">
+              <a:buFont typeface="Arial" panose="020B0604020202020204" pitchFamily="34" charset="0"/>
+              <a:buChar char="•"/>
+            </a:pPr>
+            <a:r>
+              <a:rPr lang="en-US" altLang="en-US" sz="2400" dirty="0">
+                <a:latin typeface="Georgia" panose="02040502050405020303" pitchFamily="18" charset="0"/>
+              </a:rPr>
+              <a:t>Technology in use becoming obsolete</a:t>
+            </a:r>
+          </a:p>
+          <a:p>
+            <a:pPr indent="0">
+              <a:buFont typeface="Arial" panose="020B0604020202020204" pitchFamily="34" charset="0"/>
+              <a:buNone/>
+            </a:pPr>
+            <a:r>
+              <a:rPr lang="en-US" altLang="en-US" sz="2400" dirty="0">
+                <a:latin typeface="Georgia" panose="02040502050405020303" pitchFamily="18" charset="0"/>
+              </a:rPr>
+              <a:t>	- Research current/upcoming developments</a:t>
+            </a:r>
+          </a:p>
+        </p:txBody>
+      </p:sp>
+      <p:sp>
+        <p:nvSpPr>
+          <p:cNvPr id="8" name="Text Box 7"/>
+          <p:cNvSpPr txBox="1"/>
+          <p:nvPr/>
+        </p:nvSpPr>
+        <p:spPr>
+          <a:xfrm>
+            <a:off x="1360139" y="3766845"/>
+            <a:ext cx="11302226" cy="830997"/>
+          </a:xfrm>
+          <a:prstGeom prst="rect">
+            <a:avLst/>
+          </a:prstGeom>
+          <a:noFill/>
+        </p:spPr>
+        <p:txBody>
+          <a:bodyPr wrap="square" rtlCol="0">
+            <a:spAutoFit/>
+          </a:bodyPr>
+          <a:lstStyle/>
+          <a:p>
+            <a:pPr marL="285750" indent="-285750">
+              <a:buFont typeface="Arial" panose="020B0604020202020204" pitchFamily="34" charset="0"/>
+              <a:buChar char="•"/>
+            </a:pPr>
+            <a:r>
+              <a:rPr lang="en-US" altLang="en-US" sz="2400" dirty="0">
+                <a:latin typeface="Georgia" panose="02040502050405020303" pitchFamily="18" charset="0"/>
+              </a:rPr>
+              <a:t>Data Protection Regulation changing</a:t>
+            </a:r>
+          </a:p>
+          <a:p>
+            <a:pPr indent="0">
+              <a:buFont typeface="Arial" panose="020B0604020202020204" pitchFamily="34" charset="0"/>
+              <a:buNone/>
+            </a:pPr>
+            <a:r>
+              <a:rPr lang="en-US" altLang="en-US" sz="2400" dirty="0">
+                <a:latin typeface="Georgia" panose="02040502050405020303" pitchFamily="18" charset="0"/>
+              </a:rPr>
+              <a:t>	- Keep up with current legislation and any upcoming developments</a:t>
+            </a:r>
+          </a:p>
+        </p:txBody>
+      </p:sp>
+      <p:sp>
+        <p:nvSpPr>
+          <p:cNvPr id="9" name="Text Box 8"/>
+          <p:cNvSpPr txBox="1"/>
+          <p:nvPr/>
+        </p:nvSpPr>
+        <p:spPr>
+          <a:xfrm>
+            <a:off x="1360139" y="4643319"/>
+            <a:ext cx="10561320" cy="830997"/>
+          </a:xfrm>
+          <a:prstGeom prst="rect">
+            <a:avLst/>
+          </a:prstGeom>
+          <a:noFill/>
+        </p:spPr>
+        <p:txBody>
+          <a:bodyPr wrap="square" rtlCol="0">
+            <a:spAutoFit/>
+          </a:bodyPr>
+          <a:lstStyle/>
+          <a:p>
+            <a:pPr marL="285750" indent="-285750">
+              <a:buFont typeface="Arial" panose="020B0604020202020204" pitchFamily="34" charset="0"/>
+              <a:buChar char="•"/>
+            </a:pPr>
+            <a:r>
+              <a:rPr lang="en-US" altLang="en-US" sz="2400" dirty="0">
+                <a:latin typeface="Georgia" panose="02040502050405020303" pitchFamily="18" charset="0"/>
+              </a:rPr>
+              <a:t>Competitor creating alternative solution</a:t>
+            </a:r>
+          </a:p>
+          <a:p>
+            <a:pPr indent="0">
+              <a:buFont typeface="Arial" panose="020B0604020202020204" pitchFamily="34" charset="0"/>
+              <a:buNone/>
+            </a:pPr>
+            <a:r>
+              <a:rPr lang="en-US" altLang="en-US" sz="2400" dirty="0">
+                <a:latin typeface="Georgia" panose="02040502050405020303" pitchFamily="18" charset="0"/>
+              </a:rPr>
+              <a:t>	- Ensure we have lowest cost/most versatile product </a:t>
+            </a:r>
+          </a:p>
+        </p:txBody>
+      </p:sp>
+      <p:sp>
+        <p:nvSpPr>
+          <p:cNvPr id="10" name="Text Box 9"/>
+          <p:cNvSpPr txBox="1"/>
+          <p:nvPr/>
+        </p:nvSpPr>
+        <p:spPr>
+          <a:xfrm>
+            <a:off x="1347145" y="5519793"/>
+            <a:ext cx="10771444" cy="830997"/>
+          </a:xfrm>
+          <a:prstGeom prst="rect">
+            <a:avLst/>
+          </a:prstGeom>
+          <a:noFill/>
+        </p:spPr>
+        <p:txBody>
+          <a:bodyPr wrap="square" rtlCol="0">
+            <a:spAutoFit/>
+          </a:bodyPr>
+          <a:lstStyle/>
+          <a:p>
+            <a:pPr marL="285750" indent="-285750">
+              <a:buFont typeface="Arial" panose="020B0604020202020204" pitchFamily="34" charset="0"/>
+              <a:buChar char="•"/>
+            </a:pPr>
+            <a:r>
+              <a:rPr lang="en-US" altLang="en-US" sz="2400" dirty="0">
+                <a:latin typeface="Georgia" panose="02040502050405020303" pitchFamily="18" charset="0"/>
+              </a:rPr>
+              <a:t>Delay in delivering final product</a:t>
+            </a:r>
+          </a:p>
+          <a:p>
+            <a:pPr indent="0">
+              <a:buFont typeface="Arial" panose="020B0604020202020204" pitchFamily="34" charset="0"/>
+              <a:buNone/>
+            </a:pPr>
+            <a:r>
+              <a:rPr lang="en-US" altLang="en-US" sz="2400" dirty="0">
+                <a:latin typeface="Georgia" panose="02040502050405020303" pitchFamily="18" charset="0"/>
+              </a:rPr>
+              <a:t>	- Ensure work schedule is </a:t>
+            </a:r>
+            <a:r>
+              <a:rPr lang="en-US" altLang="en-US" sz="2400" dirty="0" err="1">
+                <a:latin typeface="Georgia" panose="02040502050405020303" pitchFamily="18" charset="0"/>
+              </a:rPr>
+              <a:t>managable</a:t>
+            </a:r>
+            <a:r>
+              <a:rPr lang="en-US" altLang="en-US" sz="2400" dirty="0">
+                <a:latin typeface="Georgia" panose="02040502050405020303" pitchFamily="18" charset="0"/>
+              </a:rPr>
+              <a:t> and project goal is achievable</a:t>
+            </a:r>
+          </a:p>
+        </p:txBody>
+      </p:sp>
+    </p:spTree>
+  </p:cSld>
+  <p:clrMapOvr>
+    <a:masterClrMapping/>
+  </p:clrMapOvr>
+</p:sld>
+</file>
+
+<file path=ppt/slides/slide15.xml><?xml version="1.0" encoding="utf-8"?>
+<p:sld xmlns:a="http://schemas.openxmlformats.org/drawingml/2006/main" xmlns:r="http://schemas.openxmlformats.org/officeDocument/2006/relationships" xmlns:p="http://schemas.openxmlformats.org/presentationml/2006/main">
+  <p:cSld>
+    <p:spTree>
+      <p:nvGrpSpPr>
+        <p:cNvPr id="1" name=""/>
+        <p:cNvGrpSpPr/>
+        <p:nvPr/>
+      </p:nvGrpSpPr>
+      <p:grpSpPr>
+        <a:xfrm>
+          <a:off x="0" y="0"/>
+          <a:ext cx="0" cy="0"/>
+          <a:chOff x="0" y="0"/>
+          <a:chExt cx="0" cy="0"/>
+        </a:xfrm>
+      </p:grpSpPr>
+      <p:sp>
+        <p:nvSpPr>
+          <p:cNvPr id="4" name="Tytuł 1"/>
+          <p:cNvSpPr>
+            <a:spLocks noGrp="1"/>
+          </p:cNvSpPr>
+          <p:nvPr>
+            <p:ph type="title"/>
+          </p:nvPr>
+        </p:nvSpPr>
+        <p:spPr>
+          <a:xfrm>
+            <a:off x="1299055" y="512340"/>
+            <a:ext cx="9692640" cy="1325562"/>
+          </a:xfrm>
+        </p:spPr>
+        <p:txBody>
+          <a:bodyPr>
+            <a:normAutofit/>
+          </a:bodyPr>
+          <a:lstStyle/>
+          <a:p>
+            <a:pPr algn="ctr"/>
+            <a:r>
+              <a:rPr lang="en-GB" sz="6000" u="sng" dirty="0">
+                <a:solidFill>
+                  <a:schemeClr val="tx1"/>
+                </a:solidFill>
+                <a:latin typeface="Georgia" panose="02040502050405020303" pitchFamily="18" charset="0"/>
+              </a:rPr>
+              <a:t>Benefits</a:t>
+            </a:r>
+            <a:endParaRPr lang="pl-PL" sz="6000" u="sng" dirty="0">
+              <a:solidFill>
+                <a:schemeClr val="tx1"/>
+              </a:solidFill>
+              <a:latin typeface="Georgia" panose="02040502050405020303" pitchFamily="18" charset="0"/>
+            </a:endParaRPr>
+          </a:p>
+        </p:txBody>
+      </p:sp>
+      <p:sp>
+        <p:nvSpPr>
+          <p:cNvPr id="5" name="Symbol zastępczy zawartości 2"/>
+          <p:cNvSpPr>
+            <a:spLocks noGrp="1"/>
+          </p:cNvSpPr>
+          <p:nvPr>
+            <p:ph idx="1"/>
+          </p:nvPr>
+        </p:nvSpPr>
+        <p:spPr>
+          <a:xfrm>
+            <a:off x="1916371" y="1333606"/>
+            <a:ext cx="8458007" cy="5214971"/>
+          </a:xfrm>
+        </p:spPr>
+        <p:txBody>
+          <a:bodyPr>
+            <a:noAutofit/>
+          </a:bodyPr>
+          <a:lstStyle/>
+          <a:p>
+            <a:pPr marL="0" indent="0">
+              <a:buNone/>
+            </a:pPr>
+            <a:endParaRPr lang="en-GB" sz="2800" b="1" u="sng" dirty="0"/>
+          </a:p>
+          <a:p>
+            <a:pPr algn="ctr">
+              <a:lnSpc>
+                <a:spcPct val="170000"/>
+              </a:lnSpc>
+              <a:buFont typeface="Arial" panose="020B0604020202020204" pitchFamily="34" charset="0"/>
+              <a:buChar char="•"/>
+            </a:pPr>
+            <a:r>
+              <a:rPr lang="en-GB" sz="2800" dirty="0">
+                <a:latin typeface="Georgia" panose="02040502050405020303" pitchFamily="18" charset="0"/>
+              </a:rPr>
+              <a:t>A reputation for fine IoT device production</a:t>
+            </a:r>
+          </a:p>
+          <a:p>
+            <a:pPr algn="ctr">
+              <a:lnSpc>
+                <a:spcPct val="170000"/>
+              </a:lnSpc>
+              <a:buFont typeface="Arial" panose="020B0604020202020204" pitchFamily="34" charset="0"/>
+              <a:buChar char="•"/>
+            </a:pPr>
+            <a:r>
+              <a:rPr lang="en-US" altLang="en-GB" sz="2800" dirty="0">
+                <a:latin typeface="Georgia" panose="02040502050405020303" pitchFamily="18" charset="0"/>
+              </a:rPr>
+              <a:t>L</a:t>
+            </a:r>
+            <a:r>
+              <a:rPr lang="en-GB" sz="2800" dirty="0">
+                <a:latin typeface="Georgia" panose="02040502050405020303" pitchFamily="18" charset="0"/>
+              </a:rPr>
+              <a:t>ow cost of production </a:t>
+            </a:r>
+          </a:p>
+          <a:p>
+            <a:pPr algn="ctr">
+              <a:lnSpc>
+                <a:spcPct val="170000"/>
+              </a:lnSpc>
+              <a:buFont typeface="Arial" panose="020B0604020202020204" pitchFamily="34" charset="0"/>
+              <a:buChar char="•"/>
+            </a:pPr>
+            <a:r>
+              <a:rPr lang="en-GB" sz="2800" dirty="0">
+                <a:latin typeface="Georgia" panose="02040502050405020303" pitchFamily="18" charset="0"/>
+              </a:rPr>
+              <a:t>Easy to produce &amp; advertise</a:t>
+            </a:r>
+          </a:p>
+          <a:p>
+            <a:pPr algn="ctr">
+              <a:lnSpc>
+                <a:spcPct val="170000"/>
+              </a:lnSpc>
+              <a:buFont typeface="Arial" panose="020B0604020202020204" pitchFamily="34" charset="0"/>
+              <a:buChar char="•"/>
+            </a:pPr>
+            <a:r>
+              <a:rPr lang="en-GB" sz="2800" dirty="0">
+                <a:latin typeface="Georgia" panose="02040502050405020303" pitchFamily="18" charset="0"/>
+              </a:rPr>
+              <a:t>Low maintenance costs</a:t>
+            </a:r>
+          </a:p>
+          <a:p>
+            <a:pPr algn="ctr">
+              <a:lnSpc>
+                <a:spcPct val="170000"/>
+              </a:lnSpc>
+              <a:buFont typeface="Arial" panose="020B0604020202020204" pitchFamily="34" charset="0"/>
+              <a:buChar char="•"/>
+            </a:pPr>
+            <a:r>
+              <a:rPr lang="en-US" altLang="en-GB" sz="2800" dirty="0">
+                <a:latin typeface="Georgia" panose="02040502050405020303" pitchFamily="18" charset="0"/>
+              </a:rPr>
+              <a:t>Be part of the Open Source Community</a:t>
+            </a:r>
+            <a:endParaRPr lang="en-GB" sz="2800" dirty="0">
+              <a:latin typeface="Georgia" panose="02040502050405020303" pitchFamily="18" charset="0"/>
+            </a:endParaRPr>
+          </a:p>
+          <a:p>
+            <a:endParaRPr lang="en-GB" sz="2400" dirty="0"/>
+          </a:p>
+          <a:p>
+            <a:pPr marL="0" indent="0">
+              <a:buNone/>
+            </a:pPr>
+            <a:endParaRPr lang="en-GB" sz="2400" dirty="0"/>
+          </a:p>
+          <a:p>
+            <a:endParaRPr lang="en-GB" sz="2400" dirty="0"/>
+          </a:p>
+          <a:p>
+            <a:endParaRPr lang="en-GB" sz="2400" dirty="0"/>
+          </a:p>
+        </p:txBody>
+      </p:sp>
+      <p:sp>
+        <p:nvSpPr>
+          <p:cNvPr id="6" name="Slide Number Placeholder 5"/>
+          <p:cNvSpPr>
+            <a:spLocks noGrp="1"/>
+          </p:cNvSpPr>
+          <p:nvPr>
+            <p:ph type="sldNum" sz="quarter" idx="12"/>
+          </p:nvPr>
+        </p:nvSpPr>
+        <p:spPr/>
+        <p:txBody>
+          <a:bodyPr/>
+          <a:lstStyle/>
+          <a:p>
+            <a:fld id="{B3561BA9-CDCF-4958-B8AB-66F3BF063E13}" type="slidenum">
+              <a:rPr lang="en-US" smtClean="0"/>
+              <a:t>15</a:t>
+            </a:fld>
+            <a:endParaRPr lang="en-US"/>
+          </a:p>
+        </p:txBody>
+      </p:sp>
+    </p:spTree>
+  </p:cSld>
+  <p:clrMapOvr>
+    <a:masterClrMapping/>
+  </p:clrMapOvr>
+</p:sld>
+</file>
+
+<file path=ppt/slides/slide16.xml><?xml version="1.0" encoding="utf-8"?>
+<p:sld xmlns:a="http://schemas.openxmlformats.org/drawingml/2006/main" xmlns:r="http://schemas.openxmlformats.org/officeDocument/2006/relationships" xmlns:p="http://schemas.openxmlformats.org/presentationml/2006/main">
+  <p:cSld>
+    <p:spTree>
+      <p:nvGrpSpPr>
+        <p:cNvPr id="1" name=""/>
+        <p:cNvGrpSpPr/>
+        <p:nvPr/>
+      </p:nvGrpSpPr>
+      <p:grpSpPr>
+        <a:xfrm>
+          <a:off x="0" y="0"/>
+          <a:ext cx="0" cy="0"/>
+          <a:chOff x="0" y="0"/>
+          <a:chExt cx="0" cy="0"/>
+        </a:xfrm>
+      </p:grpSpPr>
+      <p:sp>
+        <p:nvSpPr>
+          <p:cNvPr id="4" name="Title 3"/>
+          <p:cNvSpPr>
+            <a:spLocks noGrp="1"/>
+          </p:cNvSpPr>
+          <p:nvPr>
+            <p:ph type="title"/>
+          </p:nvPr>
+        </p:nvSpPr>
+        <p:spPr>
+          <a:xfrm>
+            <a:off x="1369728" y="620633"/>
+            <a:ext cx="9692640" cy="1325562"/>
+          </a:xfrm>
+        </p:spPr>
+        <p:txBody>
+          <a:bodyPr>
+            <a:normAutofit/>
+          </a:bodyPr>
+          <a:lstStyle/>
+          <a:p>
+            <a:pPr algn="ctr"/>
+            <a:r>
+              <a:rPr lang="en-US" altLang="en-US" sz="6000" u="sng" dirty="0">
+                <a:solidFill>
+                  <a:schemeClr val="tx1"/>
+                </a:solidFill>
+                <a:latin typeface="Georgia" panose="02040502050405020303" pitchFamily="18" charset="0"/>
+              </a:rPr>
+              <a:t>Costs</a:t>
+            </a:r>
+          </a:p>
+        </p:txBody>
+      </p:sp>
+      <p:sp>
+        <p:nvSpPr>
+          <p:cNvPr id="5" name="Content Placeholder 4"/>
+          <p:cNvSpPr>
+            <a:spLocks noGrp="1"/>
+          </p:cNvSpPr>
+          <p:nvPr>
+            <p:ph idx="1"/>
+          </p:nvPr>
+        </p:nvSpPr>
+        <p:spPr>
+          <a:xfrm>
+            <a:off x="1918368" y="2328505"/>
+            <a:ext cx="8595360" cy="3645535"/>
+          </a:xfrm>
+        </p:spPr>
+        <p:txBody>
+          <a:bodyPr>
+            <a:noAutofit/>
+          </a:bodyPr>
+          <a:lstStyle/>
+          <a:p>
+            <a:pPr algn="ctr">
+              <a:lnSpc>
+                <a:spcPct val="150000"/>
+              </a:lnSpc>
+            </a:pPr>
+            <a:r>
+              <a:rPr lang="en-GB" sz="3200" dirty="0">
+                <a:latin typeface="Georgia" panose="02040502050405020303" pitchFamily="18" charset="0"/>
+                <a:sym typeface="+mn-ea"/>
+              </a:rPr>
+              <a:t>The hardware needed</a:t>
+            </a:r>
+            <a:endParaRPr lang="en-GB" sz="3200" dirty="0">
+              <a:latin typeface="Georgia" panose="02040502050405020303" pitchFamily="18" charset="0"/>
+            </a:endParaRPr>
+          </a:p>
+          <a:p>
+            <a:pPr algn="ctr">
+              <a:lnSpc>
+                <a:spcPct val="150000"/>
+              </a:lnSpc>
+            </a:pPr>
+            <a:r>
+              <a:rPr lang="en-GB" sz="3200" dirty="0">
+                <a:latin typeface="Georgia" panose="02040502050405020303" pitchFamily="18" charset="0"/>
+                <a:sym typeface="+mn-ea"/>
+              </a:rPr>
+              <a:t>The maintenance of the production line</a:t>
+            </a:r>
+            <a:endParaRPr lang="en-GB" sz="3200" dirty="0">
+              <a:latin typeface="Georgia" panose="02040502050405020303" pitchFamily="18" charset="0"/>
+            </a:endParaRPr>
+          </a:p>
+          <a:p>
+            <a:pPr algn="ctr">
+              <a:lnSpc>
+                <a:spcPct val="150000"/>
+              </a:lnSpc>
+            </a:pPr>
+            <a:r>
+              <a:rPr lang="en-GB" sz="3200" dirty="0">
+                <a:latin typeface="Georgia" panose="02040502050405020303" pitchFamily="18" charset="0"/>
+                <a:sym typeface="+mn-ea"/>
+              </a:rPr>
+              <a:t>The database and web hosting </a:t>
+            </a:r>
+          </a:p>
+          <a:p>
+            <a:pPr algn="ctr">
+              <a:lnSpc>
+                <a:spcPct val="150000"/>
+              </a:lnSpc>
+            </a:pPr>
+            <a:r>
+              <a:rPr lang="en-GB" sz="3200" dirty="0">
+                <a:latin typeface="Georgia" panose="02040502050405020303" pitchFamily="18" charset="0"/>
+                <a:sym typeface="+mn-ea"/>
+              </a:rPr>
+              <a:t>Potential commercial licences</a:t>
+            </a:r>
+            <a:endParaRPr lang="en-US" sz="3200" dirty="0">
+              <a:latin typeface="Georgia" panose="02040502050405020303" pitchFamily="18" charset="0"/>
+            </a:endParaRPr>
+          </a:p>
+        </p:txBody>
+      </p:sp>
+      <p:sp>
+        <p:nvSpPr>
+          <p:cNvPr id="6" name="Slide Number Placeholder 5"/>
+          <p:cNvSpPr>
+            <a:spLocks noGrp="1"/>
+          </p:cNvSpPr>
+          <p:nvPr>
+            <p:ph type="sldNum" sz="quarter" idx="12"/>
+          </p:nvPr>
+        </p:nvSpPr>
+        <p:spPr/>
+        <p:txBody>
+          <a:bodyPr/>
+          <a:lstStyle/>
+          <a:p>
+            <a:fld id="{B3561BA9-CDCF-4958-B8AB-66F3BF063E13}" type="slidenum">
+              <a:rPr lang="en-US" smtClean="0"/>
+              <a:t>16</a:t>
+            </a:fld>
+            <a:endParaRPr lang="en-US"/>
+          </a:p>
+        </p:txBody>
+      </p:sp>
+    </p:spTree>
+  </p:cSld>
+  <p:clrMapOvr>
+    <a:masterClrMapping/>
+  </p:clrMapOvr>
+</p:sld>
+</file>
+
+<file path=ppt/slides/slide17.xml><?xml version="1.0" encoding="utf-8"?>
+<p:sld xmlns:a="http://schemas.openxmlformats.org/drawingml/2006/main" xmlns:r="http://schemas.openxmlformats.org/officeDocument/2006/relationships" xmlns:p="http://schemas.openxmlformats.org/presentationml/2006/main">
+  <p:cSld>
+    <p:spTree>
+      <p:nvGrpSpPr>
+        <p:cNvPr id="1" name=""/>
+        <p:cNvGrpSpPr/>
+        <p:nvPr/>
+      </p:nvGrpSpPr>
+      <p:grpSpPr>
+        <a:xfrm>
+          <a:off x="0" y="0"/>
+          <a:ext cx="0" cy="0"/>
+          <a:chOff x="0" y="0"/>
+          <a:chExt cx="0" cy="0"/>
+        </a:xfrm>
+      </p:grpSpPr>
+      <p:sp>
+        <p:nvSpPr>
+          <p:cNvPr id="4" name="Tytuł 1"/>
+          <p:cNvSpPr>
+            <a:spLocks noGrp="1"/>
+          </p:cNvSpPr>
+          <p:nvPr>
+            <p:ph type="title"/>
+          </p:nvPr>
+        </p:nvSpPr>
+        <p:spPr>
+          <a:xfrm>
+            <a:off x="1661160" y="578050"/>
+            <a:ext cx="9692640" cy="1325562"/>
+          </a:xfrm>
+        </p:spPr>
+        <p:txBody>
+          <a:bodyPr>
+            <a:normAutofit/>
+          </a:bodyPr>
+          <a:lstStyle/>
+          <a:p>
+            <a:pPr algn="ctr"/>
+            <a:r>
+              <a:rPr lang="en-GB" sz="6000" u="sng" dirty="0">
+                <a:solidFill>
+                  <a:schemeClr val="tx1"/>
+                </a:solidFill>
+                <a:latin typeface="Georgia" panose="02040502050405020303" pitchFamily="18" charset="0"/>
+              </a:rPr>
+              <a:t>Going </a:t>
+            </a:r>
+            <a:r>
+              <a:rPr lang="en-US" altLang="en-GB" sz="6000" u="sng" dirty="0">
+                <a:solidFill>
+                  <a:schemeClr val="tx1"/>
+                </a:solidFill>
+                <a:latin typeface="Georgia" panose="02040502050405020303" pitchFamily="18" charset="0"/>
+              </a:rPr>
+              <a:t>F</a:t>
+            </a:r>
+            <a:r>
+              <a:rPr lang="en-GB" sz="6000" u="sng" dirty="0">
+                <a:solidFill>
+                  <a:schemeClr val="tx1"/>
+                </a:solidFill>
+                <a:latin typeface="Georgia" panose="02040502050405020303" pitchFamily="18" charset="0"/>
+              </a:rPr>
+              <a:t>orward</a:t>
+            </a:r>
+            <a:r>
+              <a:rPr lang="en-GB" sz="6000" u="sng" dirty="0">
+                <a:latin typeface="Georgia" panose="02040502050405020303" pitchFamily="18" charset="0"/>
+              </a:rPr>
+              <a:t> </a:t>
+            </a:r>
+            <a:endParaRPr lang="pl-PL" sz="6000" u="sng" dirty="0">
+              <a:latin typeface="Georgia" panose="02040502050405020303" pitchFamily="18" charset="0"/>
+            </a:endParaRPr>
+          </a:p>
+        </p:txBody>
+      </p:sp>
+      <p:sp>
+        <p:nvSpPr>
+          <p:cNvPr id="5" name="Symbol zastępczy zawartości 2"/>
+          <p:cNvSpPr>
+            <a:spLocks noGrp="1"/>
+          </p:cNvSpPr>
+          <p:nvPr>
+            <p:ph idx="1"/>
+          </p:nvPr>
+        </p:nvSpPr>
+        <p:spPr>
+          <a:xfrm>
+            <a:off x="1267264" y="2116766"/>
+            <a:ext cx="10480431" cy="4604709"/>
+          </a:xfrm>
+        </p:spPr>
+        <p:txBody>
+          <a:bodyPr>
+            <a:normAutofit/>
+          </a:bodyPr>
+          <a:lstStyle/>
+          <a:p>
+            <a:pPr algn="ctr">
+              <a:lnSpc>
+                <a:spcPct val="120000"/>
+              </a:lnSpc>
+            </a:pPr>
+            <a:r>
+              <a:rPr lang="en-US" altLang="en-GB" sz="3200" dirty="0">
+                <a:latin typeface="Georgia" panose="02040502050405020303" pitchFamily="18" charset="0"/>
+              </a:rPr>
+              <a:t>Ensure continued </a:t>
+            </a:r>
+            <a:r>
+              <a:rPr lang="en-GB" sz="3200" dirty="0">
+                <a:latin typeface="Georgia" panose="02040502050405020303" pitchFamily="18" charset="0"/>
+              </a:rPr>
+              <a:t>communication with the client</a:t>
+            </a:r>
+          </a:p>
+          <a:p>
+            <a:pPr algn="ctr">
+              <a:lnSpc>
+                <a:spcPct val="120000"/>
+              </a:lnSpc>
+            </a:pPr>
+            <a:r>
+              <a:rPr lang="en-GB" sz="3200" dirty="0">
+                <a:latin typeface="Georgia" panose="02040502050405020303" pitchFamily="18" charset="0"/>
+              </a:rPr>
+              <a:t>Better inter-team communication</a:t>
+            </a:r>
+          </a:p>
+          <a:p>
+            <a:pPr algn="ctr">
+              <a:lnSpc>
+                <a:spcPct val="120000"/>
+              </a:lnSpc>
+            </a:pPr>
+            <a:r>
+              <a:rPr lang="en-GB" sz="3200" dirty="0">
+                <a:latin typeface="Georgia" panose="02040502050405020303" pitchFamily="18" charset="0"/>
+              </a:rPr>
+              <a:t>Comprehensive description of working processes</a:t>
+            </a:r>
+          </a:p>
+          <a:p>
+            <a:pPr algn="ctr">
+              <a:lnSpc>
+                <a:spcPct val="120000"/>
+              </a:lnSpc>
+            </a:pPr>
+            <a:r>
+              <a:rPr lang="en-GB" sz="3200" dirty="0">
+                <a:latin typeface="Georgia" panose="02040502050405020303" pitchFamily="18" charset="0"/>
+              </a:rPr>
+              <a:t>Better software development methodologies</a:t>
+            </a:r>
+          </a:p>
+          <a:p>
+            <a:pPr marL="0" indent="0" algn="just">
+              <a:buNone/>
+            </a:pPr>
+            <a:endParaRPr lang="en-GB" sz="2000" dirty="0"/>
+          </a:p>
+          <a:p>
+            <a:pPr algn="just"/>
+            <a:endParaRPr lang="en-GB" sz="2000" dirty="0"/>
+          </a:p>
+        </p:txBody>
+      </p:sp>
+      <p:sp>
+        <p:nvSpPr>
+          <p:cNvPr id="6" name="Slide Number Placeholder 5"/>
+          <p:cNvSpPr>
+            <a:spLocks noGrp="1"/>
+          </p:cNvSpPr>
+          <p:nvPr>
+            <p:ph type="sldNum" sz="quarter" idx="12"/>
+          </p:nvPr>
+        </p:nvSpPr>
+        <p:spPr/>
+        <p:txBody>
+          <a:bodyPr/>
+          <a:lstStyle/>
+          <a:p>
+            <a:fld id="{B3561BA9-CDCF-4958-B8AB-66F3BF063E13}" type="slidenum">
+              <a:rPr lang="en-US" smtClean="0"/>
+              <a:t>17</a:t>
+            </a:fld>
+            <a:endParaRPr lang="en-US"/>
+          </a:p>
+        </p:txBody>
+      </p:sp>
+    </p:spTree>
+  </p:cSld>
+  <p:clrMapOvr>
+    <a:masterClrMapping/>
+  </p:clrMapOvr>
+</p:sld>
+</file>
+
+<file path=ppt/slides/slide18.xml><?xml version="1.0" encoding="utf-8"?>
+<p:sld xmlns:a="http://schemas.openxmlformats.org/drawingml/2006/main" xmlns:r="http://schemas.openxmlformats.org/officeDocument/2006/relationships" xmlns:p="http://schemas.openxmlformats.org/presentationml/2006/main">
+  <p:cSld>
+    <p:spTree>
+      <p:nvGrpSpPr>
+        <p:cNvPr id="1" name=""/>
+        <p:cNvGrpSpPr/>
+        <p:nvPr/>
+      </p:nvGrpSpPr>
+      <p:grpSpPr>
+        <a:xfrm>
+          <a:off x="0" y="0"/>
+          <a:ext cx="0" cy="0"/>
+          <a:chOff x="0" y="0"/>
+          <a:chExt cx="0" cy="0"/>
+        </a:xfrm>
+      </p:grpSpPr>
+      <p:sp>
+        <p:nvSpPr>
+          <p:cNvPr id="4" name="Text Box 3"/>
+          <p:cNvSpPr txBox="1"/>
+          <p:nvPr/>
+        </p:nvSpPr>
+        <p:spPr>
+          <a:xfrm>
+            <a:off x="297648" y="2189428"/>
+            <a:ext cx="12174220" cy="2123658"/>
+          </a:xfrm>
+          <a:prstGeom prst="rect">
+            <a:avLst/>
+          </a:prstGeom>
+          <a:noFill/>
+        </p:spPr>
+        <p:txBody>
+          <a:bodyPr wrap="square" rtlCol="0">
+            <a:spAutoFit/>
+          </a:bodyPr>
+          <a:lstStyle/>
+          <a:p>
+            <a:pPr algn="ctr"/>
+            <a:r>
+              <a:rPr lang="" altLang="en-US" sz="4400" b="1" dirty="0">
+                <a:latin typeface="Georgia" panose="02040502050405020303" pitchFamily="18" charset="0"/>
+              </a:rPr>
+              <a:t>Thanks For Listening</a:t>
+            </a:r>
+          </a:p>
+          <a:p>
+            <a:pPr algn="ctr"/>
+            <a:endParaRPr lang="" altLang="en-US" sz="4400" b="1" dirty="0">
+              <a:latin typeface="Georgia" panose="02040502050405020303" pitchFamily="18" charset="0"/>
+            </a:endParaRPr>
+          </a:p>
+          <a:p>
+            <a:pPr algn="ctr"/>
+            <a:r>
+              <a:rPr lang="" altLang="en-US" sz="4400" b="1" dirty="0">
+                <a:latin typeface="Georgia" panose="02040502050405020303" pitchFamily="18" charset="0"/>
+              </a:rPr>
+              <a:t>We will now field any questions...</a:t>
+            </a:r>
+          </a:p>
+        </p:txBody>
+      </p:sp>
+      <p:sp>
+        <p:nvSpPr>
+          <p:cNvPr id="5" name="Slide Number Placeholder 4"/>
+          <p:cNvSpPr>
+            <a:spLocks noGrp="1"/>
+          </p:cNvSpPr>
+          <p:nvPr>
+            <p:ph type="sldNum" sz="quarter" idx="12"/>
+          </p:nvPr>
+        </p:nvSpPr>
+        <p:spPr/>
+        <p:txBody>
+          <a:bodyPr/>
+          <a:lstStyle/>
+          <a:p>
+            <a:fld id="{B3561BA9-CDCF-4958-B8AB-66F3BF063E13}" type="slidenum">
+              <a:rPr lang="en-US" smtClean="0"/>
+              <a:t>18</a:t>
+            </a:fld>
+            <a:endParaRPr lang="en-US"/>
+          </a:p>
+        </p:txBody>
+      </p:sp>
+    </p:spTree>
+  </p:cSld>
+  <p:clrMapOvr>
+    <a:masterClrMapping/>
+  </p:clrMapOvr>
+</p:sld>
+</file>
+
+<file path=ppt/slides/slide2.xml><?xml version="1.0" encoding="utf-8"?>
+<p:sld xmlns:a="http://schemas.openxmlformats.org/drawingml/2006/main" xmlns:r="http://schemas.openxmlformats.org/officeDocument/2006/relationships" xmlns:p="http://schemas.openxmlformats.org/presentationml/2006/main">
+  <p:cSld>
     <p:spTree>
       <p:nvGrpSpPr>
         <p:cNvPr id="1" name=""/>
@@ -16441,2032 +18313,6 @@
   <p:clrMapOvr>
     <a:masterClrMapping/>
   </p:clrMapOvr>
-  <p:timing>
-    <p:tnLst>
-      <p:par>
-        <p:cTn id="1" dur="indefinite" restart="never" nodeType="tmRoot"/>
-      </p:par>
-    </p:tnLst>
-  </p:timing>
-</p:sld>
-</file>
-
-<file path=ppt/slides/slide10.xml><?xml version="1.0" encoding="utf-8"?>
-<p:sld xmlns:a="http://schemas.openxmlformats.org/drawingml/2006/main" xmlns:r="http://schemas.openxmlformats.org/officeDocument/2006/relationships" xmlns:p="http://schemas.openxmlformats.org/presentationml/2006/main">
-  <p:cSld>
-    <p:spTree>
-      <p:nvGrpSpPr>
-        <p:cNvPr id="1" name=""/>
-        <p:cNvGrpSpPr/>
-        <p:nvPr/>
-      </p:nvGrpSpPr>
-      <p:grpSpPr>
-        <a:xfrm>
-          <a:off x="0" y="0"/>
-          <a:ext cx="0" cy="0"/>
-          <a:chOff x="0" y="0"/>
-          <a:chExt cx="0" cy="0"/>
-        </a:xfrm>
-      </p:grpSpPr>
-      <p:sp>
-        <p:nvSpPr>
-          <p:cNvPr id="6" name="Tytuł 1"/>
-          <p:cNvSpPr>
-            <a:spLocks noGrp="1"/>
-          </p:cNvSpPr>
-          <p:nvPr>
-            <p:ph type="title"/>
-          </p:nvPr>
-        </p:nvSpPr>
-        <p:spPr>
-          <a:xfrm>
-            <a:off x="1737360" y="350691"/>
-            <a:ext cx="9692640" cy="1325562"/>
-          </a:xfrm>
-        </p:spPr>
-        <p:txBody>
-          <a:bodyPr>
-            <a:normAutofit/>
-          </a:bodyPr>
-          <a:lstStyle/>
-          <a:p>
-            <a:pPr algn="ctr"/>
-            <a:r>
-              <a:rPr lang="en-GB" sz="6000" u="sng" dirty="0">
-                <a:solidFill>
-                  <a:schemeClr val="tx1"/>
-                </a:solidFill>
-                <a:latin typeface="Georgia" panose="02040502050405020303" pitchFamily="18" charset="0"/>
-              </a:rPr>
-              <a:t>Deliverables</a:t>
-            </a:r>
-            <a:endParaRPr lang="pl-PL" sz="6000" u="sng" dirty="0">
-              <a:solidFill>
-                <a:schemeClr val="tx1"/>
-              </a:solidFill>
-              <a:latin typeface="Georgia" panose="02040502050405020303" pitchFamily="18" charset="0"/>
-            </a:endParaRPr>
-          </a:p>
-        </p:txBody>
-      </p:sp>
-      <p:sp>
-        <p:nvSpPr>
-          <p:cNvPr id="7" name="Symbol zastępczy zawartości 2"/>
-          <p:cNvSpPr>
-            <a:spLocks noGrp="1"/>
-          </p:cNvSpPr>
-          <p:nvPr>
-            <p:ph idx="1"/>
-          </p:nvPr>
-        </p:nvSpPr>
-        <p:spPr>
-          <a:xfrm>
-            <a:off x="1160583" y="1676253"/>
-            <a:ext cx="10269417" cy="4872324"/>
-          </a:xfrm>
-        </p:spPr>
-        <p:txBody>
-          <a:bodyPr>
-            <a:normAutofit/>
-          </a:bodyPr>
-          <a:lstStyle/>
-          <a:p>
-            <a:pPr>
-              <a:lnSpc>
-                <a:spcPct val="150000"/>
-              </a:lnSpc>
-            </a:pPr>
-            <a:r>
-              <a:rPr lang="en-US" altLang="en-GB" sz="2600" dirty="0">
-                <a:latin typeface="Georgia" panose="02040502050405020303" pitchFamily="18" charset="0"/>
-              </a:rPr>
-              <a:t>E</a:t>
-            </a:r>
-            <a:r>
-              <a:rPr lang="en-GB" sz="2600" dirty="0">
-                <a:latin typeface="Georgia" panose="02040502050405020303" pitchFamily="18" charset="0"/>
-              </a:rPr>
-              <a:t>xecutive </a:t>
-            </a:r>
-            <a:r>
-              <a:rPr lang="en-US" altLang="en-GB" sz="2600" dirty="0">
-                <a:latin typeface="Georgia" panose="02040502050405020303" pitchFamily="18" charset="0"/>
-              </a:rPr>
-              <a:t>S</a:t>
-            </a:r>
-            <a:r>
-              <a:rPr lang="en-GB" sz="2600" dirty="0">
-                <a:latin typeface="Georgia" panose="02040502050405020303" pitchFamily="18" charset="0"/>
-              </a:rPr>
-              <a:t>ummary</a:t>
-            </a:r>
-          </a:p>
-          <a:p>
-            <a:pPr>
-              <a:lnSpc>
-                <a:spcPct val="150000"/>
-              </a:lnSpc>
-            </a:pPr>
-            <a:r>
-              <a:rPr lang="en-GB" sz="2600" dirty="0">
-                <a:latin typeface="Georgia" panose="02040502050405020303" pitchFamily="18" charset="0"/>
-              </a:rPr>
-              <a:t>Cost breakdown</a:t>
-            </a:r>
-          </a:p>
-          <a:p>
-            <a:pPr>
-              <a:lnSpc>
-                <a:spcPct val="150000"/>
-              </a:lnSpc>
-            </a:pPr>
-            <a:r>
-              <a:rPr lang="en-GB" sz="2600" dirty="0">
-                <a:latin typeface="Georgia" panose="02040502050405020303" pitchFamily="18" charset="0"/>
-              </a:rPr>
-              <a:t>A prototype will be showcased to the client throughout development</a:t>
-            </a:r>
-          </a:p>
-          <a:p>
-            <a:pPr>
-              <a:lnSpc>
-                <a:spcPct val="150000"/>
-              </a:lnSpc>
-            </a:pPr>
-            <a:r>
-              <a:rPr lang="en-GB" sz="2600" dirty="0">
-                <a:latin typeface="Georgia" panose="02040502050405020303" pitchFamily="18" charset="0"/>
-              </a:rPr>
-              <a:t>Results from performance testing</a:t>
-            </a:r>
-          </a:p>
-          <a:p>
-            <a:pPr>
-              <a:lnSpc>
-                <a:spcPct val="150000"/>
-              </a:lnSpc>
-            </a:pPr>
-            <a:r>
-              <a:rPr lang="en-GB" sz="2600" dirty="0">
-                <a:latin typeface="Georgia" panose="02040502050405020303" pitchFamily="18" charset="0"/>
-                <a:sym typeface="+mn-ea"/>
-              </a:rPr>
-              <a:t>User manual and other required documentation</a:t>
-            </a:r>
-            <a:endParaRPr lang="en-GB" sz="2600" dirty="0">
-              <a:latin typeface="Georgia" panose="02040502050405020303" pitchFamily="18" charset="0"/>
-            </a:endParaRPr>
-          </a:p>
-          <a:p>
-            <a:pPr>
-              <a:lnSpc>
-                <a:spcPct val="150000"/>
-              </a:lnSpc>
-            </a:pPr>
-            <a:r>
-              <a:rPr lang="en-GB" sz="2600" dirty="0">
-                <a:latin typeface="Georgia" panose="02040502050405020303" pitchFamily="18" charset="0"/>
-              </a:rPr>
-              <a:t>Final product will contain a </a:t>
-            </a:r>
-            <a:r>
-              <a:rPr lang="en-US" altLang="en-GB" sz="2600" dirty="0">
-                <a:latin typeface="Georgia" panose="02040502050405020303" pitchFamily="18" charset="0"/>
-              </a:rPr>
-              <a:t>hardware </a:t>
-            </a:r>
-            <a:r>
-              <a:rPr lang="en-GB" sz="2600" dirty="0">
-                <a:latin typeface="Georgia" panose="02040502050405020303" pitchFamily="18" charset="0"/>
-              </a:rPr>
-              <a:t>device, website and database</a:t>
-            </a:r>
-          </a:p>
-          <a:p>
-            <a:pPr algn="just"/>
-            <a:endParaRPr lang="en-GB" dirty="0"/>
-          </a:p>
-        </p:txBody>
-      </p:sp>
-      <p:sp>
-        <p:nvSpPr>
-          <p:cNvPr id="8" name="Slide Number Placeholder 7"/>
-          <p:cNvSpPr>
-            <a:spLocks noGrp="1"/>
-          </p:cNvSpPr>
-          <p:nvPr>
-            <p:ph type="sldNum" sz="quarter" idx="12"/>
-          </p:nvPr>
-        </p:nvSpPr>
-        <p:spPr/>
-        <p:txBody>
-          <a:bodyPr/>
-          <a:lstStyle/>
-          <a:p>
-            <a:fld id="{B3561BA9-CDCF-4958-B8AB-66F3BF063E13}" type="slidenum">
-              <a:rPr lang="en-US" smtClean="0"/>
-              <a:t>10</a:t>
-            </a:fld>
-            <a:endParaRPr lang="en-US"/>
-          </a:p>
-        </p:txBody>
-      </p:sp>
-    </p:spTree>
-  </p:cSld>
-  <p:clrMapOvr>
-    <a:masterClrMapping/>
-  </p:clrMapOvr>
-  <p:timing>
-    <p:tnLst>
-      <p:par>
-        <p:cTn id="1" dur="indefinite" restart="never" nodeType="tmRoot"/>
-      </p:par>
-    </p:tnLst>
-  </p:timing>
-</p:sld>
-</file>
-
-<file path=ppt/slides/slide11.xml><?xml version="1.0" encoding="utf-8"?>
-<p:sld xmlns:a="http://schemas.openxmlformats.org/drawingml/2006/main" xmlns:r="http://schemas.openxmlformats.org/officeDocument/2006/relationships" xmlns:p="http://schemas.openxmlformats.org/presentationml/2006/main">
-  <p:cSld>
-    <p:spTree>
-      <p:nvGrpSpPr>
-        <p:cNvPr id="1" name=""/>
-        <p:cNvGrpSpPr/>
-        <p:nvPr/>
-      </p:nvGrpSpPr>
-      <p:grpSpPr>
-        <a:xfrm>
-          <a:off x="0" y="0"/>
-          <a:ext cx="0" cy="0"/>
-          <a:chOff x="0" y="0"/>
-          <a:chExt cx="0" cy="0"/>
-        </a:xfrm>
-      </p:grpSpPr>
-      <p:pic>
-        <p:nvPicPr>
-          <p:cNvPr id="5" name="Picture 4" descr="WBSdB"/>
-          <p:cNvPicPr>
-            <a:picLocks noChangeAspect="1"/>
-          </p:cNvPicPr>
-          <p:nvPr/>
-        </p:nvPicPr>
-        <p:blipFill>
-          <a:blip r:embed="rId2"/>
-          <a:stretch>
-            <a:fillRect/>
-          </a:stretch>
-        </p:blipFill>
-        <p:spPr>
-          <a:xfrm>
-            <a:off x="524656" y="254833"/>
-            <a:ext cx="10262558" cy="6187242"/>
-          </a:xfrm>
-          <a:prstGeom prst="rect">
-            <a:avLst/>
-          </a:prstGeom>
-        </p:spPr>
-      </p:pic>
-      <p:sp>
-        <p:nvSpPr>
-          <p:cNvPr id="4" name="Title 3"/>
-          <p:cNvSpPr>
-            <a:spLocks noGrp="1"/>
-          </p:cNvSpPr>
-          <p:nvPr>
-            <p:ph type="title"/>
-          </p:nvPr>
-        </p:nvSpPr>
-        <p:spPr>
-          <a:xfrm>
-            <a:off x="3657292" y="-24567"/>
-            <a:ext cx="11353800" cy="1325563"/>
-          </a:xfrm>
-        </p:spPr>
-        <p:txBody>
-          <a:bodyPr>
-            <a:noAutofit/>
-          </a:bodyPr>
-          <a:lstStyle/>
-          <a:p>
-            <a:pPr algn="ctr"/>
-            <a:r>
-              <a:rPr lang="en-US" altLang="en-US" sz="3200" u="sng" dirty="0" smtClean="0">
-                <a:latin typeface="Georgia" panose="02040502050405020303" pitchFamily="18" charset="0"/>
-              </a:rPr>
-              <a:t>Work Breakdown Structure:</a:t>
-            </a:r>
-            <a:br>
-              <a:rPr lang="en-US" altLang="en-US" sz="3200" u="sng" dirty="0" smtClean="0">
-                <a:latin typeface="Georgia" panose="02040502050405020303" pitchFamily="18" charset="0"/>
-              </a:rPr>
-            </a:br>
-            <a:r>
-              <a:rPr lang="en-US" altLang="en-US" sz="3200" u="sng" dirty="0" smtClean="0">
-                <a:latin typeface="Georgia" panose="02040502050405020303" pitchFamily="18" charset="0"/>
-              </a:rPr>
-              <a:t>Database</a:t>
-            </a:r>
-            <a:endParaRPr lang="en-US" altLang="en-US" sz="3200" u="sng" dirty="0">
-              <a:latin typeface="Georgia" panose="02040502050405020303" pitchFamily="18" charset="0"/>
-            </a:endParaRPr>
-          </a:p>
-        </p:txBody>
-      </p:sp>
-      <p:sp>
-        <p:nvSpPr>
-          <p:cNvPr id="6" name="Slide Number Placeholder 5"/>
-          <p:cNvSpPr>
-            <a:spLocks noGrp="1"/>
-          </p:cNvSpPr>
-          <p:nvPr>
-            <p:ph type="sldNum" sz="quarter" idx="12"/>
-          </p:nvPr>
-        </p:nvSpPr>
-        <p:spPr/>
-        <p:txBody>
-          <a:bodyPr/>
-          <a:lstStyle/>
-          <a:p>
-            <a:fld id="{B3561BA9-CDCF-4958-B8AB-66F3BF063E13}" type="slidenum">
-              <a:rPr lang="en-US" smtClean="0"/>
-              <a:t>11</a:t>
-            </a:fld>
-            <a:endParaRPr lang="en-US"/>
-          </a:p>
-        </p:txBody>
-      </p:sp>
-    </p:spTree>
-  </p:cSld>
-  <p:clrMapOvr>
-    <a:masterClrMapping/>
-  </p:clrMapOvr>
-  <p:timing>
-    <p:tnLst>
-      <p:par>
-        <p:cTn id="1" dur="indefinite" restart="never" nodeType="tmRoot"/>
-      </p:par>
-    </p:tnLst>
-  </p:timing>
-</p:sld>
-</file>
-
-<file path=ppt/slides/slide12.xml><?xml version="1.0" encoding="utf-8"?>
-<p:sld xmlns:a="http://schemas.openxmlformats.org/drawingml/2006/main" xmlns:r="http://schemas.openxmlformats.org/officeDocument/2006/relationships" xmlns:p="http://schemas.openxmlformats.org/presentationml/2006/main">
-  <p:cSld>
-    <p:spTree>
-      <p:nvGrpSpPr>
-        <p:cNvPr id="1" name=""/>
-        <p:cNvGrpSpPr/>
-        <p:nvPr/>
-      </p:nvGrpSpPr>
-      <p:grpSpPr>
-        <a:xfrm>
-          <a:off x="0" y="0"/>
-          <a:ext cx="0" cy="0"/>
-          <a:chOff x="0" y="0"/>
-          <a:chExt cx="0" cy="0"/>
-        </a:xfrm>
-      </p:grpSpPr>
-      <p:pic>
-        <p:nvPicPr>
-          <p:cNvPr id="5" name="Picture 4" descr="WBSard"/>
-          <p:cNvPicPr>
-            <a:picLocks noChangeAspect="1"/>
-          </p:cNvPicPr>
-          <p:nvPr/>
-        </p:nvPicPr>
-        <p:blipFill>
-          <a:blip r:embed="rId2"/>
-          <a:stretch>
-            <a:fillRect/>
-          </a:stretch>
-        </p:blipFill>
-        <p:spPr>
-          <a:xfrm>
-            <a:off x="1723868" y="164892"/>
-            <a:ext cx="9629931" cy="6556582"/>
-          </a:xfrm>
-          <a:prstGeom prst="rect">
-            <a:avLst/>
-          </a:prstGeom>
-        </p:spPr>
-      </p:pic>
-      <p:sp>
-        <p:nvSpPr>
-          <p:cNvPr id="4" name="Title 3"/>
-          <p:cNvSpPr>
-            <a:spLocks noGrp="1"/>
-          </p:cNvSpPr>
-          <p:nvPr>
-            <p:ph type="title"/>
-          </p:nvPr>
-        </p:nvSpPr>
-        <p:spPr>
-          <a:xfrm>
-            <a:off x="-84944" y="5693568"/>
-            <a:ext cx="8695544" cy="1325563"/>
-          </a:xfrm>
-        </p:spPr>
-        <p:txBody>
-          <a:bodyPr>
-            <a:normAutofit/>
-          </a:bodyPr>
-          <a:lstStyle/>
-          <a:p>
-            <a:pPr algn="ctr"/>
-            <a:r>
-              <a:rPr lang="en-US" altLang="en-US" sz="3200" u="sng" dirty="0">
-                <a:latin typeface="Georgia" panose="02040502050405020303" pitchFamily="18" charset="0"/>
-              </a:rPr>
-              <a:t>Work Breakdown Structure: Hardware</a:t>
-            </a:r>
-          </a:p>
-        </p:txBody>
-      </p:sp>
-      <p:sp>
-        <p:nvSpPr>
-          <p:cNvPr id="6" name="Slide Number Placeholder 5"/>
-          <p:cNvSpPr>
-            <a:spLocks noGrp="1"/>
-          </p:cNvSpPr>
-          <p:nvPr>
-            <p:ph type="sldNum" sz="quarter" idx="12"/>
-          </p:nvPr>
-        </p:nvSpPr>
-        <p:spPr/>
-        <p:txBody>
-          <a:bodyPr/>
-          <a:lstStyle/>
-          <a:p>
-            <a:fld id="{B3561BA9-CDCF-4958-B8AB-66F3BF063E13}" type="slidenum">
-              <a:rPr lang="en-US" smtClean="0"/>
-              <a:t>12</a:t>
-            </a:fld>
-            <a:endParaRPr lang="en-US"/>
-          </a:p>
-        </p:txBody>
-      </p:sp>
-    </p:spTree>
-  </p:cSld>
-  <p:clrMapOvr>
-    <a:masterClrMapping/>
-  </p:clrMapOvr>
-  <p:timing>
-    <p:tnLst>
-      <p:par>
-        <p:cTn id="1" dur="indefinite" restart="never" nodeType="tmRoot"/>
-      </p:par>
-    </p:tnLst>
-  </p:timing>
-</p:sld>
-</file>
-
-<file path=ppt/slides/slide13.xml><?xml version="1.0" encoding="utf-8"?>
-<p:sld xmlns:a="http://schemas.openxmlformats.org/drawingml/2006/main" xmlns:r="http://schemas.openxmlformats.org/officeDocument/2006/relationships" xmlns:p="http://schemas.openxmlformats.org/presentationml/2006/main">
-  <p:cSld>
-    <p:spTree>
-      <p:nvGrpSpPr>
-        <p:cNvPr id="1" name=""/>
-        <p:cNvGrpSpPr/>
-        <p:nvPr/>
-      </p:nvGrpSpPr>
-      <p:grpSpPr>
-        <a:xfrm>
-          <a:off x="0" y="0"/>
-          <a:ext cx="0" cy="0"/>
-          <a:chOff x="0" y="0"/>
-          <a:chExt cx="0" cy="0"/>
-        </a:xfrm>
-      </p:grpSpPr>
-      <p:pic>
-        <p:nvPicPr>
-          <p:cNvPr id="5" name="Picture 4" descr="WBS"/>
-          <p:cNvPicPr>
-            <a:picLocks noChangeAspect="1"/>
-          </p:cNvPicPr>
-          <p:nvPr/>
-        </p:nvPicPr>
-        <p:blipFill>
-          <a:blip r:embed="rId2"/>
-          <a:stretch>
-            <a:fillRect/>
-          </a:stretch>
-        </p:blipFill>
-        <p:spPr>
-          <a:xfrm>
-            <a:off x="299802" y="-10177"/>
-            <a:ext cx="7091053" cy="6868177"/>
-          </a:xfrm>
-          <a:prstGeom prst="rect">
-            <a:avLst/>
-          </a:prstGeom>
-        </p:spPr>
-      </p:pic>
-      <p:sp>
-        <p:nvSpPr>
-          <p:cNvPr id="4" name="Title 3"/>
-          <p:cNvSpPr>
-            <a:spLocks noGrp="1"/>
-          </p:cNvSpPr>
-          <p:nvPr>
-            <p:ph type="title"/>
-          </p:nvPr>
-        </p:nvSpPr>
-        <p:spPr>
-          <a:xfrm>
-            <a:off x="5309641" y="165960"/>
-            <a:ext cx="7441367" cy="1325563"/>
-          </a:xfrm>
-        </p:spPr>
-        <p:txBody>
-          <a:bodyPr>
-            <a:normAutofit/>
-          </a:bodyPr>
-          <a:lstStyle/>
-          <a:p>
-            <a:pPr algn="ctr"/>
-            <a:r>
-              <a:rPr lang="en-US" altLang="en-US" sz="3200" u="sng" dirty="0">
-                <a:latin typeface="Georgia" panose="02040502050405020303" pitchFamily="18" charset="0"/>
-              </a:rPr>
-              <a:t>Work Breakdown Structure: </a:t>
-            </a:r>
-            <a:r>
-              <a:rPr lang="en-US" altLang="en-US" sz="3200" u="sng" dirty="0" smtClean="0">
-                <a:latin typeface="Georgia" panose="02040502050405020303" pitchFamily="18" charset="0"/>
-              </a:rPr>
-              <a:t/>
-            </a:r>
-            <a:br>
-              <a:rPr lang="en-US" altLang="en-US" sz="3200" u="sng" dirty="0" smtClean="0">
-                <a:latin typeface="Georgia" panose="02040502050405020303" pitchFamily="18" charset="0"/>
-              </a:rPr>
-            </a:br>
-            <a:r>
-              <a:rPr lang="en-US" altLang="en-US" sz="3200" u="sng" dirty="0" smtClean="0">
-                <a:latin typeface="Georgia" panose="02040502050405020303" pitchFamily="18" charset="0"/>
-              </a:rPr>
-              <a:t>Website</a:t>
-            </a:r>
-            <a:endParaRPr lang="en-US" altLang="en-US" sz="3200" u="sng" dirty="0">
-              <a:latin typeface="Georgia" panose="02040502050405020303" pitchFamily="18" charset="0"/>
-            </a:endParaRPr>
-          </a:p>
-        </p:txBody>
-      </p:sp>
-      <p:sp>
-        <p:nvSpPr>
-          <p:cNvPr id="6" name="Slide Number Placeholder 5"/>
-          <p:cNvSpPr>
-            <a:spLocks noGrp="1"/>
-          </p:cNvSpPr>
-          <p:nvPr>
-            <p:ph type="sldNum" sz="quarter" idx="12"/>
-          </p:nvPr>
-        </p:nvSpPr>
-        <p:spPr/>
-        <p:txBody>
-          <a:bodyPr/>
-          <a:lstStyle/>
-          <a:p>
-            <a:fld id="{B3561BA9-CDCF-4958-B8AB-66F3BF063E13}" type="slidenum">
-              <a:rPr lang="en-US" smtClean="0"/>
-              <a:t>13</a:t>
-            </a:fld>
-            <a:endParaRPr lang="en-US"/>
-          </a:p>
-        </p:txBody>
-      </p:sp>
-    </p:spTree>
-  </p:cSld>
-  <p:clrMapOvr>
-    <a:masterClrMapping/>
-  </p:clrMapOvr>
-  <p:timing>
-    <p:tnLst>
-      <p:par>
-        <p:cTn id="1" dur="indefinite" restart="never" nodeType="tmRoot"/>
-      </p:par>
-    </p:tnLst>
-  </p:timing>
-</p:sld>
-</file>
-
-<file path=ppt/slides/slide14.xml><?xml version="1.0" encoding="utf-8"?>
-<p:sld xmlns:a="http://schemas.openxmlformats.org/drawingml/2006/main" xmlns:r="http://schemas.openxmlformats.org/officeDocument/2006/relationships" xmlns:p="http://schemas.openxmlformats.org/presentationml/2006/main">
-  <p:cSld>
-    <p:spTree>
-      <p:nvGrpSpPr>
-        <p:cNvPr id="1" name=""/>
-        <p:cNvGrpSpPr/>
-        <p:nvPr/>
-      </p:nvGrpSpPr>
-      <p:grpSpPr>
-        <a:xfrm>
-          <a:off x="0" y="0"/>
-          <a:ext cx="0" cy="0"/>
-          <a:chOff x="0" y="0"/>
-          <a:chExt cx="0" cy="0"/>
-        </a:xfrm>
-      </p:grpSpPr>
-      <p:sp>
-        <p:nvSpPr>
-          <p:cNvPr id="4" name="Title 3"/>
-          <p:cNvSpPr>
-            <a:spLocks noGrp="1"/>
-          </p:cNvSpPr>
-          <p:nvPr>
-            <p:ph type="title"/>
-          </p:nvPr>
-        </p:nvSpPr>
-        <p:spPr>
-          <a:xfrm>
-            <a:off x="685134" y="138887"/>
-            <a:ext cx="11236325" cy="1325245"/>
-          </a:xfrm>
-        </p:spPr>
-        <p:txBody>
-          <a:bodyPr>
-            <a:normAutofit/>
-          </a:bodyPr>
-          <a:lstStyle/>
-          <a:p>
-            <a:pPr algn="ctr"/>
-            <a:r>
-              <a:rPr lang="en-US" altLang="en-US" sz="6000" u="sng" dirty="0">
-                <a:solidFill>
-                  <a:schemeClr val="tx1"/>
-                </a:solidFill>
-                <a:latin typeface="Georgia" panose="02040502050405020303" pitchFamily="18" charset="0"/>
-              </a:rPr>
-              <a:t>Risks</a:t>
-            </a:r>
-          </a:p>
-        </p:txBody>
-      </p:sp>
-      <p:sp>
-        <p:nvSpPr>
-          <p:cNvPr id="11" name="Slide Number Placeholder 10"/>
-          <p:cNvSpPr>
-            <a:spLocks noGrp="1"/>
-          </p:cNvSpPr>
-          <p:nvPr>
-            <p:ph type="sldNum" sz="quarter" idx="12"/>
-          </p:nvPr>
-        </p:nvSpPr>
-        <p:spPr/>
-        <p:txBody>
-          <a:bodyPr/>
-          <a:lstStyle/>
-          <a:p>
-            <a:fld id="{B3561BA9-CDCF-4958-B8AB-66F3BF063E13}" type="slidenum">
-              <a:rPr lang="en-US" smtClean="0"/>
-              <a:t>14</a:t>
-            </a:fld>
-            <a:endParaRPr lang="en-US"/>
-          </a:p>
-        </p:txBody>
-      </p:sp>
-      <p:sp>
-        <p:nvSpPr>
-          <p:cNvPr id="5" name="Text Box 4"/>
-          <p:cNvSpPr txBox="1"/>
-          <p:nvPr/>
-        </p:nvSpPr>
-        <p:spPr>
-          <a:xfrm>
-            <a:off x="1360139" y="1228377"/>
-            <a:ext cx="9436454" cy="830997"/>
-          </a:xfrm>
-          <a:prstGeom prst="rect">
-            <a:avLst/>
-          </a:prstGeom>
-          <a:noFill/>
-        </p:spPr>
-        <p:txBody>
-          <a:bodyPr wrap="square" rtlCol="0">
-            <a:spAutoFit/>
-          </a:bodyPr>
-          <a:lstStyle/>
-          <a:p>
-            <a:pPr marL="285750" indent="-285750">
-              <a:buFont typeface="Arial" panose="020B0604020202020204" pitchFamily="34" charset="0"/>
-              <a:buChar char="•"/>
-            </a:pPr>
-            <a:r>
-              <a:rPr lang="en-US" altLang="en-US" sz="2400" dirty="0">
-                <a:latin typeface="Georgia" panose="02040502050405020303" pitchFamily="18" charset="0"/>
-              </a:rPr>
-              <a:t>Exceed predetermined budget</a:t>
-            </a:r>
-          </a:p>
-          <a:p>
-            <a:pPr indent="0">
-              <a:buFont typeface="Arial" panose="020B0604020202020204" pitchFamily="34" charset="0"/>
-              <a:buNone/>
-            </a:pPr>
-            <a:r>
-              <a:rPr lang="en-US" altLang="en-US" sz="2400" dirty="0">
-                <a:latin typeface="Georgia" panose="02040502050405020303" pitchFamily="18" charset="0"/>
-              </a:rPr>
-              <a:t>	- Use only resources needed</a:t>
-            </a:r>
-          </a:p>
-        </p:txBody>
-      </p:sp>
-      <p:sp>
-        <p:nvSpPr>
-          <p:cNvPr id="6" name="Text Box 5"/>
-          <p:cNvSpPr txBox="1"/>
-          <p:nvPr/>
-        </p:nvSpPr>
-        <p:spPr>
-          <a:xfrm>
-            <a:off x="1360139" y="2104851"/>
-            <a:ext cx="6557645" cy="830997"/>
-          </a:xfrm>
-          <a:prstGeom prst="rect">
-            <a:avLst/>
-          </a:prstGeom>
-          <a:noFill/>
-        </p:spPr>
-        <p:txBody>
-          <a:bodyPr wrap="square" rtlCol="0">
-            <a:spAutoFit/>
-          </a:bodyPr>
-          <a:lstStyle/>
-          <a:p>
-            <a:pPr marL="285750" indent="-285750">
-              <a:buFont typeface="Arial" panose="020B0604020202020204" pitchFamily="34" charset="0"/>
-              <a:buChar char="•"/>
-            </a:pPr>
-            <a:r>
-              <a:rPr lang="en-US" altLang="en-US" sz="2400" dirty="0">
-                <a:latin typeface="Georgia" panose="02040502050405020303" pitchFamily="18" charset="0"/>
-              </a:rPr>
-              <a:t>Inconsistent staff availability</a:t>
-            </a:r>
-          </a:p>
-          <a:p>
-            <a:pPr indent="0">
-              <a:buFont typeface="Arial" panose="020B0604020202020204" pitchFamily="34" charset="0"/>
-              <a:buNone/>
-            </a:pPr>
-            <a:r>
-              <a:rPr lang="en-US" altLang="en-US" sz="2400" dirty="0">
-                <a:latin typeface="Georgia" panose="02040502050405020303" pitchFamily="18" charset="0"/>
-              </a:rPr>
-              <a:t>	- Overlap responsibilities</a:t>
-            </a:r>
-          </a:p>
-        </p:txBody>
-      </p:sp>
-      <p:sp>
-        <p:nvSpPr>
-          <p:cNvPr id="7" name="Text Box 6"/>
-          <p:cNvSpPr txBox="1"/>
-          <p:nvPr/>
-        </p:nvSpPr>
-        <p:spPr>
-          <a:xfrm>
-            <a:off x="1360139" y="2935848"/>
-            <a:ext cx="9070975" cy="830997"/>
-          </a:xfrm>
-          <a:prstGeom prst="rect">
-            <a:avLst/>
-          </a:prstGeom>
-          <a:noFill/>
-        </p:spPr>
-        <p:txBody>
-          <a:bodyPr wrap="square" rtlCol="0">
-            <a:spAutoFit/>
-          </a:bodyPr>
-          <a:lstStyle/>
-          <a:p>
-            <a:pPr marL="285750" indent="-285750">
-              <a:buFont typeface="Arial" panose="020B0604020202020204" pitchFamily="34" charset="0"/>
-              <a:buChar char="•"/>
-            </a:pPr>
-            <a:r>
-              <a:rPr lang="en-US" altLang="en-US" sz="2400" dirty="0">
-                <a:latin typeface="Georgia" panose="02040502050405020303" pitchFamily="18" charset="0"/>
-              </a:rPr>
-              <a:t>Technology in use becoming obsolete</a:t>
-            </a:r>
-          </a:p>
-          <a:p>
-            <a:pPr indent="0">
-              <a:buFont typeface="Arial" panose="020B0604020202020204" pitchFamily="34" charset="0"/>
-              <a:buNone/>
-            </a:pPr>
-            <a:r>
-              <a:rPr lang="en-US" altLang="en-US" sz="2400" dirty="0">
-                <a:latin typeface="Georgia" panose="02040502050405020303" pitchFamily="18" charset="0"/>
-              </a:rPr>
-              <a:t>	- Research current/upcoming developments</a:t>
-            </a:r>
-          </a:p>
-        </p:txBody>
-      </p:sp>
-      <p:sp>
-        <p:nvSpPr>
-          <p:cNvPr id="8" name="Text Box 7"/>
-          <p:cNvSpPr txBox="1"/>
-          <p:nvPr/>
-        </p:nvSpPr>
-        <p:spPr>
-          <a:xfrm>
-            <a:off x="1360139" y="3766845"/>
-            <a:ext cx="11302226" cy="830997"/>
-          </a:xfrm>
-          <a:prstGeom prst="rect">
-            <a:avLst/>
-          </a:prstGeom>
-          <a:noFill/>
-        </p:spPr>
-        <p:txBody>
-          <a:bodyPr wrap="square" rtlCol="0">
-            <a:spAutoFit/>
-          </a:bodyPr>
-          <a:lstStyle/>
-          <a:p>
-            <a:pPr marL="285750" indent="-285750">
-              <a:buFont typeface="Arial" panose="020B0604020202020204" pitchFamily="34" charset="0"/>
-              <a:buChar char="•"/>
-            </a:pPr>
-            <a:r>
-              <a:rPr lang="en-US" altLang="en-US" sz="2400" dirty="0">
-                <a:latin typeface="Georgia" panose="02040502050405020303" pitchFamily="18" charset="0"/>
-              </a:rPr>
-              <a:t>Data Protection Regulation changing</a:t>
-            </a:r>
-          </a:p>
-          <a:p>
-            <a:pPr indent="0">
-              <a:buFont typeface="Arial" panose="020B0604020202020204" pitchFamily="34" charset="0"/>
-              <a:buNone/>
-            </a:pPr>
-            <a:r>
-              <a:rPr lang="en-US" altLang="en-US" sz="2400" dirty="0">
-                <a:latin typeface="Georgia" panose="02040502050405020303" pitchFamily="18" charset="0"/>
-              </a:rPr>
-              <a:t>	- </a:t>
-            </a:r>
-            <a:r>
-              <a:rPr lang="en-US" altLang="en-US" sz="2400" dirty="0" smtClean="0">
-                <a:latin typeface="Georgia" panose="02040502050405020303" pitchFamily="18" charset="0"/>
-              </a:rPr>
-              <a:t>Keep up with current </a:t>
-            </a:r>
-            <a:r>
-              <a:rPr lang="en-US" altLang="en-US" sz="2400" dirty="0">
-                <a:latin typeface="Georgia" panose="02040502050405020303" pitchFamily="18" charset="0"/>
-              </a:rPr>
-              <a:t>legislation and any upcoming developments</a:t>
-            </a:r>
-          </a:p>
-        </p:txBody>
-      </p:sp>
-      <p:sp>
-        <p:nvSpPr>
-          <p:cNvPr id="9" name="Text Box 8"/>
-          <p:cNvSpPr txBox="1"/>
-          <p:nvPr/>
-        </p:nvSpPr>
-        <p:spPr>
-          <a:xfrm>
-            <a:off x="1360139" y="4643319"/>
-            <a:ext cx="10561320" cy="830997"/>
-          </a:xfrm>
-          <a:prstGeom prst="rect">
-            <a:avLst/>
-          </a:prstGeom>
-          <a:noFill/>
-        </p:spPr>
-        <p:txBody>
-          <a:bodyPr wrap="square" rtlCol="0">
-            <a:spAutoFit/>
-          </a:bodyPr>
-          <a:lstStyle/>
-          <a:p>
-            <a:pPr marL="285750" indent="-285750">
-              <a:buFont typeface="Arial" panose="020B0604020202020204" pitchFamily="34" charset="0"/>
-              <a:buChar char="•"/>
-            </a:pPr>
-            <a:r>
-              <a:rPr lang="en-US" altLang="en-US" sz="2400" dirty="0">
-                <a:latin typeface="Georgia" panose="02040502050405020303" pitchFamily="18" charset="0"/>
-              </a:rPr>
-              <a:t>Competitor creating alternative solution</a:t>
-            </a:r>
-          </a:p>
-          <a:p>
-            <a:pPr indent="0">
-              <a:buFont typeface="Arial" panose="020B0604020202020204" pitchFamily="34" charset="0"/>
-              <a:buNone/>
-            </a:pPr>
-            <a:r>
-              <a:rPr lang="en-US" altLang="en-US" sz="2400" dirty="0">
-                <a:latin typeface="Georgia" panose="02040502050405020303" pitchFamily="18" charset="0"/>
-              </a:rPr>
-              <a:t>	- Ensure we have lowest cost/most versatile product </a:t>
-            </a:r>
-          </a:p>
-        </p:txBody>
-      </p:sp>
-      <p:sp>
-        <p:nvSpPr>
-          <p:cNvPr id="10" name="Text Box 9"/>
-          <p:cNvSpPr txBox="1"/>
-          <p:nvPr/>
-        </p:nvSpPr>
-        <p:spPr>
-          <a:xfrm>
-            <a:off x="1347145" y="5519793"/>
-            <a:ext cx="10771444" cy="830997"/>
-          </a:xfrm>
-          <a:prstGeom prst="rect">
-            <a:avLst/>
-          </a:prstGeom>
-          <a:noFill/>
-        </p:spPr>
-        <p:txBody>
-          <a:bodyPr wrap="square" rtlCol="0">
-            <a:spAutoFit/>
-          </a:bodyPr>
-          <a:lstStyle/>
-          <a:p>
-            <a:pPr marL="285750" indent="-285750">
-              <a:buFont typeface="Arial" panose="020B0604020202020204" pitchFamily="34" charset="0"/>
-              <a:buChar char="•"/>
-            </a:pPr>
-            <a:r>
-              <a:rPr lang="en-US" altLang="en-US" sz="2400" dirty="0">
-                <a:latin typeface="Georgia" panose="02040502050405020303" pitchFamily="18" charset="0"/>
-              </a:rPr>
-              <a:t>Delay in delivering final product</a:t>
-            </a:r>
-          </a:p>
-          <a:p>
-            <a:pPr indent="0">
-              <a:buFont typeface="Arial" panose="020B0604020202020204" pitchFamily="34" charset="0"/>
-              <a:buNone/>
-            </a:pPr>
-            <a:r>
-              <a:rPr lang="en-US" altLang="en-US" sz="2400" dirty="0">
-                <a:latin typeface="Georgia" panose="02040502050405020303" pitchFamily="18" charset="0"/>
-              </a:rPr>
-              <a:t>	- Ensure work schedule is </a:t>
-            </a:r>
-            <a:r>
-              <a:rPr lang="en-US" altLang="en-US" sz="2400" dirty="0" err="1">
-                <a:latin typeface="Georgia" panose="02040502050405020303" pitchFamily="18" charset="0"/>
-              </a:rPr>
-              <a:t>managable</a:t>
-            </a:r>
-            <a:r>
-              <a:rPr lang="en-US" altLang="en-US" sz="2400" dirty="0">
-                <a:latin typeface="Georgia" panose="02040502050405020303" pitchFamily="18" charset="0"/>
-              </a:rPr>
-              <a:t> and project goal is achievable</a:t>
-            </a:r>
-          </a:p>
-        </p:txBody>
-      </p:sp>
-    </p:spTree>
-  </p:cSld>
-  <p:clrMapOvr>
-    <a:masterClrMapping/>
-  </p:clrMapOvr>
-  <p:timing>
-    <p:tnLst>
-      <p:par>
-        <p:cTn id="1" dur="indefinite" restart="never" nodeType="tmRoot"/>
-      </p:par>
-    </p:tnLst>
-  </p:timing>
-</p:sld>
-</file>
-
-<file path=ppt/slides/slide15.xml><?xml version="1.0" encoding="utf-8"?>
-<p:sld xmlns:a="http://schemas.openxmlformats.org/drawingml/2006/main" xmlns:r="http://schemas.openxmlformats.org/officeDocument/2006/relationships" xmlns:p="http://schemas.openxmlformats.org/presentationml/2006/main">
-  <p:cSld>
-    <p:spTree>
-      <p:nvGrpSpPr>
-        <p:cNvPr id="1" name=""/>
-        <p:cNvGrpSpPr/>
-        <p:nvPr/>
-      </p:nvGrpSpPr>
-      <p:grpSpPr>
-        <a:xfrm>
-          <a:off x="0" y="0"/>
-          <a:ext cx="0" cy="0"/>
-          <a:chOff x="0" y="0"/>
-          <a:chExt cx="0" cy="0"/>
-        </a:xfrm>
-      </p:grpSpPr>
-      <p:sp>
-        <p:nvSpPr>
-          <p:cNvPr id="4" name="Tytuł 1"/>
-          <p:cNvSpPr>
-            <a:spLocks noGrp="1"/>
-          </p:cNvSpPr>
-          <p:nvPr>
-            <p:ph type="title"/>
-          </p:nvPr>
-        </p:nvSpPr>
-        <p:spPr>
-          <a:xfrm>
-            <a:off x="1299055" y="512340"/>
-            <a:ext cx="9692640" cy="1325562"/>
-          </a:xfrm>
-        </p:spPr>
-        <p:txBody>
-          <a:bodyPr>
-            <a:normAutofit/>
-          </a:bodyPr>
-          <a:lstStyle/>
-          <a:p>
-            <a:pPr algn="ctr"/>
-            <a:r>
-              <a:rPr lang="en-GB" sz="6000" u="sng" dirty="0">
-                <a:solidFill>
-                  <a:schemeClr val="tx1"/>
-                </a:solidFill>
-                <a:latin typeface="Georgia" panose="02040502050405020303" pitchFamily="18" charset="0"/>
-              </a:rPr>
-              <a:t>Benefits</a:t>
-            </a:r>
-            <a:endParaRPr lang="pl-PL" sz="6000" u="sng" dirty="0">
-              <a:solidFill>
-                <a:schemeClr val="tx1"/>
-              </a:solidFill>
-              <a:latin typeface="Georgia" panose="02040502050405020303" pitchFamily="18" charset="0"/>
-            </a:endParaRPr>
-          </a:p>
-        </p:txBody>
-      </p:sp>
-      <p:sp>
-        <p:nvSpPr>
-          <p:cNvPr id="5" name="Symbol zastępczy zawartości 2"/>
-          <p:cNvSpPr>
-            <a:spLocks noGrp="1"/>
-          </p:cNvSpPr>
-          <p:nvPr>
-            <p:ph idx="1"/>
-          </p:nvPr>
-        </p:nvSpPr>
-        <p:spPr>
-          <a:xfrm>
-            <a:off x="1916371" y="1333606"/>
-            <a:ext cx="8458007" cy="5214971"/>
-          </a:xfrm>
-        </p:spPr>
-        <p:txBody>
-          <a:bodyPr>
-            <a:noAutofit/>
-          </a:bodyPr>
-          <a:lstStyle/>
-          <a:p>
-            <a:pPr marL="0" indent="0">
-              <a:buNone/>
-            </a:pPr>
-            <a:endParaRPr lang="en-GB" sz="2800" b="1" u="sng" dirty="0"/>
-          </a:p>
-          <a:p>
-            <a:pPr algn="ctr">
-              <a:lnSpc>
-                <a:spcPct val="170000"/>
-              </a:lnSpc>
-              <a:buFont typeface="Arial" panose="020B0604020202020204" pitchFamily="34" charset="0"/>
-              <a:buChar char="•"/>
-            </a:pPr>
-            <a:r>
-              <a:rPr lang="en-GB" sz="2800" dirty="0" smtClean="0">
-                <a:latin typeface="Georgia" panose="02040502050405020303" pitchFamily="18" charset="0"/>
-              </a:rPr>
-              <a:t>A </a:t>
-            </a:r>
-            <a:r>
-              <a:rPr lang="en-GB" sz="2800" dirty="0">
-                <a:latin typeface="Georgia" panose="02040502050405020303" pitchFamily="18" charset="0"/>
-              </a:rPr>
-              <a:t>reputation for fine IoT device production</a:t>
-            </a:r>
-          </a:p>
-          <a:p>
-            <a:pPr algn="ctr">
-              <a:lnSpc>
-                <a:spcPct val="170000"/>
-              </a:lnSpc>
-              <a:buFont typeface="Arial" panose="020B0604020202020204" pitchFamily="34" charset="0"/>
-              <a:buChar char="•"/>
-            </a:pPr>
-            <a:r>
-              <a:rPr lang="en-US" altLang="en-GB" sz="2800" dirty="0">
-                <a:latin typeface="Georgia" panose="02040502050405020303" pitchFamily="18" charset="0"/>
-              </a:rPr>
-              <a:t>L</a:t>
-            </a:r>
-            <a:r>
-              <a:rPr lang="en-GB" sz="2800" dirty="0">
-                <a:latin typeface="Georgia" panose="02040502050405020303" pitchFamily="18" charset="0"/>
-              </a:rPr>
-              <a:t>ow cost of production </a:t>
-            </a:r>
-          </a:p>
-          <a:p>
-            <a:pPr algn="ctr">
-              <a:lnSpc>
-                <a:spcPct val="170000"/>
-              </a:lnSpc>
-              <a:buFont typeface="Arial" panose="020B0604020202020204" pitchFamily="34" charset="0"/>
-              <a:buChar char="•"/>
-            </a:pPr>
-            <a:r>
-              <a:rPr lang="en-GB" sz="2800" dirty="0">
-                <a:latin typeface="Georgia" panose="02040502050405020303" pitchFamily="18" charset="0"/>
-              </a:rPr>
-              <a:t>Easy to </a:t>
-            </a:r>
-            <a:r>
-              <a:rPr lang="en-GB" sz="2800" dirty="0" smtClean="0">
-                <a:latin typeface="Georgia" panose="02040502050405020303" pitchFamily="18" charset="0"/>
-              </a:rPr>
-              <a:t>produce &amp;</a:t>
-            </a:r>
-            <a:r>
-              <a:rPr lang="en-GB" sz="2800" dirty="0">
-                <a:latin typeface="Georgia" panose="02040502050405020303" pitchFamily="18" charset="0"/>
-              </a:rPr>
-              <a:t> </a:t>
-            </a:r>
-            <a:r>
-              <a:rPr lang="en-GB" sz="2800" dirty="0" smtClean="0">
-                <a:latin typeface="Georgia" panose="02040502050405020303" pitchFamily="18" charset="0"/>
-              </a:rPr>
-              <a:t>advertise</a:t>
-            </a:r>
-            <a:endParaRPr lang="en-GB" sz="2800" dirty="0">
-              <a:latin typeface="Georgia" panose="02040502050405020303" pitchFamily="18" charset="0"/>
-            </a:endParaRPr>
-          </a:p>
-          <a:p>
-            <a:pPr algn="ctr">
-              <a:lnSpc>
-                <a:spcPct val="170000"/>
-              </a:lnSpc>
-              <a:buFont typeface="Arial" panose="020B0604020202020204" pitchFamily="34" charset="0"/>
-              <a:buChar char="•"/>
-            </a:pPr>
-            <a:r>
-              <a:rPr lang="en-GB" sz="2800" dirty="0" smtClean="0">
-                <a:latin typeface="Georgia" panose="02040502050405020303" pitchFamily="18" charset="0"/>
-              </a:rPr>
-              <a:t>Low </a:t>
-            </a:r>
-            <a:r>
-              <a:rPr lang="en-GB" sz="2800" dirty="0">
-                <a:latin typeface="Georgia" panose="02040502050405020303" pitchFamily="18" charset="0"/>
-              </a:rPr>
-              <a:t>maintenance costs</a:t>
-            </a:r>
-          </a:p>
-          <a:p>
-            <a:pPr algn="ctr">
-              <a:lnSpc>
-                <a:spcPct val="170000"/>
-              </a:lnSpc>
-              <a:buFont typeface="Arial" panose="020B0604020202020204" pitchFamily="34" charset="0"/>
-              <a:buChar char="•"/>
-            </a:pPr>
-            <a:r>
-              <a:rPr lang="en-US" altLang="en-GB" sz="2800" dirty="0">
-                <a:latin typeface="Georgia" panose="02040502050405020303" pitchFamily="18" charset="0"/>
-              </a:rPr>
-              <a:t>Be part of the Open Source Community</a:t>
-            </a:r>
-            <a:endParaRPr lang="en-GB" sz="2800" dirty="0">
-              <a:latin typeface="Georgia" panose="02040502050405020303" pitchFamily="18" charset="0"/>
-            </a:endParaRPr>
-          </a:p>
-          <a:p>
-            <a:endParaRPr lang="en-GB" sz="2400" dirty="0"/>
-          </a:p>
-          <a:p>
-            <a:pPr marL="0" indent="0">
-              <a:buNone/>
-            </a:pPr>
-            <a:endParaRPr lang="en-GB" sz="2400" dirty="0"/>
-          </a:p>
-          <a:p>
-            <a:endParaRPr lang="en-GB" sz="2400" dirty="0"/>
-          </a:p>
-          <a:p>
-            <a:endParaRPr lang="en-GB" sz="2400" dirty="0"/>
-          </a:p>
-        </p:txBody>
-      </p:sp>
-      <p:sp>
-        <p:nvSpPr>
-          <p:cNvPr id="6" name="Slide Number Placeholder 5"/>
-          <p:cNvSpPr>
-            <a:spLocks noGrp="1"/>
-          </p:cNvSpPr>
-          <p:nvPr>
-            <p:ph type="sldNum" sz="quarter" idx="12"/>
-          </p:nvPr>
-        </p:nvSpPr>
-        <p:spPr/>
-        <p:txBody>
-          <a:bodyPr/>
-          <a:lstStyle/>
-          <a:p>
-            <a:fld id="{B3561BA9-CDCF-4958-B8AB-66F3BF063E13}" type="slidenum">
-              <a:rPr lang="en-US" smtClean="0"/>
-              <a:t>15</a:t>
-            </a:fld>
-            <a:endParaRPr lang="en-US"/>
-          </a:p>
-        </p:txBody>
-      </p:sp>
-    </p:spTree>
-  </p:cSld>
-  <p:clrMapOvr>
-    <a:masterClrMapping/>
-  </p:clrMapOvr>
-  <p:timing>
-    <p:tnLst>
-      <p:par>
-        <p:cTn id="1" dur="indefinite" restart="never" nodeType="tmRoot"/>
-      </p:par>
-    </p:tnLst>
-  </p:timing>
-</p:sld>
-</file>
-
-<file path=ppt/slides/slide16.xml><?xml version="1.0" encoding="utf-8"?>
-<p:sld xmlns:a="http://schemas.openxmlformats.org/drawingml/2006/main" xmlns:r="http://schemas.openxmlformats.org/officeDocument/2006/relationships" xmlns:p="http://schemas.openxmlformats.org/presentationml/2006/main">
-  <p:cSld>
-    <p:spTree>
-      <p:nvGrpSpPr>
-        <p:cNvPr id="1" name=""/>
-        <p:cNvGrpSpPr/>
-        <p:nvPr/>
-      </p:nvGrpSpPr>
-      <p:grpSpPr>
-        <a:xfrm>
-          <a:off x="0" y="0"/>
-          <a:ext cx="0" cy="0"/>
-          <a:chOff x="0" y="0"/>
-          <a:chExt cx="0" cy="0"/>
-        </a:xfrm>
-      </p:grpSpPr>
-      <p:sp>
-        <p:nvSpPr>
-          <p:cNvPr id="4" name="Title 3"/>
-          <p:cNvSpPr>
-            <a:spLocks noGrp="1"/>
-          </p:cNvSpPr>
-          <p:nvPr>
-            <p:ph type="title"/>
-          </p:nvPr>
-        </p:nvSpPr>
-        <p:spPr>
-          <a:xfrm>
-            <a:off x="1369728" y="620633"/>
-            <a:ext cx="9692640" cy="1325562"/>
-          </a:xfrm>
-        </p:spPr>
-        <p:txBody>
-          <a:bodyPr>
-            <a:normAutofit/>
-          </a:bodyPr>
-          <a:lstStyle/>
-          <a:p>
-            <a:pPr algn="ctr"/>
-            <a:r>
-              <a:rPr lang="en-US" altLang="en-US" sz="6000" u="sng" dirty="0">
-                <a:solidFill>
-                  <a:schemeClr val="tx1"/>
-                </a:solidFill>
-                <a:latin typeface="Georgia" panose="02040502050405020303" pitchFamily="18" charset="0"/>
-              </a:rPr>
-              <a:t>Costs</a:t>
-            </a:r>
-          </a:p>
-        </p:txBody>
-      </p:sp>
-      <p:sp>
-        <p:nvSpPr>
-          <p:cNvPr id="5" name="Content Placeholder 4"/>
-          <p:cNvSpPr>
-            <a:spLocks noGrp="1"/>
-          </p:cNvSpPr>
-          <p:nvPr>
-            <p:ph idx="1"/>
-          </p:nvPr>
-        </p:nvSpPr>
-        <p:spPr>
-          <a:xfrm>
-            <a:off x="1918368" y="2328505"/>
-            <a:ext cx="8595360" cy="3645535"/>
-          </a:xfrm>
-        </p:spPr>
-        <p:txBody>
-          <a:bodyPr>
-            <a:noAutofit/>
-          </a:bodyPr>
-          <a:lstStyle/>
-          <a:p>
-            <a:pPr algn="ctr">
-              <a:lnSpc>
-                <a:spcPct val="150000"/>
-              </a:lnSpc>
-            </a:pPr>
-            <a:r>
-              <a:rPr lang="en-GB" sz="3200" dirty="0">
-                <a:latin typeface="Georgia" panose="02040502050405020303" pitchFamily="18" charset="0"/>
-                <a:sym typeface="+mn-ea"/>
-              </a:rPr>
-              <a:t>The hardware needed</a:t>
-            </a:r>
-            <a:endParaRPr lang="en-GB" sz="3200" dirty="0">
-              <a:latin typeface="Georgia" panose="02040502050405020303" pitchFamily="18" charset="0"/>
-            </a:endParaRPr>
-          </a:p>
-          <a:p>
-            <a:pPr algn="ctr">
-              <a:lnSpc>
-                <a:spcPct val="150000"/>
-              </a:lnSpc>
-            </a:pPr>
-            <a:r>
-              <a:rPr lang="en-GB" sz="3200" dirty="0">
-                <a:latin typeface="Georgia" panose="02040502050405020303" pitchFamily="18" charset="0"/>
-                <a:sym typeface="+mn-ea"/>
-              </a:rPr>
-              <a:t>The maintenance of the production line</a:t>
-            </a:r>
-            <a:endParaRPr lang="en-GB" sz="3200" dirty="0">
-              <a:latin typeface="Georgia" panose="02040502050405020303" pitchFamily="18" charset="0"/>
-            </a:endParaRPr>
-          </a:p>
-          <a:p>
-            <a:pPr algn="ctr">
-              <a:lnSpc>
-                <a:spcPct val="150000"/>
-              </a:lnSpc>
-            </a:pPr>
-            <a:r>
-              <a:rPr lang="en-GB" sz="3200" dirty="0">
-                <a:latin typeface="Georgia" panose="02040502050405020303" pitchFamily="18" charset="0"/>
-                <a:sym typeface="+mn-ea"/>
-              </a:rPr>
-              <a:t>The database and web hosting </a:t>
-            </a:r>
-          </a:p>
-          <a:p>
-            <a:pPr algn="ctr">
-              <a:lnSpc>
-                <a:spcPct val="150000"/>
-              </a:lnSpc>
-            </a:pPr>
-            <a:r>
-              <a:rPr lang="en-GB" sz="3200" dirty="0">
-                <a:latin typeface="Georgia" panose="02040502050405020303" pitchFamily="18" charset="0"/>
-                <a:sym typeface="+mn-ea"/>
-              </a:rPr>
-              <a:t>Potential commercial licences</a:t>
-            </a:r>
-            <a:endParaRPr lang="en-US" sz="3200" dirty="0">
-              <a:latin typeface="Georgia" panose="02040502050405020303" pitchFamily="18" charset="0"/>
-            </a:endParaRPr>
-          </a:p>
-        </p:txBody>
-      </p:sp>
-      <p:sp>
-        <p:nvSpPr>
-          <p:cNvPr id="6" name="Slide Number Placeholder 5"/>
-          <p:cNvSpPr>
-            <a:spLocks noGrp="1"/>
-          </p:cNvSpPr>
-          <p:nvPr>
-            <p:ph type="sldNum" sz="quarter" idx="12"/>
-          </p:nvPr>
-        </p:nvSpPr>
-        <p:spPr/>
-        <p:txBody>
-          <a:bodyPr/>
-          <a:lstStyle/>
-          <a:p>
-            <a:fld id="{B3561BA9-CDCF-4958-B8AB-66F3BF063E13}" type="slidenum">
-              <a:rPr lang="en-US" smtClean="0"/>
-              <a:t>16</a:t>
-            </a:fld>
-            <a:endParaRPr lang="en-US"/>
-          </a:p>
-        </p:txBody>
-      </p:sp>
-    </p:spTree>
-  </p:cSld>
-  <p:clrMapOvr>
-    <a:masterClrMapping/>
-  </p:clrMapOvr>
-  <p:timing>
-    <p:tnLst>
-      <p:par>
-        <p:cTn id="1" dur="indefinite" restart="never" nodeType="tmRoot"/>
-      </p:par>
-    </p:tnLst>
-  </p:timing>
-</p:sld>
-</file>
-
-<file path=ppt/slides/slide17.xml><?xml version="1.0" encoding="utf-8"?>
-<p:sld xmlns:a="http://schemas.openxmlformats.org/drawingml/2006/main" xmlns:r="http://schemas.openxmlformats.org/officeDocument/2006/relationships" xmlns:p="http://schemas.openxmlformats.org/presentationml/2006/main">
-  <p:cSld>
-    <p:spTree>
-      <p:nvGrpSpPr>
-        <p:cNvPr id="1" name=""/>
-        <p:cNvGrpSpPr/>
-        <p:nvPr/>
-      </p:nvGrpSpPr>
-      <p:grpSpPr>
-        <a:xfrm>
-          <a:off x="0" y="0"/>
-          <a:ext cx="0" cy="0"/>
-          <a:chOff x="0" y="0"/>
-          <a:chExt cx="0" cy="0"/>
-        </a:xfrm>
-      </p:grpSpPr>
-      <p:sp>
-        <p:nvSpPr>
-          <p:cNvPr id="4" name="Tytuł 1"/>
-          <p:cNvSpPr>
-            <a:spLocks noGrp="1"/>
-          </p:cNvSpPr>
-          <p:nvPr>
-            <p:ph type="title"/>
-          </p:nvPr>
-        </p:nvSpPr>
-        <p:spPr>
-          <a:xfrm>
-            <a:off x="1661160" y="578050"/>
-            <a:ext cx="9692640" cy="1325562"/>
-          </a:xfrm>
-        </p:spPr>
-        <p:txBody>
-          <a:bodyPr>
-            <a:normAutofit/>
-          </a:bodyPr>
-          <a:lstStyle/>
-          <a:p>
-            <a:pPr algn="ctr"/>
-            <a:r>
-              <a:rPr lang="en-GB" sz="6000" u="sng" dirty="0">
-                <a:solidFill>
-                  <a:schemeClr val="tx1"/>
-                </a:solidFill>
-                <a:latin typeface="Georgia" panose="02040502050405020303" pitchFamily="18" charset="0"/>
-              </a:rPr>
-              <a:t>Going </a:t>
-            </a:r>
-            <a:r>
-              <a:rPr lang="en-US" altLang="en-GB" sz="6000" u="sng" dirty="0">
-                <a:solidFill>
-                  <a:schemeClr val="tx1"/>
-                </a:solidFill>
-                <a:latin typeface="Georgia" panose="02040502050405020303" pitchFamily="18" charset="0"/>
-              </a:rPr>
-              <a:t>F</a:t>
-            </a:r>
-            <a:r>
-              <a:rPr lang="en-GB" sz="6000" u="sng" dirty="0">
-                <a:solidFill>
-                  <a:schemeClr val="tx1"/>
-                </a:solidFill>
-                <a:latin typeface="Georgia" panose="02040502050405020303" pitchFamily="18" charset="0"/>
-              </a:rPr>
-              <a:t>orward</a:t>
-            </a:r>
-            <a:r>
-              <a:rPr lang="en-GB" sz="6000" u="sng" dirty="0">
-                <a:latin typeface="Georgia" panose="02040502050405020303" pitchFamily="18" charset="0"/>
-              </a:rPr>
-              <a:t> </a:t>
-            </a:r>
-            <a:endParaRPr lang="pl-PL" sz="6000" u="sng" dirty="0">
-              <a:latin typeface="Georgia" panose="02040502050405020303" pitchFamily="18" charset="0"/>
-            </a:endParaRPr>
-          </a:p>
-        </p:txBody>
-      </p:sp>
-      <p:sp>
-        <p:nvSpPr>
-          <p:cNvPr id="5" name="Symbol zastępczy zawartości 2"/>
-          <p:cNvSpPr>
-            <a:spLocks noGrp="1"/>
-          </p:cNvSpPr>
-          <p:nvPr>
-            <p:ph idx="1"/>
-          </p:nvPr>
-        </p:nvSpPr>
-        <p:spPr>
-          <a:xfrm>
-            <a:off x="1267264" y="2116766"/>
-            <a:ext cx="10480431" cy="4604709"/>
-          </a:xfrm>
-        </p:spPr>
-        <p:txBody>
-          <a:bodyPr>
-            <a:normAutofit/>
-          </a:bodyPr>
-          <a:lstStyle/>
-          <a:p>
-            <a:pPr algn="ctr">
-              <a:lnSpc>
-                <a:spcPct val="120000"/>
-              </a:lnSpc>
-            </a:pPr>
-            <a:r>
-              <a:rPr lang="en-US" altLang="en-GB" sz="3200" dirty="0">
-                <a:latin typeface="Georgia" panose="02040502050405020303" pitchFamily="18" charset="0"/>
-              </a:rPr>
-              <a:t>Ensure continued </a:t>
-            </a:r>
-            <a:r>
-              <a:rPr lang="en-GB" sz="3200" dirty="0">
-                <a:latin typeface="Georgia" panose="02040502050405020303" pitchFamily="18" charset="0"/>
-              </a:rPr>
-              <a:t>communication with the client</a:t>
-            </a:r>
-          </a:p>
-          <a:p>
-            <a:pPr algn="ctr">
-              <a:lnSpc>
-                <a:spcPct val="120000"/>
-              </a:lnSpc>
-            </a:pPr>
-            <a:r>
-              <a:rPr lang="en-GB" sz="3200" dirty="0">
-                <a:latin typeface="Georgia" panose="02040502050405020303" pitchFamily="18" charset="0"/>
-              </a:rPr>
-              <a:t>Better inter-team communication</a:t>
-            </a:r>
-          </a:p>
-          <a:p>
-            <a:pPr algn="ctr">
-              <a:lnSpc>
-                <a:spcPct val="120000"/>
-              </a:lnSpc>
-            </a:pPr>
-            <a:r>
-              <a:rPr lang="en-GB" sz="3200" dirty="0" smtClean="0">
-                <a:latin typeface="Georgia" panose="02040502050405020303" pitchFamily="18" charset="0"/>
-              </a:rPr>
-              <a:t>Comprehensive description </a:t>
-            </a:r>
-            <a:r>
-              <a:rPr lang="en-GB" sz="3200" dirty="0">
-                <a:latin typeface="Georgia" panose="02040502050405020303" pitchFamily="18" charset="0"/>
-              </a:rPr>
-              <a:t>of working processes</a:t>
-            </a:r>
-          </a:p>
-          <a:p>
-            <a:pPr algn="ctr">
-              <a:lnSpc>
-                <a:spcPct val="120000"/>
-              </a:lnSpc>
-            </a:pPr>
-            <a:r>
-              <a:rPr lang="en-GB" sz="3200" dirty="0">
-                <a:latin typeface="Georgia" panose="02040502050405020303" pitchFamily="18" charset="0"/>
-              </a:rPr>
-              <a:t>Better software development methodologies</a:t>
-            </a:r>
-          </a:p>
-          <a:p>
-            <a:pPr marL="0" indent="0" algn="just">
-              <a:buNone/>
-            </a:pPr>
-            <a:endParaRPr lang="en-GB" sz="2000" dirty="0"/>
-          </a:p>
-          <a:p>
-            <a:pPr algn="just"/>
-            <a:endParaRPr lang="en-GB" sz="2000" dirty="0"/>
-          </a:p>
-        </p:txBody>
-      </p:sp>
-      <p:sp>
-        <p:nvSpPr>
-          <p:cNvPr id="6" name="Slide Number Placeholder 5"/>
-          <p:cNvSpPr>
-            <a:spLocks noGrp="1"/>
-          </p:cNvSpPr>
-          <p:nvPr>
-            <p:ph type="sldNum" sz="quarter" idx="12"/>
-          </p:nvPr>
-        </p:nvSpPr>
-        <p:spPr/>
-        <p:txBody>
-          <a:bodyPr/>
-          <a:lstStyle/>
-          <a:p>
-            <a:fld id="{B3561BA9-CDCF-4958-B8AB-66F3BF063E13}" type="slidenum">
-              <a:rPr lang="en-US" smtClean="0"/>
-              <a:t>17</a:t>
-            </a:fld>
-            <a:endParaRPr lang="en-US"/>
-          </a:p>
-        </p:txBody>
-      </p:sp>
-    </p:spTree>
-  </p:cSld>
-  <p:clrMapOvr>
-    <a:masterClrMapping/>
-  </p:clrMapOvr>
-  <p:timing>
-    <p:tnLst>
-      <p:par>
-        <p:cTn id="1" dur="indefinite" restart="never" nodeType="tmRoot"/>
-      </p:par>
-    </p:tnLst>
-  </p:timing>
-</p:sld>
-</file>
-
-<file path=ppt/slides/slide18.xml><?xml version="1.0" encoding="utf-8"?>
-<p:sld xmlns:a="http://schemas.openxmlformats.org/drawingml/2006/main" xmlns:r="http://schemas.openxmlformats.org/officeDocument/2006/relationships" xmlns:p="http://schemas.openxmlformats.org/presentationml/2006/main">
-  <p:cSld>
-    <p:spTree>
-      <p:nvGrpSpPr>
-        <p:cNvPr id="1" name=""/>
-        <p:cNvGrpSpPr/>
-        <p:nvPr/>
-      </p:nvGrpSpPr>
-      <p:grpSpPr>
-        <a:xfrm>
-          <a:off x="0" y="0"/>
-          <a:ext cx="0" cy="0"/>
-          <a:chOff x="0" y="0"/>
-          <a:chExt cx="0" cy="0"/>
-        </a:xfrm>
-      </p:grpSpPr>
-      <p:sp>
-        <p:nvSpPr>
-          <p:cNvPr id="4" name="Text Box 3"/>
-          <p:cNvSpPr txBox="1"/>
-          <p:nvPr/>
-        </p:nvSpPr>
-        <p:spPr>
-          <a:xfrm>
-            <a:off x="297648" y="2189428"/>
-            <a:ext cx="12174220" cy="2123658"/>
-          </a:xfrm>
-          <a:prstGeom prst="rect">
-            <a:avLst/>
-          </a:prstGeom>
-          <a:noFill/>
-        </p:spPr>
-        <p:txBody>
-          <a:bodyPr wrap="square" rtlCol="0">
-            <a:spAutoFit/>
-          </a:bodyPr>
-          <a:lstStyle/>
-          <a:p>
-            <a:pPr algn="ctr"/>
-            <a:r>
-              <a:rPr lang="" altLang="en-US" sz="4400" b="1" dirty="0">
-                <a:latin typeface="Georgia" panose="02040502050405020303" pitchFamily="18" charset="0"/>
-              </a:rPr>
-              <a:t>Thanks For Listening</a:t>
-            </a:r>
-          </a:p>
-          <a:p>
-            <a:pPr algn="ctr"/>
-            <a:endParaRPr lang="" altLang="en-US" sz="4400" b="1" dirty="0">
-              <a:latin typeface="Georgia" panose="02040502050405020303" pitchFamily="18" charset="0"/>
-            </a:endParaRPr>
-          </a:p>
-          <a:p>
-            <a:pPr algn="ctr"/>
-            <a:r>
-              <a:rPr lang="" altLang="en-US" sz="4400" b="1" dirty="0">
-                <a:latin typeface="Georgia" panose="02040502050405020303" pitchFamily="18" charset="0"/>
-              </a:rPr>
-              <a:t>We will now field any questions...</a:t>
-            </a:r>
-          </a:p>
-        </p:txBody>
-      </p:sp>
-      <p:sp>
-        <p:nvSpPr>
-          <p:cNvPr id="5" name="Slide Number Placeholder 4"/>
-          <p:cNvSpPr>
-            <a:spLocks noGrp="1"/>
-          </p:cNvSpPr>
-          <p:nvPr>
-            <p:ph type="sldNum" sz="quarter" idx="12"/>
-          </p:nvPr>
-        </p:nvSpPr>
-        <p:spPr/>
-        <p:txBody>
-          <a:bodyPr/>
-          <a:lstStyle/>
-          <a:p>
-            <a:fld id="{B3561BA9-CDCF-4958-B8AB-66F3BF063E13}" type="slidenum">
-              <a:rPr lang="en-US" smtClean="0"/>
-              <a:t>18</a:t>
-            </a:fld>
-            <a:endParaRPr lang="en-US"/>
-          </a:p>
-        </p:txBody>
-      </p:sp>
-    </p:spTree>
-  </p:cSld>
-  <p:clrMapOvr>
-    <a:masterClrMapping/>
-  </p:clrMapOvr>
-  <p:timing>
-    <p:tnLst>
-      <p:par>
-        <p:cTn id="1" dur="indefinite" restart="never" nodeType="tmRoot"/>
-      </p:par>
-    </p:tnLst>
-  </p:timing>
-</p:sld>
-</file>
-
-<file path=ppt/slides/slide2.xml><?xml version="1.0" encoding="utf-8"?>
-<p:sld xmlns:a="http://schemas.openxmlformats.org/drawingml/2006/main" xmlns:r="http://schemas.openxmlformats.org/officeDocument/2006/relationships" xmlns:p="http://schemas.openxmlformats.org/presentationml/2006/main">
-  <p:cSld>
-    <p:bg>
-      <p:bgPr>
-        <a:blipFill dpi="0" rotWithShape="1">
-          <a:blip r:embed="rId2">
-            <a:alphaModFix amt="71000"/>
-            <a:lum/>
-          </a:blip>
-          <a:srcRect/>
-          <a:stretch>
-            <a:fillRect t="-9000" b="-9000"/>
-          </a:stretch>
-        </a:blipFill>
-        <a:effectLst/>
-      </p:bgPr>
-    </p:bg>
-    <p:spTree>
-      <p:nvGrpSpPr>
-        <p:cNvPr id="1" name=""/>
-        <p:cNvGrpSpPr/>
-        <p:nvPr/>
-      </p:nvGrpSpPr>
-      <p:grpSpPr>
-        <a:xfrm>
-          <a:off x="0" y="0"/>
-          <a:ext cx="0" cy="0"/>
-          <a:chOff x="0" y="0"/>
-          <a:chExt cx="0" cy="0"/>
-        </a:xfrm>
-      </p:grpSpPr>
-      <p:sp>
-        <p:nvSpPr>
-          <p:cNvPr id="2" name="pole tekstowe 1">
-            <a:extLst>
-              <a:ext uri="{FF2B5EF4-FFF2-40B4-BE49-F238E27FC236}">
-                <a16:creationId xmlns:a16="http://schemas.microsoft.com/office/drawing/2014/main" id="{82C02A24-5672-47B6-8BCA-4F296AFD5639}"/>
-              </a:ext>
-            </a:extLst>
-          </p:cNvPr>
-          <p:cNvSpPr txBox="1"/>
-          <p:nvPr/>
-        </p:nvSpPr>
-        <p:spPr>
-          <a:xfrm>
-            <a:off x="1142924" y="1176951"/>
-            <a:ext cx="10255179" cy="4524315"/>
-          </a:xfrm>
-          <a:prstGeom prst="rect">
-            <a:avLst/>
-          </a:prstGeom>
-          <a:noFill/>
-          <a:ln>
-            <a:solidFill>
-              <a:schemeClr val="tx1"/>
-            </a:solidFill>
-          </a:ln>
-          <a:effectLst>
-            <a:outerShdw blurRad="50800" dist="38100" dir="10800000" algn="r" rotWithShape="0">
-              <a:prstClr val="black">
-                <a:alpha val="40000"/>
-              </a:prstClr>
-            </a:outerShdw>
-          </a:effectLst>
-        </p:spPr>
-        <p:txBody>
-          <a:bodyPr wrap="square" rtlCol="0">
-            <a:spAutoFit/>
-            <a:scene3d>
-              <a:camera prst="orthographicFront"/>
-              <a:lightRig rig="threePt" dir="t"/>
-            </a:scene3d>
-            <a:sp3d contourW="12700">
-              <a:contourClr>
-                <a:schemeClr val="tx1"/>
-              </a:contourClr>
-            </a:sp3d>
-          </a:bodyPr>
-          <a:lstStyle/>
-          <a:p>
-            <a:pPr marL="0" marR="0" lvl="0" indent="0" algn="l" defTabSz="457200" rtl="0" eaLnBrk="1" fontAlgn="auto" latinLnBrk="0" hangingPunct="1">
-              <a:lnSpc>
-                <a:spcPct val="100000"/>
-              </a:lnSpc>
-              <a:spcBef>
-                <a:spcPts val="0"/>
-              </a:spcBef>
-              <a:spcAft>
-                <a:spcPts val="0"/>
-              </a:spcAft>
-              <a:buClrTx/>
-              <a:buSzTx/>
-              <a:buFontTx/>
-              <a:buNone/>
-              <a:tabLst/>
-              <a:defRPr/>
-            </a:pPr>
-            <a:r>
-              <a:rPr kumimoji="0" lang="pl-PL" sz="9600" b="1" i="0" u="none" strike="noStrike" kern="1200" cap="none" spc="300" normalizeH="0" baseline="0" noProof="0" dirty="0">
-                <a:ln>
-                  <a:noFill/>
-                </a:ln>
-                <a:solidFill>
-                  <a:schemeClr val="bg1"/>
-                </a:solidFill>
-                <a:effectLst>
-                  <a:outerShdw blurRad="50800" dist="50800" algn="ctr" rotWithShape="0">
-                    <a:schemeClr val="tx1"/>
-                  </a:outerShdw>
-                </a:effectLst>
-                <a:uLnTx/>
-                <a:uFillTx/>
-                <a:latin typeface="Haettenschweiler" panose="020B0706040902060204" pitchFamily="34" charset="0"/>
-                <a:ea typeface="Verdana" panose="020B0604030504040204" pitchFamily="34" charset="0"/>
-                <a:cs typeface="Verdana" panose="020B0604030504040204" pitchFamily="34" charset="0"/>
-              </a:rPr>
-              <a:t>THE FUTURE OF </a:t>
-            </a:r>
-          </a:p>
-          <a:p>
-            <a:pPr marL="0" marR="0" lvl="0" indent="0" algn="l" defTabSz="457200" rtl="0" eaLnBrk="1" fontAlgn="auto" latinLnBrk="0" hangingPunct="1">
-              <a:lnSpc>
-                <a:spcPct val="100000"/>
-              </a:lnSpc>
-              <a:spcBef>
-                <a:spcPts val="0"/>
-              </a:spcBef>
-              <a:spcAft>
-                <a:spcPts val="0"/>
-              </a:spcAft>
-              <a:buClrTx/>
-              <a:buSzTx/>
-              <a:buFontTx/>
-              <a:buNone/>
-              <a:tabLst/>
-              <a:defRPr/>
-            </a:pPr>
-            <a:r>
-              <a:rPr kumimoji="0" lang="pl-PL" sz="9600" b="1" i="0" u="none" strike="noStrike" kern="1200" cap="none" spc="300" normalizeH="0" baseline="0" noProof="0" dirty="0">
-                <a:ln>
-                  <a:noFill/>
-                </a:ln>
-                <a:solidFill>
-                  <a:schemeClr val="bg1"/>
-                </a:solidFill>
-                <a:effectLst>
-                  <a:outerShdw blurRad="50800" dist="50800" algn="ctr" rotWithShape="0">
-                    <a:schemeClr val="tx1"/>
-                  </a:outerShdw>
-                </a:effectLst>
-                <a:uLnTx/>
-                <a:uFillTx/>
-                <a:latin typeface="Haettenschweiler" panose="020B0706040902060204" pitchFamily="34" charset="0"/>
-                <a:ea typeface="Verdana" panose="020B0604030504040204" pitchFamily="34" charset="0"/>
-                <a:cs typeface="Verdana" panose="020B0604030504040204" pitchFamily="34" charset="0"/>
-              </a:rPr>
-              <a:t>SMART GARDENING</a:t>
-            </a:r>
-          </a:p>
-          <a:p>
-            <a:pPr marL="0" marR="0" lvl="0" indent="0" algn="l" defTabSz="457200" rtl="0" eaLnBrk="1" fontAlgn="auto" latinLnBrk="0" hangingPunct="1">
-              <a:lnSpc>
-                <a:spcPct val="100000"/>
-              </a:lnSpc>
-              <a:spcBef>
-                <a:spcPts val="0"/>
-              </a:spcBef>
-              <a:spcAft>
-                <a:spcPts val="0"/>
-              </a:spcAft>
-              <a:buClrTx/>
-              <a:buSzTx/>
-              <a:buFontTx/>
-              <a:buNone/>
-              <a:tabLst/>
-              <a:defRPr/>
-            </a:pPr>
-            <a:r>
-              <a:rPr kumimoji="0" lang="pl-PL" sz="9600" b="1" i="0" u="none" strike="noStrike" kern="1200" cap="none" spc="300" normalizeH="0" baseline="0" noProof="0" dirty="0">
-                <a:ln>
-                  <a:noFill/>
-                </a:ln>
-                <a:solidFill>
-                  <a:schemeClr val="bg1"/>
-                </a:solidFill>
-                <a:effectLst>
-                  <a:outerShdw blurRad="50800" dist="50800" algn="ctr" rotWithShape="0">
-                    <a:schemeClr val="tx1"/>
-                  </a:outerShdw>
-                </a:effectLst>
-                <a:uLnTx/>
-                <a:uFillTx/>
-                <a:latin typeface="Haettenschweiler" panose="020B0706040902060204" pitchFamily="34" charset="0"/>
-                <a:ea typeface="Verdana" panose="020B0604030504040204" pitchFamily="34" charset="0"/>
-                <a:cs typeface="Verdana" panose="020B0604030504040204" pitchFamily="34" charset="0"/>
-              </a:rPr>
-              <a:t>STARTS </a:t>
-            </a:r>
-            <a:r>
-              <a:rPr kumimoji="0" lang="pl-PL" sz="9600" b="1" i="0" u="none" strike="noStrike" kern="1200" cap="none" spc="300" normalizeH="0" baseline="0" noProof="0" dirty="0" smtClean="0">
-                <a:ln>
-                  <a:noFill/>
-                </a:ln>
-                <a:solidFill>
-                  <a:schemeClr val="tx1">
-                    <a:lumMod val="95000"/>
-                    <a:lumOff val="5000"/>
-                  </a:schemeClr>
-                </a:solidFill>
-                <a:uLnTx/>
-                <a:uFillTx/>
-                <a:latin typeface="Haettenschweiler" panose="020B0706040902060204" pitchFamily="34" charset="0"/>
-                <a:ea typeface="Verdana" panose="020B0604030504040204" pitchFamily="34" charset="0"/>
-                <a:cs typeface="Verdana" panose="020B0604030504040204" pitchFamily="34" charset="0"/>
-              </a:rPr>
-              <a:t>HERE</a:t>
-            </a:r>
-            <a:r>
-              <a:rPr kumimoji="0" lang="pl-PL" sz="7200" b="1" i="0" u="none" strike="noStrike" kern="1200" cap="none" spc="300" normalizeH="0" baseline="0" noProof="0" dirty="0" smtClean="0">
-                <a:ln>
-                  <a:noFill/>
-                </a:ln>
-                <a:solidFill>
-                  <a:prstClr val="black"/>
-                </a:solidFill>
-                <a:uLnTx/>
-                <a:uFillTx/>
-                <a:latin typeface="Haettenschweiler" panose="020B0706040902060204" pitchFamily="34" charset="0"/>
-                <a:ea typeface="Verdana" panose="020B0604030504040204" pitchFamily="34" charset="0"/>
-                <a:cs typeface="Verdana" panose="020B0604030504040204" pitchFamily="34" charset="0"/>
-              </a:rPr>
-              <a:t>.</a:t>
-            </a:r>
-            <a:endParaRPr kumimoji="0" lang="pl-PL" sz="7200" b="1" i="0" u="none" strike="noStrike" kern="1200" cap="none" spc="300" normalizeH="0" baseline="0" noProof="0" dirty="0">
-              <a:ln>
-                <a:noFill/>
-              </a:ln>
-              <a:solidFill>
-                <a:prstClr val="black"/>
-              </a:solidFill>
-              <a:uLnTx/>
-              <a:uFillTx/>
-              <a:latin typeface="Haettenschweiler" panose="020B0706040902060204" pitchFamily="34" charset="0"/>
-              <a:ea typeface="Verdana" panose="020B0604030504040204" pitchFamily="34" charset="0"/>
-              <a:cs typeface="Verdana" panose="020B0604030504040204" pitchFamily="34" charset="0"/>
-            </a:endParaRPr>
-          </a:p>
-        </p:txBody>
-      </p:sp>
-    </p:spTree>
-    <p:extLst>
-      <p:ext uri="{BB962C8B-B14F-4D97-AF65-F5344CB8AC3E}">
-        <p14:creationId xmlns:p14="http://schemas.microsoft.com/office/powerpoint/2010/main" val="3252791136"/>
-      </p:ext>
-    </p:extLst>
-  </p:cSld>
-  <p:clrMapOvr>
-    <a:masterClrMapping/>
-  </p:clrMapOvr>
-  <p:timing>
-    <p:tnLst>
-      <p:par>
-        <p:cTn id="1" dur="indefinite" restart="never" nodeType="tmRoot"/>
-      </p:par>
-    </p:tnLst>
-  </p:timing>
 </p:sld>
 </file>
 
@@ -18528,7 +18374,7 @@
               <a:t> </a:t>
             </a:r>
             <a:r>
-              <a:rPr lang="pl-PL" sz="5000" u="sng" dirty="0" smtClean="0">
+              <a:rPr lang="pl-PL" sz="5000" u="sng" dirty="0">
                 <a:solidFill>
                   <a:schemeClr val="tx1"/>
                 </a:solidFill>
@@ -18537,7 +18383,7 @@
               <a:t>P</a:t>
             </a:r>
             <a:r>
-              <a:rPr lang="en-GB" sz="5000" u="sng" dirty="0" smtClean="0">
+              <a:rPr lang="en-GB" sz="5000" u="sng" dirty="0">
                 <a:solidFill>
                   <a:schemeClr val="tx1"/>
                 </a:solidFill>
@@ -18602,25 +18448,11 @@
               <a:buNone/>
             </a:pPr>
             <a:r>
-              <a:rPr lang="en-GB" sz="2600" spc="-150" dirty="0" smtClean="0">
-                <a:latin typeface="Arial" panose="020B0604020202020204" pitchFamily="34" charset="0"/>
-                <a:cs typeface="Arial" panose="020B0604020202020204" pitchFamily="34" charset="0"/>
-              </a:rPr>
-              <a:t>an IoT </a:t>
-            </a:r>
-            <a:r>
               <a:rPr lang="en-GB" sz="2600" spc="-150" dirty="0">
                 <a:latin typeface="Arial" panose="020B0604020202020204" pitchFamily="34" charset="0"/>
                 <a:cs typeface="Arial" panose="020B0604020202020204" pitchFamily="34" charset="0"/>
               </a:rPr>
-              <a:t>plant monitoring </a:t>
-            </a:r>
-            <a:r>
-              <a:rPr lang="en-GB" sz="2600" spc="-150" dirty="0" smtClean="0">
-                <a:latin typeface="Arial" panose="020B0604020202020204" pitchFamily="34" charset="0"/>
-                <a:cs typeface="Arial" panose="020B0604020202020204" pitchFamily="34" charset="0"/>
-              </a:rPr>
-              <a:t>system</a:t>
+              <a:t>an IoT plant monitoring system</a:t>
             </a:r>
           </a:p>
           <a:p>
@@ -18736,13 +18568,6 @@
   <p:clrMapOvr>
     <a:masterClrMapping/>
   </p:clrMapOvr>
-  <p:timing>
-    <p:tnLst>
-      <p:par>
-        <p:cTn id="1" dur="indefinite" restart="never" nodeType="tmRoot"/>
-      </p:par>
-    </p:tnLst>
-  </p:timing>
 </p:sld>
 </file>
 
@@ -19060,19 +18885,8 @@
                 <a:latin typeface="Arial" panose="020B0604020202020204" pitchFamily="34" charset="0"/>
                 <a:cs typeface="Arial" panose="020B0604020202020204" pitchFamily="34" charset="0"/>
               </a:rPr>
-              <a:t>- </a:t>
-            </a:r>
-            <a:r>
-              <a:rPr lang="en-US" altLang="en-US" sz="2800" spc="-150" dirty="0" smtClean="0">
-                <a:latin typeface="Arial" panose="020B0604020202020204" pitchFamily="34" charset="0"/>
-                <a:cs typeface="Arial" panose="020B0604020202020204" pitchFamily="34" charset="0"/>
-              </a:rPr>
-              <a:t>Benefits/costs</a:t>
-            </a:r>
-            <a:endParaRPr lang="en-US" altLang="en-US" sz="2800" spc="-150" dirty="0">
-              <a:latin typeface="Arial" panose="020B0604020202020204" pitchFamily="34" charset="0"/>
-              <a:cs typeface="Arial" panose="020B0604020202020204" pitchFamily="34" charset="0"/>
-            </a:endParaRPr>
+              <a:t>- Benefits/costs</a:t>
+            </a:r>
           </a:p>
         </p:txBody>
       </p:sp>
@@ -19104,13 +18918,6 @@
   <p:clrMapOvr>
     <a:masterClrMapping/>
   </p:clrMapOvr>
-  <p:timing>
-    <p:tnLst>
-      <p:par>
-        <p:cTn id="1" dur="indefinite" restart="never" nodeType="tmRoot"/>
-      </p:par>
-    </p:tnLst>
-  </p:timing>
 </p:sld>
 </file>
 
@@ -19155,7 +18962,7 @@
           <a:p>
             <a:pPr algn="ctr"/>
             <a:r>
-              <a:rPr lang="en-GB" sz="5000" u="sng" dirty="0" smtClean="0">
+              <a:rPr lang="en-GB" sz="5000" u="sng" dirty="0">
                 <a:solidFill>
                   <a:schemeClr val="tx1"/>
                 </a:solidFill>
@@ -19249,7 +19056,7 @@
               <a:t>from </a:t>
             </a:r>
             <a:r>
-              <a:rPr lang="en-GB" sz="2800" spc="-150" dirty="0" smtClean="0">
+              <a:rPr lang="en-GB" sz="2800" spc="-150" dirty="0">
                 <a:latin typeface="Arial" panose="020B0604020202020204" pitchFamily="34" charset="0"/>
                 <a:cs typeface="Arial" panose="020B0604020202020204" pitchFamily="34" charset="0"/>
                 <a:sym typeface="+mn-ea"/>
@@ -19257,7 +19064,7 @@
               <a:t>plant : temperature,</a:t>
             </a:r>
             <a:r>
-              <a:rPr lang="en-US" altLang="en-GB" sz="2800" spc="-150" dirty="0" smtClean="0">
+              <a:rPr lang="en-US" altLang="en-GB" sz="2800" spc="-150" dirty="0">
                 <a:latin typeface="Arial" panose="020B0604020202020204" pitchFamily="34" charset="0"/>
                 <a:cs typeface="Arial" panose="020B0604020202020204" pitchFamily="34" charset="0"/>
                 <a:sym typeface="+mn-ea"/>
@@ -19265,7 +19072,7 @@
               <a:t> l</a:t>
             </a:r>
             <a:r>
-              <a:rPr lang="en-GB" sz="2800" spc="-150" dirty="0" smtClean="0">
+              <a:rPr lang="en-GB" sz="2800" spc="-150" dirty="0">
                 <a:latin typeface="Arial" panose="020B0604020202020204" pitchFamily="34" charset="0"/>
                 <a:cs typeface="Arial" panose="020B0604020202020204" pitchFamily="34" charset="0"/>
                 <a:sym typeface="+mn-ea"/>
@@ -19287,23 +19094,7 @@
                 <a:cs typeface="Arial" panose="020B0604020202020204" pitchFamily="34" charset="0"/>
                 <a:sym typeface="+mn-ea"/>
               </a:rPr>
-              <a:t> </a:t>
-            </a:r>
-            <a:r>
-              <a:rPr lang="en-GB" sz="2800" spc="-150" dirty="0" smtClean="0">
-                <a:latin typeface="Arial" panose="020B0604020202020204" pitchFamily="34" charset="0"/>
-                <a:cs typeface="Arial" panose="020B0604020202020204" pitchFamily="34" charset="0"/>
-                <a:sym typeface="+mn-ea"/>
-              </a:rPr>
-              <a:t>Collect </a:t>
-            </a:r>
-            <a:r>
-              <a:rPr lang="en-GB" sz="2800" spc="-150" dirty="0">
-                <a:latin typeface="Arial" panose="020B0604020202020204" pitchFamily="34" charset="0"/>
-                <a:cs typeface="Arial" panose="020B0604020202020204" pitchFamily="34" charset="0"/>
-                <a:sym typeface="+mn-ea"/>
-              </a:rPr>
-              <a:t>data into Database</a:t>
+              <a:t> Collect data into Database</a:t>
             </a:r>
             <a:endParaRPr lang="en-GB" sz="2800" spc="-150" dirty="0">
               <a:latin typeface="Arial" panose="020B0604020202020204" pitchFamily="34" charset="0"/>
@@ -19319,20 +19110,12 @@
               <a:buChar char="•"/>
             </a:pPr>
             <a:r>
-              <a:rPr lang="en-GB" sz="2800" spc="-150" dirty="0" smtClean="0">
-                <a:latin typeface="Arial" panose="020B0604020202020204" pitchFamily="34" charset="0"/>
-                <a:cs typeface="Arial" panose="020B0604020202020204" pitchFamily="34" charset="0"/>
-                <a:sym typeface="+mn-ea"/>
-              </a:rPr>
-              <a:t> Present </a:t>
-            </a:r>
-            <a:r>
               <a:rPr lang="en-GB" sz="2800" spc="-150" dirty="0">
                 <a:latin typeface="Arial" panose="020B0604020202020204" pitchFamily="34" charset="0"/>
                 <a:cs typeface="Arial" panose="020B0604020202020204" pitchFamily="34" charset="0"/>
                 <a:sym typeface="+mn-ea"/>
               </a:rPr>
-              <a:t>data in a graphical manner on website</a:t>
+              <a:t> Present data in a graphical manner on website</a:t>
             </a:r>
             <a:endParaRPr lang="en-GB" sz="2800" spc="-150" dirty="0">
               <a:latin typeface="Arial" panose="020B0604020202020204" pitchFamily="34" charset="0"/>
@@ -19348,20 +19131,12 @@
               <a:buChar char="•"/>
             </a:pPr>
             <a:r>
-              <a:rPr lang="en-GB" sz="2800" spc="-150" dirty="0" smtClean="0">
-                <a:latin typeface="Arial" panose="020B0604020202020204" pitchFamily="34" charset="0"/>
-                <a:cs typeface="Arial" panose="020B0604020202020204" pitchFamily="34" charset="0"/>
-                <a:sym typeface="+mn-ea"/>
-              </a:rPr>
-              <a:t> Ability </a:t>
-            </a:r>
-            <a:r>
               <a:rPr lang="en-GB" sz="2800" spc="-150" dirty="0">
                 <a:latin typeface="Arial" panose="020B0604020202020204" pitchFamily="34" charset="0"/>
                 <a:cs typeface="Arial" panose="020B0604020202020204" pitchFamily="34" charset="0"/>
                 <a:sym typeface="+mn-ea"/>
               </a:rPr>
-              <a:t>to produce device commercially</a:t>
+              <a:t> Ability to produce device commercially</a:t>
             </a:r>
             <a:endParaRPr lang="en-GB" sz="2800" spc="-150" dirty="0">
               <a:latin typeface="Arial" panose="020B0604020202020204" pitchFamily="34" charset="0"/>
@@ -19377,20 +19152,12 @@
               <a:buChar char="•"/>
             </a:pPr>
             <a:r>
-              <a:rPr lang="en-GB" sz="2800" spc="-150" dirty="0" smtClean="0">
-                <a:latin typeface="Arial" panose="020B0604020202020204" pitchFamily="34" charset="0"/>
-                <a:cs typeface="Arial" panose="020B0604020202020204" pitchFamily="34" charset="0"/>
-                <a:sym typeface="+mn-ea"/>
-              </a:rPr>
-              <a:t> Easy </a:t>
-            </a:r>
-            <a:r>
               <a:rPr lang="en-GB" sz="2800" spc="-150" dirty="0">
                 <a:latin typeface="Arial" panose="020B0604020202020204" pitchFamily="34" charset="0"/>
                 <a:cs typeface="Arial" panose="020B0604020202020204" pitchFamily="34" charset="0"/>
                 <a:sym typeface="+mn-ea"/>
               </a:rPr>
-              <a:t>set-up of device </a:t>
+              <a:t> Easy set-up of device </a:t>
             </a:r>
             <a:endParaRPr lang="en-US" sz="2800" spc="-150" dirty="0">
               <a:latin typeface="Arial" panose="020B0604020202020204" pitchFamily="34" charset="0"/>
@@ -19417,13 +19184,6 @@
   <p:clrMapOvr>
     <a:masterClrMapping/>
   </p:clrMapOvr>
-  <p:timing>
-    <p:tnLst>
-      <p:par>
-        <p:cTn id="1" dur="indefinite" restart="never" nodeType="tmRoot"/>
-      </p:par>
-    </p:tnLst>
-  </p:timing>
 </p:sld>
 </file>
 
@@ -19550,19 +19310,8 @@
                 <a:latin typeface="Arial Black" panose="020B0A04020102020204" pitchFamily="34" charset="0"/>
                 <a:cs typeface="Arial" panose="020B0604020202020204" pitchFamily="34" charset="0"/>
               </a:rPr>
-              <a:t> the following will be done</a:t>
-            </a:r>
-            <a:r>
-              <a:rPr lang="en-GB" sz="2400" spc="-150" dirty="0" smtClean="0">
-                <a:latin typeface="Arial Black" panose="020B0A04020102020204" pitchFamily="34" charset="0"/>
-                <a:cs typeface="Arial" panose="020B0604020202020204" pitchFamily="34" charset="0"/>
-              </a:rPr>
-              <a:t>:</a:t>
-            </a:r>
-            <a:endParaRPr lang="en-GB" sz="2400" spc="-150" dirty="0">
-              <a:latin typeface="Arial Black" panose="020B0A04020102020204" pitchFamily="34" charset="0"/>
-              <a:cs typeface="Arial" panose="020B0604020202020204" pitchFamily="34" charset="0"/>
-            </a:endParaRPr>
+              <a:t> the following will be done:</a:t>
+            </a:r>
           </a:p>
           <a:p>
             <a:pPr algn="ctr">
@@ -19580,13 +19329,6 @@
               </a:rPr>
               <a:t>Use an Arduino UNO paired with a WEMOS board </a:t>
             </a:r>
-            <a:endParaRPr lang="en-GB" sz="2600" spc="-150" dirty="0" smtClean="0">
-              <a:solidFill>
-                <a:schemeClr val="tx1"/>
-              </a:solidFill>
-              <a:latin typeface="Arial" panose="020B0604020202020204" pitchFamily="34" charset="0"/>
-              <a:cs typeface="Arial" panose="020B0604020202020204" pitchFamily="34" charset="0"/>
-            </a:endParaRPr>
           </a:p>
           <a:p>
             <a:pPr marL="0" indent="0" algn="ctr">
@@ -19595,16 +19337,6 @@
               </a:lnSpc>
               <a:buNone/>
             </a:pPr>
-            <a:r>
-              <a:rPr lang="en-GB" sz="2600" spc="-150" dirty="0" smtClean="0">
-                <a:solidFill>
-                  <a:schemeClr val="tx1"/>
-                </a:solidFill>
-                <a:latin typeface="Arial" panose="020B0604020202020204" pitchFamily="34" charset="0"/>
-                <a:cs typeface="Arial" panose="020B0604020202020204" pitchFamily="34" charset="0"/>
-              </a:rPr>
-              <a:t>to </a:t>
-            </a:r>
             <a:r>
               <a:rPr lang="en-GB" sz="2600" spc="-150" dirty="0">
                 <a:solidFill>
@@ -19613,7 +19345,7 @@
                 <a:latin typeface="Arial" panose="020B0604020202020204" pitchFamily="34" charset="0"/>
                 <a:cs typeface="Arial" panose="020B0604020202020204" pitchFamily="34" charset="0"/>
               </a:rPr>
-              <a:t>collect data </a:t>
+              <a:t>to collect data </a:t>
             </a:r>
             <a:r>
               <a:rPr lang="en-US" altLang="en-GB" sz="2600" spc="-150" dirty="0">
@@ -19704,17 +19436,7 @@
                 <a:latin typeface="Arial" panose="020B0604020202020204" pitchFamily="34" charset="0"/>
                 <a:cs typeface="Arial" panose="020B0604020202020204" pitchFamily="34" charset="0"/>
               </a:rPr>
-              <a:t>Devices will be very easy to manufacture </a:t>
-            </a:r>
-            <a:r>
-              <a:rPr lang="en-GB" sz="2600" spc="-150" dirty="0" smtClean="0">
-                <a:solidFill>
-                  <a:schemeClr val="tx1"/>
-                </a:solidFill>
-                <a:latin typeface="Arial" panose="020B0604020202020204" pitchFamily="34" charset="0"/>
-                <a:cs typeface="Arial" panose="020B0604020202020204" pitchFamily="34" charset="0"/>
-              </a:rPr>
-              <a:t>on a large scale</a:t>
+              <a:t>Devices will be very easy to manufacture on a large scale</a:t>
             </a:r>
           </a:p>
           <a:p>
@@ -19723,16 +19445,6 @@
                 <a:spcPct val="150000"/>
               </a:lnSpc>
             </a:pPr>
-            <a:r>
-              <a:rPr lang="en-US" altLang="en-GB" sz="2600" spc="-150" dirty="0" smtClean="0">
-                <a:solidFill>
-                  <a:schemeClr val="tx1"/>
-                </a:solidFill>
-                <a:latin typeface="Arial" panose="020B0604020202020204" pitchFamily="34" charset="0"/>
-                <a:cs typeface="Arial" panose="020B0604020202020204" pitchFamily="34" charset="0"/>
-              </a:rPr>
-              <a:t>Device </a:t>
-            </a:r>
             <a:r>
               <a:rPr lang="en-US" altLang="en-GB" sz="2600" spc="-150" dirty="0">
                 <a:solidFill>
@@ -19741,7 +19453,7 @@
                 <a:latin typeface="Arial" panose="020B0604020202020204" pitchFamily="34" charset="0"/>
                 <a:cs typeface="Arial" panose="020B0604020202020204" pitchFamily="34" charset="0"/>
               </a:rPr>
-              <a:t>will be easy to setup</a:t>
+              <a:t>Device will be easy to setup</a:t>
             </a:r>
             <a:endParaRPr lang="en-GB" sz="2600" spc="-150" dirty="0">
               <a:solidFill>
@@ -19830,13 +19542,6 @@
   <p:clrMapOvr>
     <a:masterClrMapping/>
   </p:clrMapOvr>
-  <p:timing>
-    <p:tnLst>
-      <p:par>
-        <p:cTn id="1" dur="indefinite" restart="never" nodeType="tmRoot"/>
-      </p:par>
-    </p:tnLst>
-  </p:timing>
 </p:sld>
 </file>
 
@@ -19884,16 +19589,10 @@
               <a:rPr lang="en-US" altLang="en-US" sz="6000" u="sng" dirty="0">
                 <a:latin typeface="Georgia" panose="02040502050405020303" pitchFamily="18" charset="0"/>
               </a:rPr>
-              <a:t>The </a:t>
-            </a:r>
-            <a:r>
-              <a:rPr lang="en-US" altLang="en-US" sz="6000" u="sng" dirty="0" smtClean="0">
-                <a:latin typeface="Georgia" panose="02040502050405020303" pitchFamily="18" charset="0"/>
-              </a:rPr>
-              <a:t>Build</a:t>
+              <a:t>The Build</a:t>
             </a:r>
             <a:br>
-              <a:rPr lang="en-US" altLang="en-US" sz="6000" u="sng" dirty="0" smtClean="0">
+              <a:rPr lang="en-US" altLang="en-US" sz="6000" u="sng" dirty="0">
                 <a:latin typeface="Georgia" panose="02040502050405020303" pitchFamily="18" charset="0"/>
               </a:rPr>
             </a:br>
@@ -19980,7 +19679,7 @@
               </a:lnSpc>
             </a:pPr>
             <a:r>
-              <a:rPr lang="en-US" altLang="en-US" sz="2400" b="1" spc="-150" dirty="0" smtClean="0">
+              <a:rPr lang="en-US" altLang="en-US" sz="2400" b="1" spc="-150" dirty="0">
                 <a:latin typeface="Arial" panose="020B0604020202020204" pitchFamily="34" charset="0"/>
                 <a:cs typeface="Arial" panose="020B0604020202020204" pitchFamily="34" charset="0"/>
               </a:rPr>
@@ -19994,18 +19693,11 @@
               </a:lnSpc>
             </a:pPr>
             <a:r>
-              <a:rPr lang="en-US" altLang="en-US" sz="2400" spc="-150" dirty="0" smtClean="0">
-                <a:latin typeface="Arial" panose="020B0604020202020204" pitchFamily="34" charset="0"/>
-                <a:cs typeface="Arial" panose="020B0604020202020204" pitchFamily="34" charset="0"/>
-              </a:rPr>
-              <a:t> </a:t>
-            </a:r>
-            <a:r>
               <a:rPr lang="en-US" altLang="en-US" sz="2400" spc="-150" dirty="0">
                 <a:latin typeface="Arial" panose="020B0604020202020204" pitchFamily="34" charset="0"/>
                 <a:cs typeface="Arial" panose="020B0604020202020204" pitchFamily="34" charset="0"/>
               </a:rPr>
-              <a:t>Provides internet connectivity &amp; data routing</a:t>
+              <a:t> Provides internet connectivity &amp; data routing</a:t>
             </a:r>
           </a:p>
           <a:p>
@@ -20015,18 +19707,11 @@
               </a:lnSpc>
             </a:pPr>
             <a:r>
-              <a:rPr lang="en-US" altLang="en-US" sz="2400" b="1" spc="-150" dirty="0" smtClean="0">
-                <a:latin typeface="Arial" panose="020B0604020202020204" pitchFamily="34" charset="0"/>
-                <a:cs typeface="Arial" panose="020B0604020202020204" pitchFamily="34" charset="0"/>
-              </a:rPr>
-              <a:t>Database</a:t>
-            </a:r>
-            <a:r>
               <a:rPr lang="en-US" altLang="en-US" sz="2400" b="1" spc="-150" dirty="0">
                 <a:latin typeface="Arial" panose="020B0604020202020204" pitchFamily="34" charset="0"/>
                 <a:cs typeface="Arial" panose="020B0604020202020204" pitchFamily="34" charset="0"/>
               </a:rPr>
-              <a:t>:</a:t>
+              <a:t>Database:</a:t>
             </a:r>
             <a:r>
               <a:rPr lang="en-US" altLang="en-US" sz="2400" spc="-150" dirty="0">
@@ -20035,10 +19720,6 @@
               </a:rPr>
               <a:t> </a:t>
             </a:r>
-            <a:endParaRPr lang="en-US" altLang="en-US" sz="2400" spc="-150" dirty="0" smtClean="0">
-              <a:latin typeface="Arial" panose="020B0604020202020204" pitchFamily="34" charset="0"/>
-              <a:cs typeface="Arial" panose="020B0604020202020204" pitchFamily="34" charset="0"/>
-            </a:endParaRPr>
           </a:p>
           <a:p>
             <a:pPr>
@@ -20047,18 +19728,11 @@
               </a:lnSpc>
             </a:pPr>
             <a:r>
-              <a:rPr lang="en-US" altLang="en-US" sz="2400" spc="-150" dirty="0" smtClean="0">
-                <a:latin typeface="Arial" panose="020B0604020202020204" pitchFamily="34" charset="0"/>
-                <a:cs typeface="Arial" panose="020B0604020202020204" pitchFamily="34" charset="0"/>
-              </a:rPr>
-              <a:t>Holds </a:t>
-            </a:r>
-            <a:r>
               <a:rPr lang="en-US" altLang="en-US" sz="2400" spc="-150" dirty="0">
                 <a:latin typeface="Arial" panose="020B0604020202020204" pitchFamily="34" charset="0"/>
                 <a:cs typeface="Arial" panose="020B0604020202020204" pitchFamily="34" charset="0"/>
               </a:rPr>
-              <a:t>collected data</a:t>
+              <a:t>Holds collected data</a:t>
             </a:r>
           </a:p>
           <a:p>
@@ -20068,18 +19742,11 @@
               </a:lnSpc>
             </a:pPr>
             <a:r>
-              <a:rPr lang="en-US" altLang="en-US" sz="2400" b="1" spc="-150" dirty="0" smtClean="0">
-                <a:latin typeface="Arial" panose="020B0604020202020204" pitchFamily="34" charset="0"/>
-                <a:cs typeface="Arial" panose="020B0604020202020204" pitchFamily="34" charset="0"/>
-              </a:rPr>
-              <a:t>Website</a:t>
-            </a:r>
-            <a:r>
               <a:rPr lang="en-US" altLang="en-US" sz="2400" b="1" spc="-150" dirty="0">
                 <a:latin typeface="Arial" panose="020B0604020202020204" pitchFamily="34" charset="0"/>
                 <a:cs typeface="Arial" panose="020B0604020202020204" pitchFamily="34" charset="0"/>
               </a:rPr>
-              <a:t>:</a:t>
+              <a:t>Website:</a:t>
             </a:r>
             <a:r>
               <a:rPr lang="en-US" altLang="en-US" sz="2400" spc="-150" dirty="0">
@@ -20088,10 +19755,6 @@
               </a:rPr>
               <a:t> </a:t>
             </a:r>
-            <a:endParaRPr lang="en-US" altLang="en-US" sz="2400" spc="-150" dirty="0" smtClean="0">
-              <a:latin typeface="Arial" panose="020B0604020202020204" pitchFamily="34" charset="0"/>
-              <a:cs typeface="Arial" panose="020B0604020202020204" pitchFamily="34" charset="0"/>
-            </a:endParaRPr>
           </a:p>
           <a:p>
             <a:pPr>
@@ -20100,18 +19763,11 @@
               </a:lnSpc>
             </a:pPr>
             <a:r>
-              <a:rPr lang="en-US" altLang="en-US" sz="2400" spc="-150" dirty="0" smtClean="0">
-                <a:latin typeface="Arial" panose="020B0604020202020204" pitchFamily="34" charset="0"/>
-                <a:cs typeface="Arial" panose="020B0604020202020204" pitchFamily="34" charset="0"/>
-              </a:rPr>
-              <a:t>Displays </a:t>
-            </a:r>
-            <a:r>
               <a:rPr lang="en-US" altLang="en-US" sz="2400" spc="-150" dirty="0">
                 <a:latin typeface="Arial" panose="020B0604020202020204" pitchFamily="34" charset="0"/>
                 <a:cs typeface="Arial" panose="020B0604020202020204" pitchFamily="34" charset="0"/>
               </a:rPr>
-              <a:t>collected information</a:t>
+              <a:t>Displays collected information</a:t>
             </a:r>
           </a:p>
         </p:txBody>
@@ -20248,13 +19904,6 @@
   <p:clrMapOvr>
     <a:masterClrMapping/>
   </p:clrMapOvr>
-  <p:timing>
-    <p:tnLst>
-      <p:par>
-        <p:cTn id="1" dur="indefinite" restart="never" nodeType="tmRoot"/>
-      </p:par>
-    </p:tnLst>
-  </p:timing>
 </p:sld>
 </file>
 
@@ -20522,13 +20171,6 @@
   <p:clrMapOvr>
     <a:masterClrMapping/>
   </p:clrMapOvr>
-  <p:timing>
-    <p:tnLst>
-      <p:par>
-        <p:cTn id="1" dur="indefinite" restart="never" nodeType="tmRoot"/>
-      </p:par>
-    </p:tnLst>
-  </p:timing>
 </p:sld>
 </file>
 
@@ -20629,7 +20271,7 @@
           <a:lstStyle/>
           <a:p>
             <a:r>
-              <a:rPr lang="en-US" altLang="en-US" sz="2400" b="1" dirty="0" smtClean="0">
+              <a:rPr lang="en-US" altLang="en-US" sz="2400" b="1" dirty="0">
                 <a:latin typeface="Georgia" panose="02040502050405020303" pitchFamily="18" charset="0"/>
               </a:rPr>
               <a:t>Agile</a:t>
@@ -20644,26 +20286,11 @@
               <a:buChar char="•"/>
             </a:pPr>
             <a:r>
-              <a:rPr lang="en-US" altLang="en-US" sz="2400" dirty="0" smtClean="0">
-                <a:latin typeface="Georgia" panose="02040502050405020303" pitchFamily="18" charset="0"/>
-              </a:rPr>
-              <a:t>Communication </a:t>
-            </a:r>
-            <a:r>
               <a:rPr lang="en-US" altLang="en-US" sz="2400" dirty="0">
                 <a:latin typeface="Georgia" panose="02040502050405020303" pitchFamily="18" charset="0"/>
               </a:rPr>
-              <a:t>and </a:t>
-            </a:r>
-            <a:r>
-              <a:rPr lang="en-US" altLang="en-US" sz="2400" dirty="0" smtClean="0">
-                <a:latin typeface="Georgia" panose="02040502050405020303" pitchFamily="18" charset="0"/>
-              </a:rPr>
-              <a:t>collaboration</a:t>
-            </a:r>
-            <a:endParaRPr lang="en-US" altLang="en-US" sz="2400" dirty="0">
-              <a:latin typeface="Georgia" panose="02040502050405020303" pitchFamily="18" charset="0"/>
-            </a:endParaRPr>
+              <a:t>Communication and collaboration</a:t>
+            </a:r>
           </a:p>
           <a:p>
             <a:pPr marL="342900" indent="-342900">
@@ -20671,16 +20298,10 @@
               <a:buChar char="•"/>
             </a:pPr>
             <a:r>
-              <a:rPr lang="en-US" altLang="en-US" sz="2400" dirty="0" smtClean="0">
-                <a:latin typeface="Georgia" panose="02040502050405020303" pitchFamily="18" charset="0"/>
-              </a:rPr>
-              <a:t>Functioning </a:t>
-            </a:r>
-            <a:r>
               <a:rPr lang="en-US" altLang="en-US" sz="2400" dirty="0">
                 <a:latin typeface="Georgia" panose="02040502050405020303" pitchFamily="18" charset="0"/>
               </a:rPr>
-              <a:t>software</a:t>
+              <a:t>Functioning software</a:t>
             </a:r>
           </a:p>
           <a:p>
@@ -20689,22 +20310,10 @@
               <a:buChar char="•"/>
             </a:pPr>
             <a:r>
-              <a:rPr lang="en-US" altLang="en-US" sz="2400" dirty="0" smtClean="0">
-                <a:latin typeface="Georgia" panose="02040502050405020303" pitchFamily="18" charset="0"/>
-              </a:rPr>
-              <a:t>Team </a:t>
-            </a:r>
-            <a:r>
               <a:rPr lang="en-US" altLang="en-US" sz="2400" dirty="0">
                 <a:latin typeface="Georgia" panose="02040502050405020303" pitchFamily="18" charset="0"/>
               </a:rPr>
-              <a:t>self </a:t>
-            </a:r>
-            <a:r>
-              <a:rPr lang="en-US" altLang="en-US" sz="2400" dirty="0" smtClean="0">
-                <a:latin typeface="Georgia" panose="02040502050405020303" pitchFamily="18" charset="0"/>
-              </a:rPr>
-              <a:t>organization</a:t>
+              <a:t>Team self organization</a:t>
             </a:r>
           </a:p>
           <a:p>
@@ -20713,20 +20322,20 @@
               <a:buChar char="•"/>
             </a:pPr>
             <a:r>
-              <a:rPr lang="en-US" altLang="en-US" sz="2400" dirty="0" smtClean="0">
+              <a:rPr lang="en-US" altLang="en-US" sz="2400" dirty="0">
                 <a:latin typeface="Georgia" panose="02040502050405020303" pitchFamily="18" charset="0"/>
               </a:rPr>
               <a:t>Adaptable</a:t>
             </a:r>
           </a:p>
           <a:p>
-            <a:endParaRPr lang="en-US" altLang="en-US" sz="2400" dirty="0" smtClean="0">
+            <a:endParaRPr lang="en-US" altLang="en-US" sz="2400" dirty="0">
               <a:latin typeface="Georgia" panose="02040502050405020303" pitchFamily="18" charset="0"/>
             </a:endParaRPr>
           </a:p>
           <a:p>
             <a:r>
-              <a:rPr lang="en-US" altLang="en-US" sz="2400" b="1" dirty="0" smtClean="0">
+              <a:rPr lang="en-US" altLang="en-US" sz="2400" b="1" dirty="0">
                 <a:latin typeface="Georgia" panose="02040502050405020303" pitchFamily="18" charset="0"/>
               </a:rPr>
               <a:t>Scrum</a:t>
@@ -20756,37 +20365,19 @@
               <a:rPr lang="en-US" altLang="en-US" sz="2400" dirty="0">
                 <a:latin typeface="Georgia" panose="02040502050405020303" pitchFamily="18" charset="0"/>
               </a:rPr>
-              <a:t>B</a:t>
-            </a:r>
-            <a:r>
-              <a:rPr lang="en-US" altLang="en-US" sz="2400" dirty="0" smtClean="0">
-                <a:latin typeface="Georgia" panose="02040502050405020303" pitchFamily="18" charset="0"/>
-              </a:rPr>
-              <a:t>reak </a:t>
-            </a:r>
+              <a:t>Break down work into Sprints, </a:t>
+            </a:r>
+          </a:p>
+          <a:p>
             <a:r>
               <a:rPr lang="en-US" altLang="en-US" sz="2400" dirty="0">
                 <a:latin typeface="Georgia" panose="02040502050405020303" pitchFamily="18" charset="0"/>
               </a:rPr>
-              <a:t>down work into </a:t>
-            </a:r>
-            <a:r>
-              <a:rPr lang="en-US" altLang="en-US" sz="2400" dirty="0" smtClean="0">
-                <a:latin typeface="Georgia" panose="02040502050405020303" pitchFamily="18" charset="0"/>
-              </a:rPr>
-              <a:t>Sprints, </a:t>
-            </a:r>
-          </a:p>
-          <a:p>
-            <a:r>
-              <a:rPr lang="en-US" altLang="en-US" sz="2400" dirty="0" smtClean="0">
-                <a:latin typeface="Georgia" panose="02040502050405020303" pitchFamily="18" charset="0"/>
-              </a:rPr>
               <a:t>     continuous improvement</a:t>
             </a:r>
           </a:p>
           <a:p>
-            <a:endParaRPr lang="en-US" altLang="en-US" sz="2400" dirty="0" smtClean="0">
+            <a:endParaRPr lang="en-US" altLang="en-US" sz="2400" dirty="0">
               <a:latin typeface="Georgia" panose="02040502050405020303" pitchFamily="18" charset="0"/>
             </a:endParaRPr>
           </a:p>
@@ -20860,13 +20451,6 @@
   <p:clrMapOvr>
     <a:masterClrMapping/>
   </p:clrMapOvr>
-  <p:timing>
-    <p:tnLst>
-      <p:par>
-        <p:cTn id="1" dur="indefinite" restart="never" nodeType="tmRoot"/>
-      </p:par>
-    </p:tnLst>
-  </p:timing>
 </p:sld>
 </file>
 
